--- a/기획서/신버전/퍼즐 기획.pptx
+++ b/기획서/신버전/퍼즐 기획.pptx
@@ -223,7 +223,7 @@
           <a:p>
             <a:fld id="{D686C50E-113A-4B4A-8A5C-9EE1E9DBA064}" type="datetimeFigureOut">
               <a:rPr lang="ko-KR" altLang="en-US" smtClean="0"/>
-              <a:t>2021-04-05</a:t>
+              <a:t>2021-04-13</a:t>
             </a:fld>
             <a:endParaRPr lang="ko-KR" altLang="en-US" dirty="0"/>
           </a:p>
@@ -400,7 +400,7 @@
           <a:p>
             <a:fld id="{40EC3B2E-CA71-40FC-A78E-FA212ABD0BB7}" type="datetimeFigureOut">
               <a:rPr lang="ko-KR" altLang="en-US" smtClean="0"/>
-              <a:t>2021-04-05</a:t>
+              <a:t>2021-04-13</a:t>
             </a:fld>
             <a:endParaRPr lang="ko-KR" altLang="en-US" dirty="0"/>
           </a:p>
@@ -798,7 +798,7 @@
           <a:p>
             <a:fld id="{F8CAAD71-D53C-4447-AAA3-BC9075A67E69}" type="datetimeFigureOut">
               <a:rPr lang="ko-KR" altLang="en-US" smtClean="0"/>
-              <a:t>2021-04-05</a:t>
+              <a:t>2021-04-13</a:t>
             </a:fld>
             <a:endParaRPr lang="ko-KR" altLang="en-US" dirty="0"/>
           </a:p>
@@ -968,7 +968,7 @@
           <a:p>
             <a:fld id="{F8CAAD71-D53C-4447-AAA3-BC9075A67E69}" type="datetimeFigureOut">
               <a:rPr lang="ko-KR" altLang="en-US" smtClean="0"/>
-              <a:t>2021-04-05</a:t>
+              <a:t>2021-04-13</a:t>
             </a:fld>
             <a:endParaRPr lang="ko-KR" altLang="en-US" dirty="0"/>
           </a:p>
@@ -1148,7 +1148,7 @@
           <a:p>
             <a:fld id="{F8CAAD71-D53C-4447-AAA3-BC9075A67E69}" type="datetimeFigureOut">
               <a:rPr lang="ko-KR" altLang="en-US" smtClean="0"/>
-              <a:t>2021-04-05</a:t>
+              <a:t>2021-04-13</a:t>
             </a:fld>
             <a:endParaRPr lang="ko-KR" altLang="en-US" dirty="0"/>
           </a:p>
@@ -1318,7 +1318,7 @@
           <a:p>
             <a:fld id="{F8CAAD71-D53C-4447-AAA3-BC9075A67E69}" type="datetimeFigureOut">
               <a:rPr lang="ko-KR" altLang="en-US" smtClean="0"/>
-              <a:t>2021-04-05</a:t>
+              <a:t>2021-04-13</a:t>
             </a:fld>
             <a:endParaRPr lang="ko-KR" altLang="en-US" dirty="0"/>
           </a:p>
@@ -1564,7 +1564,7 @@
           <a:p>
             <a:fld id="{F8CAAD71-D53C-4447-AAA3-BC9075A67E69}" type="datetimeFigureOut">
               <a:rPr lang="ko-KR" altLang="en-US" smtClean="0"/>
-              <a:t>2021-04-05</a:t>
+              <a:t>2021-04-13</a:t>
             </a:fld>
             <a:endParaRPr lang="ko-KR" altLang="en-US" dirty="0"/>
           </a:p>
@@ -1796,7 +1796,7 @@
           <a:p>
             <a:fld id="{F8CAAD71-D53C-4447-AAA3-BC9075A67E69}" type="datetimeFigureOut">
               <a:rPr lang="ko-KR" altLang="en-US" smtClean="0"/>
-              <a:t>2021-04-05</a:t>
+              <a:t>2021-04-13</a:t>
             </a:fld>
             <a:endParaRPr lang="ko-KR" altLang="en-US" dirty="0"/>
           </a:p>
@@ -2163,7 +2163,7 @@
           <a:p>
             <a:fld id="{F8CAAD71-D53C-4447-AAA3-BC9075A67E69}" type="datetimeFigureOut">
               <a:rPr lang="ko-KR" altLang="en-US" smtClean="0"/>
-              <a:t>2021-04-05</a:t>
+              <a:t>2021-04-13</a:t>
             </a:fld>
             <a:endParaRPr lang="ko-KR" altLang="en-US" dirty="0"/>
           </a:p>
@@ -2281,7 +2281,7 @@
           <a:p>
             <a:fld id="{F8CAAD71-D53C-4447-AAA3-BC9075A67E69}" type="datetimeFigureOut">
               <a:rPr lang="ko-KR" altLang="en-US" smtClean="0"/>
-              <a:t>2021-04-05</a:t>
+              <a:t>2021-04-13</a:t>
             </a:fld>
             <a:endParaRPr lang="ko-KR" altLang="en-US" dirty="0"/>
           </a:p>
@@ -2376,7 +2376,7 @@
           <a:p>
             <a:fld id="{F8CAAD71-D53C-4447-AAA3-BC9075A67E69}" type="datetimeFigureOut">
               <a:rPr lang="ko-KR" altLang="en-US" smtClean="0"/>
-              <a:t>2021-04-05</a:t>
+              <a:t>2021-04-13</a:t>
             </a:fld>
             <a:endParaRPr lang="ko-KR" altLang="en-US" dirty="0"/>
           </a:p>
@@ -2653,7 +2653,7 @@
           <a:p>
             <a:fld id="{F8CAAD71-D53C-4447-AAA3-BC9075A67E69}" type="datetimeFigureOut">
               <a:rPr lang="ko-KR" altLang="en-US" smtClean="0"/>
-              <a:t>2021-04-05</a:t>
+              <a:t>2021-04-13</a:t>
             </a:fld>
             <a:endParaRPr lang="ko-KR" altLang="en-US" dirty="0"/>
           </a:p>
@@ -2910,7 +2910,7 @@
           <a:p>
             <a:fld id="{F8CAAD71-D53C-4447-AAA3-BC9075A67E69}" type="datetimeFigureOut">
               <a:rPr lang="ko-KR" altLang="en-US" smtClean="0"/>
-              <a:t>2021-04-05</a:t>
+              <a:t>2021-04-13</a:t>
             </a:fld>
             <a:endParaRPr lang="ko-KR" altLang="en-US" dirty="0"/>
           </a:p>
@@ -3128,7 +3128,7 @@
           <a:p>
             <a:fld id="{F8CAAD71-D53C-4447-AAA3-BC9075A67E69}" type="datetimeFigureOut">
               <a:rPr lang="ko-KR" altLang="en-US" smtClean="0"/>
-              <a:t>2021-04-05</a:t>
+              <a:t>2021-04-13</a:t>
             </a:fld>
             <a:endParaRPr lang="ko-KR" altLang="en-US" dirty="0"/>
           </a:p>
@@ -7798,6 +7798,243 @@
           </a:p>
         </p:txBody>
       </p:sp>
+      <p:sp>
+        <p:nvSpPr>
+          <p:cNvPr id="4" name="TextBox 3">
+            <a:extLst>
+              <a:ext uri="{FF2B5EF4-FFF2-40B4-BE49-F238E27FC236}">
+                <a16:creationId xmlns:a16="http://schemas.microsoft.com/office/drawing/2014/main" id="{9D8E5295-D035-4EA6-93F8-3346CE828A56}"/>
+              </a:ext>
+            </a:extLst>
+          </p:cNvPr>
+          <p:cNvSpPr txBox="1"/>
+          <p:nvPr/>
+        </p:nvSpPr>
+        <p:spPr>
+          <a:xfrm>
+            <a:off x="445276" y="1697447"/>
+            <a:ext cx="5967448" cy="6129050"/>
+          </a:xfrm>
+          <a:prstGeom prst="rect">
+            <a:avLst/>
+          </a:prstGeom>
+          <a:noFill/>
+        </p:spPr>
+        <p:txBody>
+          <a:bodyPr wrap="square" rtlCol="0">
+            <a:spAutoFit/>
+          </a:bodyPr>
+          <a:lstStyle/>
+          <a:p>
+            <a:pPr marL="342900" indent="-342900">
+              <a:lnSpc>
+                <a:spcPct val="150000"/>
+              </a:lnSpc>
+              <a:buAutoNum type="arabicPeriod"/>
+            </a:pPr>
+            <a:r>
+              <a:rPr lang="ko-KR" altLang="en-US" sz="2400" b="1" dirty="0">
+                <a:solidFill>
+                  <a:schemeClr val="bg1"/>
+                </a:solidFill>
+              </a:rPr>
+              <a:t>개요</a:t>
+            </a:r>
+            <a:endParaRPr lang="en-US" altLang="ko-KR" sz="2400" b="1" dirty="0">
+              <a:solidFill>
+                <a:schemeClr val="bg1"/>
+              </a:solidFill>
+            </a:endParaRPr>
+          </a:p>
+          <a:p>
+            <a:pPr marL="342900" indent="-342900">
+              <a:lnSpc>
+                <a:spcPct val="150000"/>
+              </a:lnSpc>
+              <a:buAutoNum type="arabicPeriod"/>
+            </a:pPr>
+            <a:r>
+              <a:rPr lang="ko-KR" altLang="en-US" sz="2400" b="1" dirty="0">
+                <a:solidFill>
+                  <a:schemeClr val="bg1"/>
+                </a:solidFill>
+              </a:rPr>
+              <a:t>구분정리</a:t>
+            </a:r>
+            <a:endParaRPr lang="en-US" altLang="ko-KR" sz="2400" b="1" dirty="0">
+              <a:solidFill>
+                <a:schemeClr val="bg1"/>
+              </a:solidFill>
+            </a:endParaRPr>
+          </a:p>
+          <a:p>
+            <a:pPr marL="342900" indent="-342900">
+              <a:lnSpc>
+                <a:spcPct val="150000"/>
+              </a:lnSpc>
+              <a:buAutoNum type="arabicPeriod"/>
+            </a:pPr>
+            <a:r>
+              <a:rPr lang="en-US" altLang="ko-KR" sz="2400" b="1" dirty="0">
+                <a:solidFill>
+                  <a:schemeClr val="bg1"/>
+                </a:solidFill>
+              </a:rPr>
+              <a:t>Movable</a:t>
+            </a:r>
+            <a:r>
+              <a:rPr lang="ko-KR" altLang="en-US" sz="2400" b="1" dirty="0">
+                <a:solidFill>
+                  <a:schemeClr val="bg1"/>
+                </a:solidFill>
+              </a:rPr>
+              <a:t> </a:t>
+            </a:r>
+            <a:r>
+              <a:rPr lang="en-US" altLang="ko-KR" sz="2400" b="1" dirty="0">
+                <a:solidFill>
+                  <a:schemeClr val="bg1"/>
+                </a:solidFill>
+              </a:rPr>
+              <a:t>Box</a:t>
+            </a:r>
+          </a:p>
+          <a:p>
+            <a:pPr marL="342900" indent="-342900">
+              <a:lnSpc>
+                <a:spcPct val="150000"/>
+              </a:lnSpc>
+              <a:buAutoNum type="arabicPeriod"/>
+            </a:pPr>
+            <a:r>
+              <a:rPr lang="en-US" altLang="ko-KR" sz="2400" b="1" dirty="0" err="1">
+                <a:solidFill>
+                  <a:schemeClr val="bg1"/>
+                </a:solidFill>
+              </a:rPr>
+              <a:t>Shooter&amp;Bullet</a:t>
+            </a:r>
+            <a:endParaRPr lang="en-US" altLang="ko-KR" sz="2400" b="1" dirty="0">
+              <a:solidFill>
+                <a:schemeClr val="bg1"/>
+              </a:solidFill>
+            </a:endParaRPr>
+          </a:p>
+          <a:p>
+            <a:pPr marL="342900" indent="-342900">
+              <a:lnSpc>
+                <a:spcPct val="150000"/>
+              </a:lnSpc>
+              <a:buAutoNum type="arabicPeriod"/>
+            </a:pPr>
+            <a:r>
+              <a:rPr lang="en-US" altLang="ko-KR" sz="2400" b="1" dirty="0">
+                <a:solidFill>
+                  <a:schemeClr val="bg1"/>
+                </a:solidFill>
+              </a:rPr>
+              <a:t>Switch Lever</a:t>
+            </a:r>
+          </a:p>
+          <a:p>
+            <a:pPr marL="342900" indent="-342900">
+              <a:lnSpc>
+                <a:spcPct val="150000"/>
+              </a:lnSpc>
+              <a:buAutoNum type="arabicPeriod"/>
+            </a:pPr>
+            <a:r>
+              <a:rPr lang="en-US" altLang="ko-KR" sz="2400" b="1" dirty="0">
+                <a:solidFill>
+                  <a:schemeClr val="bg1"/>
+                </a:solidFill>
+              </a:rPr>
+              <a:t>Direction Changer</a:t>
+            </a:r>
+          </a:p>
+          <a:p>
+            <a:pPr marL="342900" indent="-342900">
+              <a:lnSpc>
+                <a:spcPct val="150000"/>
+              </a:lnSpc>
+              <a:buAutoNum type="arabicPeriod"/>
+            </a:pPr>
+            <a:r>
+              <a:rPr lang="en-US" altLang="ko-KR" sz="2400" b="1" dirty="0">
+                <a:solidFill>
+                  <a:schemeClr val="bg1"/>
+                </a:solidFill>
+              </a:rPr>
+              <a:t>Breakable Box</a:t>
+            </a:r>
+          </a:p>
+          <a:p>
+            <a:pPr marL="342900" indent="-342900">
+              <a:lnSpc>
+                <a:spcPct val="150000"/>
+              </a:lnSpc>
+              <a:buAutoNum type="arabicPeriod"/>
+            </a:pPr>
+            <a:r>
+              <a:rPr lang="en-US" altLang="ko-KR" sz="2400" b="1" dirty="0">
+                <a:solidFill>
+                  <a:schemeClr val="bg1"/>
+                </a:solidFill>
+              </a:rPr>
+              <a:t>Switch Target</a:t>
+            </a:r>
+          </a:p>
+          <a:p>
+            <a:pPr marL="342900" indent="-342900">
+              <a:lnSpc>
+                <a:spcPct val="150000"/>
+              </a:lnSpc>
+              <a:buAutoNum type="arabicPeriod"/>
+            </a:pPr>
+            <a:r>
+              <a:rPr lang="en-US" altLang="ko-KR" sz="2400" b="1" dirty="0">
+                <a:solidFill>
+                  <a:schemeClr val="bg1"/>
+                </a:solidFill>
+              </a:rPr>
+              <a:t>Moving Platform</a:t>
+            </a:r>
+          </a:p>
+          <a:p>
+            <a:pPr marL="342900" indent="-342900">
+              <a:lnSpc>
+                <a:spcPct val="150000"/>
+              </a:lnSpc>
+              <a:buAutoNum type="arabicPeriod"/>
+            </a:pPr>
+            <a:r>
+              <a:rPr lang="en-US" altLang="ko-KR" sz="2400" b="1" dirty="0">
+                <a:solidFill>
+                  <a:schemeClr val="bg1"/>
+                </a:solidFill>
+              </a:rPr>
+              <a:t> Door</a:t>
+            </a:r>
+            <a:endParaRPr lang="ko-KR" altLang="en-US" sz="2400" b="1" dirty="0">
+              <a:solidFill>
+                <a:schemeClr val="bg1"/>
+              </a:solidFill>
+            </a:endParaRPr>
+          </a:p>
+          <a:p>
+            <a:pPr>
+              <a:lnSpc>
+                <a:spcPct val="150000"/>
+              </a:lnSpc>
+            </a:pPr>
+            <a:endParaRPr lang="ko-KR" altLang="en-US" sz="2400" b="1" dirty="0">
+              <a:solidFill>
+                <a:schemeClr val="bg1"/>
+              </a:solidFill>
+            </a:endParaRPr>
+          </a:p>
+        </p:txBody>
+      </p:sp>
     </p:spTree>
     <p:extLst>
       <p:ext uri="{BB962C8B-B14F-4D97-AF65-F5344CB8AC3E}">
@@ -10904,7 +11141,7 @@
             </a:r>
           </a:p>
           <a:p>
-            <a:pPr marL="285705" indent="-285705">
+            <a:pPr marL="285705" indent="-285705" algn="r">
               <a:buFontTx/>
               <a:buChar char="-"/>
             </a:pPr>
@@ -11125,53 +11362,6 @@
             <a:avLst/>
           </a:prstGeom>
           <a:noFill/>
-        </p:spPr>
-      </p:pic>
-      <p:pic>
-        <p:nvPicPr>
-          <p:cNvPr id="16" name="Picture 6" descr="Free Icon | Bullet">
-            <a:extLst>
-              <a:ext uri="{FF2B5EF4-FFF2-40B4-BE49-F238E27FC236}">
-                <a16:creationId xmlns:a16="http://schemas.microsoft.com/office/drawing/2014/main" id="{59123F19-C703-478F-961B-77E3DECFE40C}"/>
-              </a:ext>
-            </a:extLst>
-          </p:cNvPr>
-          <p:cNvPicPr>
-            <a:picLocks noChangeAspect="1" noChangeArrowheads="1"/>
-          </p:cNvPicPr>
-          <p:nvPr/>
-        </p:nvPicPr>
-        <p:blipFill>
-          <a:blip r:embed="rId4">
-            <a:alphaModFix amt="50000"/>
-            <a:extLst>
-              <a:ext uri="{28A0092B-C50C-407E-A947-70E740481C1C}">
-                <a14:useLocalDpi xmlns:a14="http://schemas.microsoft.com/office/drawing/2010/main" val="0"/>
-              </a:ext>
-            </a:extLst>
-          </a:blip>
-          <a:srcRect/>
-          <a:stretch>
-            <a:fillRect/>
-          </a:stretch>
-        </p:blipFill>
-        <p:spPr bwMode="auto">
-          <a:xfrm rot="2700000">
-            <a:off x="14676680" y="5198435"/>
-            <a:ext cx="1117218" cy="1117218"/>
-          </a:xfrm>
-          <a:prstGeom prst="rect">
-            <a:avLst/>
-          </a:prstGeom>
-          <a:extLst>
-            <a:ext uri="{909E8E84-426E-40DD-AFC4-6F175D3DCCD1}">
-              <a14:hiddenFill xmlns:a14="http://schemas.microsoft.com/office/drawing/2010/main">
-                <a:solidFill>
-                  <a:srgbClr val="FFFFFF"/>
-                </a:solidFill>
-              </a14:hiddenFill>
-            </a:ext>
-          </a:extLst>
         </p:spPr>
       </p:pic>
       <p:sp>
@@ -11231,53 +11421,6 @@
           </a:p>
         </p:txBody>
       </p:sp>
-      <p:pic>
-        <p:nvPicPr>
-          <p:cNvPr id="21" name="Picture 6" descr="Free Icon | Bullet">
-            <a:extLst>
-              <a:ext uri="{FF2B5EF4-FFF2-40B4-BE49-F238E27FC236}">
-                <a16:creationId xmlns:a16="http://schemas.microsoft.com/office/drawing/2014/main" id="{3A3141F1-4D34-4FD8-9FCC-AF7CC1C5B51D}"/>
-              </a:ext>
-            </a:extLst>
-          </p:cNvPr>
-          <p:cNvPicPr>
-            <a:picLocks noChangeAspect="1" noChangeArrowheads="1"/>
-          </p:cNvPicPr>
-          <p:nvPr/>
-        </p:nvPicPr>
-        <p:blipFill>
-          <a:blip r:embed="rId4">
-            <a:extLst>
-              <a:ext uri="{28A0092B-C50C-407E-A947-70E740481C1C}">
-                <a14:useLocalDpi xmlns:a14="http://schemas.microsoft.com/office/drawing/2010/main" val="0"/>
-              </a:ext>
-            </a:extLst>
-          </a:blip>
-          <a:srcRect/>
-          <a:stretch>
-            <a:fillRect/>
-          </a:stretch>
-        </p:blipFill>
-        <p:spPr bwMode="auto">
-          <a:xfrm rot="2700000">
-            <a:off x="15538748" y="6098453"/>
-            <a:ext cx="1117218" cy="1117218"/>
-          </a:xfrm>
-          <a:prstGeom prst="rect">
-            <a:avLst/>
-          </a:prstGeom>
-          <a:noFill/>
-          <a:extLst>
-            <a:ext uri="{909E8E84-426E-40DD-AFC4-6F175D3DCCD1}">
-              <a14:hiddenFill xmlns:a14="http://schemas.microsoft.com/office/drawing/2010/main">
-                <a:solidFill>
-                  <a:srgbClr val="FFFFFF"/>
-                </a:solidFill>
-              </a14:hiddenFill>
-            </a:ext>
-          </a:extLst>
-        </p:spPr>
-      </p:pic>
     </p:spTree>
     <p:extLst>
       <p:ext uri="{BB962C8B-B14F-4D97-AF65-F5344CB8AC3E}">

--- a/기획서/신버전/퍼즐 기획.pptx
+++ b/기획서/신버전/퍼즐 기획.pptx
@@ -5,10 +5,10 @@
     <p:sldMasterId id="2147483684" r:id="rId1"/>
   </p:sldMasterIdLst>
   <p:notesMasterIdLst>
-    <p:notesMasterId r:id="rId14"/>
+    <p:notesMasterId r:id="rId15"/>
   </p:notesMasterIdLst>
   <p:handoutMasterIdLst>
-    <p:handoutMasterId r:id="rId15"/>
+    <p:handoutMasterId r:id="rId16"/>
   </p:handoutMasterIdLst>
   <p:sldIdLst>
     <p:sldId id="256" r:id="rId2"/>
@@ -22,7 +22,8 @@
     <p:sldId id="268" r:id="rId10"/>
     <p:sldId id="265" r:id="rId11"/>
     <p:sldId id="266" r:id="rId12"/>
-    <p:sldId id="267" r:id="rId13"/>
+    <p:sldId id="269" r:id="rId13"/>
+    <p:sldId id="267" r:id="rId14"/>
   </p:sldIdLst>
   <p:sldSz cx="17610138" cy="9906000"/>
   <p:notesSz cx="6858000" cy="9144000"/>
@@ -223,7 +224,7 @@
           <a:p>
             <a:fld id="{D686C50E-113A-4B4A-8A5C-9EE1E9DBA064}" type="datetimeFigureOut">
               <a:rPr lang="ko-KR" altLang="en-US" smtClean="0"/>
-              <a:t>2021-04-13</a:t>
+              <a:t>2021-04-26</a:t>
             </a:fld>
             <a:endParaRPr lang="ko-KR" altLang="en-US" dirty="0"/>
           </a:p>
@@ -400,7 +401,7 @@
           <a:p>
             <a:fld id="{40EC3B2E-CA71-40FC-A78E-FA212ABD0BB7}" type="datetimeFigureOut">
               <a:rPr lang="ko-KR" altLang="en-US" smtClean="0"/>
-              <a:t>2021-04-13</a:t>
+              <a:t>2021-04-26</a:t>
             </a:fld>
             <a:endParaRPr lang="ko-KR" altLang="en-US" dirty="0"/>
           </a:p>
@@ -798,7 +799,7 @@
           <a:p>
             <a:fld id="{F8CAAD71-D53C-4447-AAA3-BC9075A67E69}" type="datetimeFigureOut">
               <a:rPr lang="ko-KR" altLang="en-US" smtClean="0"/>
-              <a:t>2021-04-13</a:t>
+              <a:t>2021-04-26</a:t>
             </a:fld>
             <a:endParaRPr lang="ko-KR" altLang="en-US" dirty="0"/>
           </a:p>
@@ -968,7 +969,7 @@
           <a:p>
             <a:fld id="{F8CAAD71-D53C-4447-AAA3-BC9075A67E69}" type="datetimeFigureOut">
               <a:rPr lang="ko-KR" altLang="en-US" smtClean="0"/>
-              <a:t>2021-04-13</a:t>
+              <a:t>2021-04-26</a:t>
             </a:fld>
             <a:endParaRPr lang="ko-KR" altLang="en-US" dirty="0"/>
           </a:p>
@@ -1148,7 +1149,7 @@
           <a:p>
             <a:fld id="{F8CAAD71-D53C-4447-AAA3-BC9075A67E69}" type="datetimeFigureOut">
               <a:rPr lang="ko-KR" altLang="en-US" smtClean="0"/>
-              <a:t>2021-04-13</a:t>
+              <a:t>2021-04-26</a:t>
             </a:fld>
             <a:endParaRPr lang="ko-KR" altLang="en-US" dirty="0"/>
           </a:p>
@@ -1318,7 +1319,7 @@
           <a:p>
             <a:fld id="{F8CAAD71-D53C-4447-AAA3-BC9075A67E69}" type="datetimeFigureOut">
               <a:rPr lang="ko-KR" altLang="en-US" smtClean="0"/>
-              <a:t>2021-04-13</a:t>
+              <a:t>2021-04-26</a:t>
             </a:fld>
             <a:endParaRPr lang="ko-KR" altLang="en-US" dirty="0"/>
           </a:p>
@@ -1564,7 +1565,7 @@
           <a:p>
             <a:fld id="{F8CAAD71-D53C-4447-AAA3-BC9075A67E69}" type="datetimeFigureOut">
               <a:rPr lang="ko-KR" altLang="en-US" smtClean="0"/>
-              <a:t>2021-04-13</a:t>
+              <a:t>2021-04-26</a:t>
             </a:fld>
             <a:endParaRPr lang="ko-KR" altLang="en-US" dirty="0"/>
           </a:p>
@@ -1796,7 +1797,7 @@
           <a:p>
             <a:fld id="{F8CAAD71-D53C-4447-AAA3-BC9075A67E69}" type="datetimeFigureOut">
               <a:rPr lang="ko-KR" altLang="en-US" smtClean="0"/>
-              <a:t>2021-04-13</a:t>
+              <a:t>2021-04-26</a:t>
             </a:fld>
             <a:endParaRPr lang="ko-KR" altLang="en-US" dirty="0"/>
           </a:p>
@@ -2163,7 +2164,7 @@
           <a:p>
             <a:fld id="{F8CAAD71-D53C-4447-AAA3-BC9075A67E69}" type="datetimeFigureOut">
               <a:rPr lang="ko-KR" altLang="en-US" smtClean="0"/>
-              <a:t>2021-04-13</a:t>
+              <a:t>2021-04-26</a:t>
             </a:fld>
             <a:endParaRPr lang="ko-KR" altLang="en-US" dirty="0"/>
           </a:p>
@@ -2281,7 +2282,7 @@
           <a:p>
             <a:fld id="{F8CAAD71-D53C-4447-AAA3-BC9075A67E69}" type="datetimeFigureOut">
               <a:rPr lang="ko-KR" altLang="en-US" smtClean="0"/>
-              <a:t>2021-04-13</a:t>
+              <a:t>2021-04-26</a:t>
             </a:fld>
             <a:endParaRPr lang="ko-KR" altLang="en-US" dirty="0"/>
           </a:p>
@@ -2376,7 +2377,7 @@
           <a:p>
             <a:fld id="{F8CAAD71-D53C-4447-AAA3-BC9075A67E69}" type="datetimeFigureOut">
               <a:rPr lang="ko-KR" altLang="en-US" smtClean="0"/>
-              <a:t>2021-04-13</a:t>
+              <a:t>2021-04-26</a:t>
             </a:fld>
             <a:endParaRPr lang="ko-KR" altLang="en-US" dirty="0"/>
           </a:p>
@@ -2653,7 +2654,7 @@
           <a:p>
             <a:fld id="{F8CAAD71-D53C-4447-AAA3-BC9075A67E69}" type="datetimeFigureOut">
               <a:rPr lang="ko-KR" altLang="en-US" smtClean="0"/>
-              <a:t>2021-04-13</a:t>
+              <a:t>2021-04-26</a:t>
             </a:fld>
             <a:endParaRPr lang="ko-KR" altLang="en-US" dirty="0"/>
           </a:p>
@@ -2910,7 +2911,7 @@
           <a:p>
             <a:fld id="{F8CAAD71-D53C-4447-AAA3-BC9075A67E69}" type="datetimeFigureOut">
               <a:rPr lang="ko-KR" altLang="en-US" smtClean="0"/>
-              <a:t>2021-04-13</a:t>
+              <a:t>2021-04-26</a:t>
             </a:fld>
             <a:endParaRPr lang="ko-KR" altLang="en-US" dirty="0"/>
           </a:p>
@@ -3128,7 +3129,7 @@
           <a:p>
             <a:fld id="{F8CAAD71-D53C-4447-AAA3-BC9075A67E69}" type="datetimeFigureOut">
               <a:rPr lang="ko-KR" altLang="en-US" smtClean="0"/>
-              <a:t>2021-04-13</a:t>
+              <a:t>2021-04-26</a:t>
             </a:fld>
             <a:endParaRPr lang="ko-KR" altLang="en-US" dirty="0"/>
           </a:p>
@@ -6702,6 +6703,1375 @@
       </p:grpSpPr>
       <p:sp>
         <p:nvSpPr>
+          <p:cNvPr id="4" name="직사각형 3">
+            <a:extLst>
+              <a:ext uri="{FF2B5EF4-FFF2-40B4-BE49-F238E27FC236}">
+                <a16:creationId xmlns:a16="http://schemas.microsoft.com/office/drawing/2014/main" id="{EA7B5152-B8EB-4EC5-89CB-4EDFB73BB5EA}"/>
+              </a:ext>
+            </a:extLst>
+          </p:cNvPr>
+          <p:cNvSpPr/>
+          <p:nvPr/>
+        </p:nvSpPr>
+        <p:spPr>
+          <a:xfrm>
+            <a:off x="8132804" y="33681"/>
+            <a:ext cx="1344535" cy="923330"/>
+          </a:xfrm>
+          <a:prstGeom prst="rect">
+            <a:avLst/>
+          </a:prstGeom>
+          <a:noFill/>
+        </p:spPr>
+        <p:txBody>
+          <a:bodyPr wrap="none" lIns="91440" tIns="45720" rIns="91440" bIns="45720">
+            <a:spAutoFit/>
+          </a:bodyPr>
+          <a:lstStyle/>
+          <a:p>
+            <a:pPr algn="ctr"/>
+            <a:r>
+              <a:rPr lang="en-US" altLang="ko-KR" sz="5400" b="1" dirty="0">
+                <a:ln w="0">
+                  <a:solidFill>
+                    <a:schemeClr val="bg1"/>
+                  </a:solidFill>
+                </a:ln>
+                <a:latin typeface="+mj-ea"/>
+                <a:ea typeface="+mj-ea"/>
+              </a:rPr>
+              <a:t>WA</a:t>
+            </a:r>
+          </a:p>
+        </p:txBody>
+      </p:sp>
+      <p:sp>
+        <p:nvSpPr>
+          <p:cNvPr id="5" name="사각형: 둥근 모서리 4">
+            <a:extLst>
+              <a:ext uri="{FF2B5EF4-FFF2-40B4-BE49-F238E27FC236}">
+                <a16:creationId xmlns:a16="http://schemas.microsoft.com/office/drawing/2014/main" id="{D34CFFAF-8001-45F0-A737-587396A13A2E}"/>
+              </a:ext>
+            </a:extLst>
+          </p:cNvPr>
+          <p:cNvSpPr/>
+          <p:nvPr/>
+        </p:nvSpPr>
+        <p:spPr>
+          <a:xfrm>
+            <a:off x="101601" y="993855"/>
+            <a:ext cx="17406942" cy="318170"/>
+          </a:xfrm>
+          <a:prstGeom prst="roundRect">
+            <a:avLst/>
+          </a:prstGeom>
+          <a:solidFill>
+            <a:schemeClr val="accent6">
+              <a:lumMod val="75000"/>
+            </a:schemeClr>
+          </a:solidFill>
+          <a:ln>
+            <a:noFill/>
+          </a:ln>
+        </p:spPr>
+        <p:style>
+          <a:lnRef idx="2">
+            <a:schemeClr val="accent1">
+              <a:shade val="50000"/>
+            </a:schemeClr>
+          </a:lnRef>
+          <a:fillRef idx="1">
+            <a:schemeClr val="accent1"/>
+          </a:fillRef>
+          <a:effectRef idx="0">
+            <a:schemeClr val="accent1"/>
+          </a:effectRef>
+          <a:fontRef idx="minor">
+            <a:schemeClr val="lt1"/>
+          </a:fontRef>
+        </p:style>
+        <p:txBody>
+          <a:bodyPr rtlCol="0" anchor="ctr"/>
+          <a:lstStyle/>
+          <a:p>
+            <a:pPr algn="ctr"/>
+            <a:r>
+              <a:rPr lang="en-US" altLang="ko-KR" b="1" dirty="0">
+                <a:latin typeface="메이플스토리" panose="02000300000000000000" pitchFamily="2" charset="-127"/>
+                <a:ea typeface="메이플스토리" panose="02000300000000000000" pitchFamily="2" charset="-127"/>
+              </a:rPr>
+              <a:t>Point Box</a:t>
+            </a:r>
+            <a:endParaRPr lang="ko-KR" altLang="en-US" b="1" dirty="0">
+              <a:latin typeface="메이플스토리" panose="02000300000000000000" pitchFamily="2" charset="-127"/>
+              <a:ea typeface="메이플스토리" panose="02000300000000000000" pitchFamily="2" charset="-127"/>
+            </a:endParaRPr>
+          </a:p>
+        </p:txBody>
+      </p:sp>
+      <p:sp>
+        <p:nvSpPr>
+          <p:cNvPr id="8" name="TextBox 7">
+            <a:extLst>
+              <a:ext uri="{FF2B5EF4-FFF2-40B4-BE49-F238E27FC236}">
+                <a16:creationId xmlns:a16="http://schemas.microsoft.com/office/drawing/2014/main" id="{5A4D90BF-2202-4676-B16F-3C75C646D5A1}"/>
+              </a:ext>
+            </a:extLst>
+          </p:cNvPr>
+          <p:cNvSpPr txBox="1"/>
+          <p:nvPr/>
+        </p:nvSpPr>
+        <p:spPr>
+          <a:xfrm>
+            <a:off x="101601" y="1445888"/>
+            <a:ext cx="11261343" cy="3693319"/>
+          </a:xfrm>
+          <a:prstGeom prst="rect">
+            <a:avLst/>
+          </a:prstGeom>
+          <a:solidFill>
+            <a:schemeClr val="bg1">
+              <a:alpha val="20000"/>
+            </a:schemeClr>
+          </a:solidFill>
+        </p:spPr>
+        <p:txBody>
+          <a:bodyPr wrap="square" rtlCol="0">
+            <a:spAutoFit/>
+          </a:bodyPr>
+          <a:lstStyle/>
+          <a:p>
+            <a:pPr marL="285705" indent="-285705">
+              <a:buFontTx/>
+              <a:buChar char="-"/>
+            </a:pPr>
+            <a:r>
+              <a:rPr lang="en-US" altLang="ko-KR" b="1" dirty="0">
+                <a:latin typeface="HY그래픽M" panose="02030600000101010101" pitchFamily="18" charset="-127"/>
+                <a:ea typeface="HY그래픽M" panose="02030600000101010101" pitchFamily="18" charset="-127"/>
+              </a:rPr>
+              <a:t>Point Box</a:t>
+            </a:r>
+            <a:r>
+              <a:rPr lang="ko-KR" altLang="en-US" b="1" dirty="0">
+                <a:latin typeface="HY그래픽M" panose="02030600000101010101" pitchFamily="18" charset="-127"/>
+                <a:ea typeface="HY그래픽M" panose="02030600000101010101" pitchFamily="18" charset="-127"/>
+              </a:rPr>
+              <a:t>는 </a:t>
+            </a:r>
+            <a:r>
+              <a:rPr lang="ko-KR" altLang="en-US" b="1" dirty="0">
+                <a:solidFill>
+                  <a:schemeClr val="accent4"/>
+                </a:solidFill>
+                <a:latin typeface="HY그래픽M" panose="02030600000101010101" pitchFamily="18" charset="-127"/>
+                <a:ea typeface="HY그래픽M" panose="02030600000101010101" pitchFamily="18" charset="-127"/>
+              </a:rPr>
+              <a:t>두개의 포인트 지점을 오가는 박스</a:t>
+            </a:r>
+            <a:r>
+              <a:rPr lang="ko-KR" altLang="en-US" b="1" dirty="0">
+                <a:latin typeface="HY그래픽M" panose="02030600000101010101" pitchFamily="18" charset="-127"/>
+                <a:ea typeface="HY그래픽M" panose="02030600000101010101" pitchFamily="18" charset="-127"/>
+              </a:rPr>
+              <a:t>이다</a:t>
+            </a:r>
+            <a:r>
+              <a:rPr lang="en-US" altLang="ko-KR" b="1" dirty="0">
+                <a:latin typeface="HY그래픽M" panose="02030600000101010101" pitchFamily="18" charset="-127"/>
+                <a:ea typeface="HY그래픽M" panose="02030600000101010101" pitchFamily="18" charset="-127"/>
+              </a:rPr>
+              <a:t>.</a:t>
+            </a:r>
+          </a:p>
+          <a:p>
+            <a:pPr marL="285705" indent="-285705">
+              <a:buFontTx/>
+              <a:buChar char="-"/>
+            </a:pPr>
+            <a:endParaRPr lang="en-US" altLang="ko-KR" b="1" dirty="0">
+              <a:latin typeface="HY그래픽M" panose="02030600000101010101" pitchFamily="18" charset="-127"/>
+              <a:ea typeface="HY그래픽M" panose="02030600000101010101" pitchFamily="18" charset="-127"/>
+            </a:endParaRPr>
+          </a:p>
+          <a:p>
+            <a:pPr marL="285705" indent="-285705">
+              <a:buFontTx/>
+              <a:buChar char="-"/>
+            </a:pPr>
+            <a:r>
+              <a:rPr lang="ko-KR" altLang="en-US" b="1" dirty="0">
+                <a:latin typeface="HY그래픽M" panose="02030600000101010101" pitchFamily="18" charset="-127"/>
+                <a:ea typeface="HY그래픽M" panose="02030600000101010101" pitchFamily="18" charset="-127"/>
+              </a:rPr>
+              <a:t>레벨에 배치된 </a:t>
+            </a:r>
+            <a:r>
+              <a:rPr lang="en-US" altLang="ko-KR" b="1" dirty="0">
+                <a:latin typeface="HY그래픽M" panose="02030600000101010101" pitchFamily="18" charset="-127"/>
+                <a:ea typeface="HY그래픽M" panose="02030600000101010101" pitchFamily="18" charset="-127"/>
+              </a:rPr>
+              <a:t>Point Box</a:t>
+            </a:r>
+            <a:r>
+              <a:rPr lang="ko-KR" altLang="en-US" b="1" dirty="0">
+                <a:latin typeface="HY그래픽M" panose="02030600000101010101" pitchFamily="18" charset="-127"/>
+                <a:ea typeface="HY그래픽M" panose="02030600000101010101" pitchFamily="18" charset="-127"/>
+              </a:rPr>
+              <a:t>는 </a:t>
+            </a:r>
+            <a:r>
+              <a:rPr lang="ko-KR" altLang="en-US" b="1" dirty="0">
+                <a:solidFill>
+                  <a:schemeClr val="accent4"/>
+                </a:solidFill>
+                <a:latin typeface="HY그래픽M" panose="02030600000101010101" pitchFamily="18" charset="-127"/>
+                <a:ea typeface="HY그래픽M" panose="02030600000101010101" pitchFamily="18" charset="-127"/>
+              </a:rPr>
+              <a:t>각각 정해진 이동지점</a:t>
+            </a:r>
+            <a:r>
+              <a:rPr lang="ko-KR" altLang="en-US" b="1" dirty="0">
+                <a:latin typeface="HY그래픽M" panose="02030600000101010101" pitchFamily="18" charset="-127"/>
+                <a:ea typeface="HY그래픽M" panose="02030600000101010101" pitchFamily="18" charset="-127"/>
+              </a:rPr>
+              <a:t>이 있다</a:t>
+            </a:r>
+            <a:r>
+              <a:rPr lang="en-US" altLang="ko-KR" b="1" dirty="0">
+                <a:latin typeface="HY그래픽M" panose="02030600000101010101" pitchFamily="18" charset="-127"/>
+                <a:ea typeface="HY그래픽M" panose="02030600000101010101" pitchFamily="18" charset="-127"/>
+              </a:rPr>
+              <a:t>.</a:t>
+            </a:r>
+          </a:p>
+          <a:p>
+            <a:pPr marL="285705" indent="-285705">
+              <a:buFontTx/>
+              <a:buChar char="-"/>
+            </a:pPr>
+            <a:endParaRPr lang="en-US" altLang="ko-KR" b="1" dirty="0">
+              <a:latin typeface="HY그래픽M" panose="02030600000101010101" pitchFamily="18" charset="-127"/>
+              <a:ea typeface="HY그래픽M" panose="02030600000101010101" pitchFamily="18" charset="-127"/>
+            </a:endParaRPr>
+          </a:p>
+          <a:p>
+            <a:pPr marL="285705" indent="-285705">
+              <a:buFontTx/>
+              <a:buChar char="-"/>
+            </a:pPr>
+            <a:r>
+              <a:rPr lang="ko-KR" altLang="en-US" b="1" dirty="0">
+                <a:latin typeface="HY그래픽M" panose="02030600000101010101" pitchFamily="18" charset="-127"/>
+                <a:ea typeface="HY그래픽M" panose="02030600000101010101" pitchFamily="18" charset="-127"/>
+              </a:rPr>
+              <a:t>이 퍼즐은 </a:t>
+            </a:r>
+            <a:r>
+              <a:rPr lang="en-US" altLang="ko-KR" b="1" dirty="0">
+                <a:solidFill>
+                  <a:schemeClr val="accent4"/>
+                </a:solidFill>
+                <a:latin typeface="HY그래픽M" panose="02030600000101010101" pitchFamily="18" charset="-127"/>
+                <a:ea typeface="HY그래픽M" panose="02030600000101010101" pitchFamily="18" charset="-127"/>
+              </a:rPr>
+              <a:t>on/off </a:t>
+            </a:r>
+            <a:r>
+              <a:rPr lang="ko-KR" altLang="en-US" b="1" dirty="0">
+                <a:solidFill>
+                  <a:schemeClr val="accent4"/>
+                </a:solidFill>
+                <a:latin typeface="HY그래픽M" panose="02030600000101010101" pitchFamily="18" charset="-127"/>
+                <a:ea typeface="HY그래픽M" panose="02030600000101010101" pitchFamily="18" charset="-127"/>
+              </a:rPr>
+              <a:t>상태에 따라서 활성화</a:t>
+            </a:r>
+            <a:r>
+              <a:rPr lang="en-US" altLang="ko-KR" b="1" dirty="0">
+                <a:solidFill>
+                  <a:schemeClr val="accent4"/>
+                </a:solidFill>
+                <a:latin typeface="HY그래픽M" panose="02030600000101010101" pitchFamily="18" charset="-127"/>
+                <a:ea typeface="HY그래픽M" panose="02030600000101010101" pitchFamily="18" charset="-127"/>
+              </a:rPr>
+              <a:t>/</a:t>
+            </a:r>
+            <a:r>
+              <a:rPr lang="ko-KR" altLang="en-US" b="1" dirty="0">
+                <a:solidFill>
+                  <a:schemeClr val="accent4"/>
+                </a:solidFill>
+                <a:latin typeface="HY그래픽M" panose="02030600000101010101" pitchFamily="18" charset="-127"/>
+                <a:ea typeface="HY그래픽M" panose="02030600000101010101" pitchFamily="18" charset="-127"/>
+              </a:rPr>
+              <a:t>비활성화 상태</a:t>
+            </a:r>
+            <a:r>
+              <a:rPr lang="ko-KR" altLang="en-US" b="1" dirty="0">
+                <a:latin typeface="HY그래픽M" panose="02030600000101010101" pitchFamily="18" charset="-127"/>
+                <a:ea typeface="HY그래픽M" panose="02030600000101010101" pitchFamily="18" charset="-127"/>
+              </a:rPr>
+              <a:t>로 변경되는 것이 아니라 정해진 지점으로 이동하는 퍼즐이다</a:t>
+            </a:r>
+            <a:r>
+              <a:rPr lang="en-US" altLang="ko-KR" b="1" dirty="0">
+                <a:latin typeface="HY그래픽M" panose="02030600000101010101" pitchFamily="18" charset="-127"/>
+                <a:ea typeface="HY그래픽M" panose="02030600000101010101" pitchFamily="18" charset="-127"/>
+              </a:rPr>
+              <a:t>.</a:t>
+            </a:r>
+          </a:p>
+          <a:p>
+            <a:pPr marL="285705" indent="-285705">
+              <a:buFontTx/>
+              <a:buChar char="-"/>
+            </a:pPr>
+            <a:endParaRPr lang="en-US" altLang="ko-KR" b="1" dirty="0">
+              <a:latin typeface="HY그래픽M" panose="02030600000101010101" pitchFamily="18" charset="-127"/>
+              <a:ea typeface="HY그래픽M" panose="02030600000101010101" pitchFamily="18" charset="-127"/>
+            </a:endParaRPr>
+          </a:p>
+          <a:p>
+            <a:pPr marL="285705" indent="-285705">
+              <a:buFontTx/>
+              <a:buChar char="-"/>
+            </a:pPr>
+            <a:r>
+              <a:rPr lang="en-US" altLang="ko-KR" b="1" dirty="0">
+                <a:latin typeface="HY그래픽M" panose="02030600000101010101" pitchFamily="18" charset="-127"/>
+                <a:ea typeface="HY그래픽M" panose="02030600000101010101" pitchFamily="18" charset="-127"/>
+              </a:rPr>
+              <a:t>Point Box</a:t>
+            </a:r>
+            <a:r>
+              <a:rPr lang="ko-KR" altLang="en-US" b="1" dirty="0">
+                <a:latin typeface="HY그래픽M" panose="02030600000101010101" pitchFamily="18" charset="-127"/>
+                <a:ea typeface="HY그래픽M" panose="02030600000101010101" pitchFamily="18" charset="-127"/>
+              </a:rPr>
+              <a:t>는 계속해서 두 지점을 움직이는 것이 아니라</a:t>
+            </a:r>
+            <a:r>
+              <a:rPr lang="en-US" altLang="ko-KR" b="1" dirty="0">
+                <a:latin typeface="HY그래픽M" panose="02030600000101010101" pitchFamily="18" charset="-127"/>
+                <a:ea typeface="HY그래픽M" panose="02030600000101010101" pitchFamily="18" charset="-127"/>
+              </a:rPr>
+              <a:t>, </a:t>
+            </a:r>
+            <a:r>
+              <a:rPr lang="ko-KR" altLang="en-US" b="1" dirty="0">
+                <a:latin typeface="HY그래픽M" panose="02030600000101010101" pitchFamily="18" charset="-127"/>
+                <a:ea typeface="HY그래픽M" panose="02030600000101010101" pitchFamily="18" charset="-127"/>
+              </a:rPr>
+              <a:t>항상 스위치에 영향을 받아</a:t>
+            </a:r>
+            <a:r>
+              <a:rPr lang="ko-KR" altLang="en-US" b="1" dirty="0">
+                <a:solidFill>
+                  <a:schemeClr val="accent4"/>
+                </a:solidFill>
+                <a:latin typeface="HY그래픽M" panose="02030600000101010101" pitchFamily="18" charset="-127"/>
+                <a:ea typeface="HY그래픽M" panose="02030600000101010101" pitchFamily="18" charset="-127"/>
+              </a:rPr>
+              <a:t> </a:t>
+            </a:r>
+            <a:r>
+              <a:rPr lang="en-US" altLang="ko-KR" b="1" dirty="0">
+                <a:solidFill>
+                  <a:schemeClr val="accent4"/>
+                </a:solidFill>
+                <a:latin typeface="HY그래픽M" panose="02030600000101010101" pitchFamily="18" charset="-127"/>
+                <a:ea typeface="HY그래픽M" panose="02030600000101010101" pitchFamily="18" charset="-127"/>
+              </a:rPr>
+              <a:t>on/off </a:t>
+            </a:r>
+            <a:r>
+              <a:rPr lang="ko-KR" altLang="en-US" b="1" dirty="0">
+                <a:solidFill>
+                  <a:schemeClr val="accent4"/>
+                </a:solidFill>
+                <a:latin typeface="HY그래픽M" panose="02030600000101010101" pitchFamily="18" charset="-127"/>
+                <a:ea typeface="HY그래픽M" panose="02030600000101010101" pitchFamily="18" charset="-127"/>
+              </a:rPr>
+              <a:t>상태에 따라서 </a:t>
+            </a:r>
+            <a:r>
+              <a:rPr lang="en-US" altLang="ko-KR" b="1" dirty="0">
+                <a:solidFill>
+                  <a:schemeClr val="accent4"/>
+                </a:solidFill>
+                <a:latin typeface="HY그래픽M" panose="02030600000101010101" pitchFamily="18" charset="-127"/>
+                <a:ea typeface="HY그래픽M" panose="02030600000101010101" pitchFamily="18" charset="-127"/>
+              </a:rPr>
+              <a:t>1</a:t>
+            </a:r>
+            <a:r>
+              <a:rPr lang="ko-KR" altLang="en-US" b="1" dirty="0">
+                <a:solidFill>
+                  <a:schemeClr val="accent4"/>
+                </a:solidFill>
+                <a:latin typeface="HY그래픽M" panose="02030600000101010101" pitchFamily="18" charset="-127"/>
+                <a:ea typeface="HY그래픽M" panose="02030600000101010101" pitchFamily="18" charset="-127"/>
+              </a:rPr>
+              <a:t>지점</a:t>
+            </a:r>
+            <a:r>
+              <a:rPr lang="en-US" altLang="ko-KR" b="1" dirty="0">
+                <a:solidFill>
+                  <a:schemeClr val="accent4"/>
+                </a:solidFill>
+                <a:latin typeface="HY그래픽M" panose="02030600000101010101" pitchFamily="18" charset="-127"/>
+                <a:ea typeface="HY그래픽M" panose="02030600000101010101" pitchFamily="18" charset="-127"/>
+              </a:rPr>
+              <a:t>/2</a:t>
+            </a:r>
+            <a:r>
+              <a:rPr lang="ko-KR" altLang="en-US" b="1" dirty="0">
+                <a:solidFill>
+                  <a:schemeClr val="accent4"/>
+                </a:solidFill>
+                <a:latin typeface="HY그래픽M" panose="02030600000101010101" pitchFamily="18" charset="-127"/>
+                <a:ea typeface="HY그래픽M" panose="02030600000101010101" pitchFamily="18" charset="-127"/>
+              </a:rPr>
+              <a:t>지점위치로 이동해 </a:t>
+            </a:r>
+            <a:r>
+              <a:rPr lang="ko-KR" altLang="en-US" b="1" dirty="0">
+                <a:latin typeface="HY그래픽M" panose="02030600000101010101" pitchFamily="18" charset="-127"/>
+                <a:ea typeface="HY그래픽M" panose="02030600000101010101" pitchFamily="18" charset="-127"/>
+              </a:rPr>
+              <a:t>있다</a:t>
+            </a:r>
+            <a:r>
+              <a:rPr lang="en-US" altLang="ko-KR" b="1" dirty="0">
+                <a:latin typeface="HY그래픽M" panose="02030600000101010101" pitchFamily="18" charset="-127"/>
+                <a:ea typeface="HY그래픽M" panose="02030600000101010101" pitchFamily="18" charset="-127"/>
+              </a:rPr>
+              <a:t>.</a:t>
+            </a:r>
+          </a:p>
+          <a:p>
+            <a:endParaRPr lang="en-US" altLang="ko-KR" b="1" dirty="0">
+              <a:latin typeface="HY그래픽M" panose="02030600000101010101" pitchFamily="18" charset="-127"/>
+              <a:ea typeface="HY그래픽M" panose="02030600000101010101" pitchFamily="18" charset="-127"/>
+            </a:endParaRPr>
+          </a:p>
+          <a:p>
+            <a:pPr marL="285705" indent="-285705">
+              <a:buFontTx/>
+              <a:buChar char="-"/>
+            </a:pPr>
+            <a:r>
+              <a:rPr lang="en-US" altLang="ko-KR" b="1" dirty="0">
+                <a:latin typeface="HY그래픽M" panose="02030600000101010101" pitchFamily="18" charset="-127"/>
+                <a:ea typeface="HY그래픽M" panose="02030600000101010101" pitchFamily="18" charset="-127"/>
+              </a:rPr>
+              <a:t>Point Box </a:t>
+            </a:r>
+            <a:r>
+              <a:rPr lang="ko-KR" altLang="en-US" b="1" dirty="0">
+                <a:solidFill>
+                  <a:schemeClr val="accent4"/>
+                </a:solidFill>
+                <a:latin typeface="HY그래픽M" panose="02030600000101010101" pitchFamily="18" charset="-127"/>
+                <a:ea typeface="HY그래픽M" panose="02030600000101010101" pitchFamily="18" charset="-127"/>
+              </a:rPr>
+              <a:t>위에 위치한 물체</a:t>
+            </a:r>
+            <a:r>
+              <a:rPr lang="ko-KR" altLang="en-US" b="1" dirty="0">
+                <a:latin typeface="HY그래픽M" panose="02030600000101010101" pitchFamily="18" charset="-127"/>
+                <a:ea typeface="HY그래픽M" panose="02030600000101010101" pitchFamily="18" charset="-127"/>
+              </a:rPr>
+              <a:t>들은 </a:t>
+            </a:r>
+            <a:r>
+              <a:rPr lang="en-US" altLang="ko-KR" b="1" dirty="0">
+                <a:solidFill>
+                  <a:schemeClr val="accent4"/>
+                </a:solidFill>
+                <a:latin typeface="HY그래픽M" panose="02030600000101010101" pitchFamily="18" charset="-127"/>
+                <a:ea typeface="HY그래픽M" panose="02030600000101010101" pitchFamily="18" charset="-127"/>
+              </a:rPr>
+              <a:t>Point Box</a:t>
+            </a:r>
+            <a:r>
+              <a:rPr lang="ko-KR" altLang="en-US" b="1" dirty="0">
+                <a:solidFill>
+                  <a:schemeClr val="accent4"/>
+                </a:solidFill>
+                <a:latin typeface="HY그래픽M" panose="02030600000101010101" pitchFamily="18" charset="-127"/>
+                <a:ea typeface="HY그래픽M" panose="02030600000101010101" pitchFamily="18" charset="-127"/>
+              </a:rPr>
+              <a:t>가 이동함에 따라서 같이 따라 이동</a:t>
+            </a:r>
+            <a:r>
+              <a:rPr lang="ko-KR" altLang="en-US" b="1" dirty="0">
+                <a:latin typeface="HY그래픽M" panose="02030600000101010101" pitchFamily="18" charset="-127"/>
+                <a:ea typeface="HY그래픽M" panose="02030600000101010101" pitchFamily="18" charset="-127"/>
+              </a:rPr>
+              <a:t>한다</a:t>
+            </a:r>
+            <a:r>
+              <a:rPr lang="en-US" altLang="ko-KR" b="1" dirty="0">
+                <a:latin typeface="HY그래픽M" panose="02030600000101010101" pitchFamily="18" charset="-127"/>
+                <a:ea typeface="HY그래픽M" panose="02030600000101010101" pitchFamily="18" charset="-127"/>
+              </a:rPr>
+              <a:t>.</a:t>
+            </a:r>
+          </a:p>
+          <a:p>
+            <a:endParaRPr lang="en-US" altLang="ko-KR" b="1" dirty="0">
+              <a:latin typeface="HY그래픽M" panose="02030600000101010101" pitchFamily="18" charset="-127"/>
+              <a:ea typeface="HY그래픽M" panose="02030600000101010101" pitchFamily="18" charset="-127"/>
+            </a:endParaRPr>
+          </a:p>
+          <a:p>
+            <a:pPr marL="285705" indent="-285705">
+              <a:buFontTx/>
+              <a:buChar char="-"/>
+            </a:pPr>
+            <a:endParaRPr lang="en-US" altLang="ko-KR" b="1" dirty="0">
+              <a:latin typeface="HY그래픽M" panose="02030600000101010101" pitchFamily="18" charset="-127"/>
+              <a:ea typeface="HY그래픽M" panose="02030600000101010101" pitchFamily="18" charset="-127"/>
+            </a:endParaRPr>
+          </a:p>
+        </p:txBody>
+      </p:sp>
+      <p:pic>
+        <p:nvPicPr>
+          <p:cNvPr id="17" name="Picture 2" descr="Lever Icons - Download Free Vector Icons | Noun Project">
+            <a:extLst>
+              <a:ext uri="{FF2B5EF4-FFF2-40B4-BE49-F238E27FC236}">
+                <a16:creationId xmlns:a16="http://schemas.microsoft.com/office/drawing/2014/main" id="{E04D7543-F72A-4BCC-BD0F-67D0A5F0B5E5}"/>
+              </a:ext>
+            </a:extLst>
+          </p:cNvPr>
+          <p:cNvPicPr>
+            <a:picLocks noChangeAspect="1" noChangeArrowheads="1"/>
+          </p:cNvPicPr>
+          <p:nvPr/>
+        </p:nvPicPr>
+        <p:blipFill>
+          <a:blip r:embed="rId2">
+            <a:extLst>
+              <a:ext uri="{28A0092B-C50C-407E-A947-70E740481C1C}">
+                <a14:useLocalDpi xmlns:a14="http://schemas.microsoft.com/office/drawing/2010/main" val="0"/>
+              </a:ext>
+            </a:extLst>
+          </a:blip>
+          <a:srcRect/>
+          <a:stretch>
+            <a:fillRect/>
+          </a:stretch>
+        </p:blipFill>
+        <p:spPr bwMode="auto">
+          <a:xfrm>
+            <a:off x="679113" y="7850225"/>
+            <a:ext cx="1392987" cy="1392987"/>
+          </a:xfrm>
+          <a:prstGeom prst="rect">
+            <a:avLst/>
+          </a:prstGeom>
+          <a:noFill/>
+          <a:extLst>
+            <a:ext uri="{909E8E84-426E-40DD-AFC4-6F175D3DCCD1}">
+              <a14:hiddenFill xmlns:a14="http://schemas.microsoft.com/office/drawing/2010/main">
+                <a:solidFill>
+                  <a:srgbClr val="FFFFFF"/>
+                </a:solidFill>
+              </a14:hiddenFill>
+            </a:ext>
+          </a:extLst>
+        </p:spPr>
+      </p:pic>
+      <p:pic>
+        <p:nvPicPr>
+          <p:cNvPr id="19" name="Picture 2" descr="Lever Icons - Download Free Vector Icons | Noun Project">
+            <a:extLst>
+              <a:ext uri="{FF2B5EF4-FFF2-40B4-BE49-F238E27FC236}">
+                <a16:creationId xmlns:a16="http://schemas.microsoft.com/office/drawing/2014/main" id="{C172F542-4E3F-45E0-9100-2004639F262B}"/>
+              </a:ext>
+            </a:extLst>
+          </p:cNvPr>
+          <p:cNvPicPr>
+            <a:picLocks noChangeAspect="1" noChangeArrowheads="1"/>
+          </p:cNvPicPr>
+          <p:nvPr/>
+        </p:nvPicPr>
+        <p:blipFill>
+          <a:blip r:embed="rId2">
+            <a:extLst>
+              <a:ext uri="{28A0092B-C50C-407E-A947-70E740481C1C}">
+                <a14:useLocalDpi xmlns:a14="http://schemas.microsoft.com/office/drawing/2010/main" val="0"/>
+              </a:ext>
+            </a:extLst>
+          </a:blip>
+          <a:srcRect/>
+          <a:stretch>
+            <a:fillRect/>
+          </a:stretch>
+        </p:blipFill>
+        <p:spPr bwMode="auto">
+          <a:xfrm flipH="1">
+            <a:off x="15300393" y="7850225"/>
+            <a:ext cx="1392987" cy="1392987"/>
+          </a:xfrm>
+          <a:prstGeom prst="rect">
+            <a:avLst/>
+          </a:prstGeom>
+          <a:noFill/>
+          <a:extLst>
+            <a:ext uri="{909E8E84-426E-40DD-AFC4-6F175D3DCCD1}">
+              <a14:hiddenFill xmlns:a14="http://schemas.microsoft.com/office/drawing/2010/main">
+                <a:solidFill>
+                  <a:srgbClr val="FFFFFF"/>
+                </a:solidFill>
+              </a14:hiddenFill>
+            </a:ext>
+          </a:extLst>
+        </p:spPr>
+      </p:pic>
+      <p:sp>
+        <p:nvSpPr>
+          <p:cNvPr id="20" name="TextBox 21">
+            <a:extLst>
+              <a:ext uri="{FF2B5EF4-FFF2-40B4-BE49-F238E27FC236}">
+                <a16:creationId xmlns:a16="http://schemas.microsoft.com/office/drawing/2014/main" id="{EDE7AC58-7D55-4EBB-8ED7-EF83C4810184}"/>
+              </a:ext>
+            </a:extLst>
+          </p:cNvPr>
+          <p:cNvSpPr txBox="1"/>
+          <p:nvPr/>
+        </p:nvSpPr>
+        <p:spPr>
+          <a:xfrm>
+            <a:off x="916758" y="8933693"/>
+            <a:ext cx="774192" cy="461665"/>
+          </a:xfrm>
+          <a:prstGeom prst="rect">
+            <a:avLst/>
+          </a:prstGeom>
+          <a:noFill/>
+        </p:spPr>
+        <p:txBody>
+          <a:bodyPr wrap="square" rtlCol="0">
+            <a:spAutoFit/>
+          </a:bodyPr>
+          <a:lstStyle>
+            <a:defPPr>
+              <a:defRPr lang="en-US"/>
+            </a:defPPr>
+            <a:lvl1pPr marL="0" algn="l" defTabSz="457200" rtl="0" eaLnBrk="1" latinLnBrk="0" hangingPunct="1">
+              <a:defRPr sz="1800" kern="1200">
+                <a:solidFill>
+                  <a:schemeClr val="tx1"/>
+                </a:solidFill>
+                <a:latin typeface="+mn-lt"/>
+                <a:ea typeface="+mn-ea"/>
+                <a:cs typeface="+mn-cs"/>
+              </a:defRPr>
+            </a:lvl1pPr>
+            <a:lvl2pPr marL="457200" algn="l" defTabSz="457200" rtl="0" eaLnBrk="1" latinLnBrk="0" hangingPunct="1">
+              <a:defRPr sz="1800" kern="1200">
+                <a:solidFill>
+                  <a:schemeClr val="tx1"/>
+                </a:solidFill>
+                <a:latin typeface="+mn-lt"/>
+                <a:ea typeface="+mn-ea"/>
+                <a:cs typeface="+mn-cs"/>
+              </a:defRPr>
+            </a:lvl2pPr>
+            <a:lvl3pPr marL="914400" algn="l" defTabSz="457200" rtl="0" eaLnBrk="1" latinLnBrk="0" hangingPunct="1">
+              <a:defRPr sz="1800" kern="1200">
+                <a:solidFill>
+                  <a:schemeClr val="tx1"/>
+                </a:solidFill>
+                <a:latin typeface="+mn-lt"/>
+                <a:ea typeface="+mn-ea"/>
+                <a:cs typeface="+mn-cs"/>
+              </a:defRPr>
+            </a:lvl3pPr>
+            <a:lvl4pPr marL="1371600" algn="l" defTabSz="457200" rtl="0" eaLnBrk="1" latinLnBrk="0" hangingPunct="1">
+              <a:defRPr sz="1800" kern="1200">
+                <a:solidFill>
+                  <a:schemeClr val="tx1"/>
+                </a:solidFill>
+                <a:latin typeface="+mn-lt"/>
+                <a:ea typeface="+mn-ea"/>
+                <a:cs typeface="+mn-cs"/>
+              </a:defRPr>
+            </a:lvl4pPr>
+            <a:lvl5pPr marL="1828800" algn="l" defTabSz="457200" rtl="0" eaLnBrk="1" latinLnBrk="0" hangingPunct="1">
+              <a:defRPr sz="1800" kern="1200">
+                <a:solidFill>
+                  <a:schemeClr val="tx1"/>
+                </a:solidFill>
+                <a:latin typeface="+mn-lt"/>
+                <a:ea typeface="+mn-ea"/>
+                <a:cs typeface="+mn-cs"/>
+              </a:defRPr>
+            </a:lvl5pPr>
+            <a:lvl6pPr marL="2286000" algn="l" defTabSz="457200" rtl="0" eaLnBrk="1" latinLnBrk="0" hangingPunct="1">
+              <a:defRPr sz="1800" kern="1200">
+                <a:solidFill>
+                  <a:schemeClr val="tx1"/>
+                </a:solidFill>
+                <a:latin typeface="+mn-lt"/>
+                <a:ea typeface="+mn-ea"/>
+                <a:cs typeface="+mn-cs"/>
+              </a:defRPr>
+            </a:lvl6pPr>
+            <a:lvl7pPr marL="2743200" algn="l" defTabSz="457200" rtl="0" eaLnBrk="1" latinLnBrk="0" hangingPunct="1">
+              <a:defRPr sz="1800" kern="1200">
+                <a:solidFill>
+                  <a:schemeClr val="tx1"/>
+                </a:solidFill>
+                <a:latin typeface="+mn-lt"/>
+                <a:ea typeface="+mn-ea"/>
+                <a:cs typeface="+mn-cs"/>
+              </a:defRPr>
+            </a:lvl7pPr>
+            <a:lvl8pPr marL="3200400" algn="l" defTabSz="457200" rtl="0" eaLnBrk="1" latinLnBrk="0" hangingPunct="1">
+              <a:defRPr sz="1800" kern="1200">
+                <a:solidFill>
+                  <a:schemeClr val="tx1"/>
+                </a:solidFill>
+                <a:latin typeface="+mn-lt"/>
+                <a:ea typeface="+mn-ea"/>
+                <a:cs typeface="+mn-cs"/>
+              </a:defRPr>
+            </a:lvl8pPr>
+            <a:lvl9pPr marL="3657600" algn="l" defTabSz="457200" rtl="0" eaLnBrk="1" latinLnBrk="0" hangingPunct="1">
+              <a:defRPr sz="1800" kern="1200">
+                <a:solidFill>
+                  <a:schemeClr val="tx1"/>
+                </a:solidFill>
+                <a:latin typeface="+mn-lt"/>
+                <a:ea typeface="+mn-ea"/>
+                <a:cs typeface="+mn-cs"/>
+              </a:defRPr>
+            </a:lvl9pPr>
+          </a:lstStyle>
+          <a:p>
+            <a:pPr algn="ctr"/>
+            <a:r>
+              <a:rPr lang="en-US" altLang="ko-KR" sz="2400" b="1" dirty="0"/>
+              <a:t>off</a:t>
+            </a:r>
+            <a:endParaRPr lang="ko-KR" altLang="en-US" sz="2400" b="1" dirty="0"/>
+          </a:p>
+        </p:txBody>
+      </p:sp>
+      <p:sp>
+        <p:nvSpPr>
+          <p:cNvPr id="21" name="TextBox 23">
+            <a:extLst>
+              <a:ext uri="{FF2B5EF4-FFF2-40B4-BE49-F238E27FC236}">
+                <a16:creationId xmlns:a16="http://schemas.microsoft.com/office/drawing/2014/main" id="{42ADD5D7-B655-4325-B7BC-3D89829A31CF}"/>
+              </a:ext>
+            </a:extLst>
+          </p:cNvPr>
+          <p:cNvSpPr txBox="1"/>
+          <p:nvPr/>
+        </p:nvSpPr>
+        <p:spPr>
+          <a:xfrm>
+            <a:off x="15688660" y="8933693"/>
+            <a:ext cx="774192" cy="461665"/>
+          </a:xfrm>
+          <a:prstGeom prst="rect">
+            <a:avLst/>
+          </a:prstGeom>
+          <a:noFill/>
+        </p:spPr>
+        <p:txBody>
+          <a:bodyPr wrap="square" rtlCol="0">
+            <a:spAutoFit/>
+          </a:bodyPr>
+          <a:lstStyle>
+            <a:defPPr>
+              <a:defRPr lang="en-US"/>
+            </a:defPPr>
+            <a:lvl1pPr marL="0" algn="l" defTabSz="457200" rtl="0" eaLnBrk="1" latinLnBrk="0" hangingPunct="1">
+              <a:defRPr sz="1800" kern="1200">
+                <a:solidFill>
+                  <a:schemeClr val="tx1"/>
+                </a:solidFill>
+                <a:latin typeface="+mn-lt"/>
+                <a:ea typeface="+mn-ea"/>
+                <a:cs typeface="+mn-cs"/>
+              </a:defRPr>
+            </a:lvl1pPr>
+            <a:lvl2pPr marL="457200" algn="l" defTabSz="457200" rtl="0" eaLnBrk="1" latinLnBrk="0" hangingPunct="1">
+              <a:defRPr sz="1800" kern="1200">
+                <a:solidFill>
+                  <a:schemeClr val="tx1"/>
+                </a:solidFill>
+                <a:latin typeface="+mn-lt"/>
+                <a:ea typeface="+mn-ea"/>
+                <a:cs typeface="+mn-cs"/>
+              </a:defRPr>
+            </a:lvl2pPr>
+            <a:lvl3pPr marL="914400" algn="l" defTabSz="457200" rtl="0" eaLnBrk="1" latinLnBrk="0" hangingPunct="1">
+              <a:defRPr sz="1800" kern="1200">
+                <a:solidFill>
+                  <a:schemeClr val="tx1"/>
+                </a:solidFill>
+                <a:latin typeface="+mn-lt"/>
+                <a:ea typeface="+mn-ea"/>
+                <a:cs typeface="+mn-cs"/>
+              </a:defRPr>
+            </a:lvl3pPr>
+            <a:lvl4pPr marL="1371600" algn="l" defTabSz="457200" rtl="0" eaLnBrk="1" latinLnBrk="0" hangingPunct="1">
+              <a:defRPr sz="1800" kern="1200">
+                <a:solidFill>
+                  <a:schemeClr val="tx1"/>
+                </a:solidFill>
+                <a:latin typeface="+mn-lt"/>
+                <a:ea typeface="+mn-ea"/>
+                <a:cs typeface="+mn-cs"/>
+              </a:defRPr>
+            </a:lvl4pPr>
+            <a:lvl5pPr marL="1828800" algn="l" defTabSz="457200" rtl="0" eaLnBrk="1" latinLnBrk="0" hangingPunct="1">
+              <a:defRPr sz="1800" kern="1200">
+                <a:solidFill>
+                  <a:schemeClr val="tx1"/>
+                </a:solidFill>
+                <a:latin typeface="+mn-lt"/>
+                <a:ea typeface="+mn-ea"/>
+                <a:cs typeface="+mn-cs"/>
+              </a:defRPr>
+            </a:lvl5pPr>
+            <a:lvl6pPr marL="2286000" algn="l" defTabSz="457200" rtl="0" eaLnBrk="1" latinLnBrk="0" hangingPunct="1">
+              <a:defRPr sz="1800" kern="1200">
+                <a:solidFill>
+                  <a:schemeClr val="tx1"/>
+                </a:solidFill>
+                <a:latin typeface="+mn-lt"/>
+                <a:ea typeface="+mn-ea"/>
+                <a:cs typeface="+mn-cs"/>
+              </a:defRPr>
+            </a:lvl6pPr>
+            <a:lvl7pPr marL="2743200" algn="l" defTabSz="457200" rtl="0" eaLnBrk="1" latinLnBrk="0" hangingPunct="1">
+              <a:defRPr sz="1800" kern="1200">
+                <a:solidFill>
+                  <a:schemeClr val="tx1"/>
+                </a:solidFill>
+                <a:latin typeface="+mn-lt"/>
+                <a:ea typeface="+mn-ea"/>
+                <a:cs typeface="+mn-cs"/>
+              </a:defRPr>
+            </a:lvl7pPr>
+            <a:lvl8pPr marL="3200400" algn="l" defTabSz="457200" rtl="0" eaLnBrk="1" latinLnBrk="0" hangingPunct="1">
+              <a:defRPr sz="1800" kern="1200">
+                <a:solidFill>
+                  <a:schemeClr val="tx1"/>
+                </a:solidFill>
+                <a:latin typeface="+mn-lt"/>
+                <a:ea typeface="+mn-ea"/>
+                <a:cs typeface="+mn-cs"/>
+              </a:defRPr>
+            </a:lvl8pPr>
+            <a:lvl9pPr marL="3657600" algn="l" defTabSz="457200" rtl="0" eaLnBrk="1" latinLnBrk="0" hangingPunct="1">
+              <a:defRPr sz="1800" kern="1200">
+                <a:solidFill>
+                  <a:schemeClr val="tx1"/>
+                </a:solidFill>
+                <a:latin typeface="+mn-lt"/>
+                <a:ea typeface="+mn-ea"/>
+                <a:cs typeface="+mn-cs"/>
+              </a:defRPr>
+            </a:lvl9pPr>
+          </a:lstStyle>
+          <a:p>
+            <a:pPr algn="ctr"/>
+            <a:r>
+              <a:rPr lang="en-US" altLang="ko-KR" sz="2400" b="1" dirty="0"/>
+              <a:t>on</a:t>
+            </a:r>
+            <a:endParaRPr lang="ko-KR" altLang="en-US" sz="2400" b="1" dirty="0"/>
+          </a:p>
+        </p:txBody>
+      </p:sp>
+      <p:sp>
+        <p:nvSpPr>
+          <p:cNvPr id="2" name="직사각형 1">
+            <a:extLst>
+              <a:ext uri="{FF2B5EF4-FFF2-40B4-BE49-F238E27FC236}">
+                <a16:creationId xmlns:a16="http://schemas.microsoft.com/office/drawing/2014/main" id="{56BB9B7E-0036-423B-8060-BA5FEBB5585B}"/>
+              </a:ext>
+            </a:extLst>
+          </p:cNvPr>
+          <p:cNvSpPr/>
+          <p:nvPr/>
+        </p:nvSpPr>
+        <p:spPr>
+          <a:xfrm>
+            <a:off x="2450592" y="5522976"/>
+            <a:ext cx="5071872" cy="3720236"/>
+          </a:xfrm>
+          <a:prstGeom prst="rect">
+            <a:avLst/>
+          </a:prstGeom>
+          <a:solidFill>
+            <a:schemeClr val="bg1">
+              <a:alpha val="20000"/>
+            </a:schemeClr>
+          </a:solidFill>
+          <a:ln>
+            <a:solidFill>
+              <a:schemeClr val="bg1"/>
+            </a:solidFill>
+          </a:ln>
+        </p:spPr>
+        <p:style>
+          <a:lnRef idx="2">
+            <a:schemeClr val="accent1">
+              <a:shade val="50000"/>
+            </a:schemeClr>
+          </a:lnRef>
+          <a:fillRef idx="1">
+            <a:schemeClr val="accent1"/>
+          </a:fillRef>
+          <a:effectRef idx="0">
+            <a:schemeClr val="accent1"/>
+          </a:effectRef>
+          <a:fontRef idx="minor">
+            <a:schemeClr val="lt1"/>
+          </a:fontRef>
+        </p:style>
+        <p:txBody>
+          <a:bodyPr rtlCol="0" anchor="ctr"/>
+          <a:lstStyle/>
+          <a:p>
+            <a:pPr algn="ctr"/>
+            <a:endParaRPr lang="ko-KR" altLang="en-US"/>
+          </a:p>
+        </p:txBody>
+      </p:sp>
+      <p:sp>
+        <p:nvSpPr>
+          <p:cNvPr id="3" name="타원 2">
+            <a:extLst>
+              <a:ext uri="{FF2B5EF4-FFF2-40B4-BE49-F238E27FC236}">
+                <a16:creationId xmlns:a16="http://schemas.microsoft.com/office/drawing/2014/main" id="{F67D451E-1193-4CC2-943A-10D53C9569AA}"/>
+              </a:ext>
+            </a:extLst>
+          </p:cNvPr>
+          <p:cNvSpPr/>
+          <p:nvPr/>
+        </p:nvSpPr>
+        <p:spPr>
+          <a:xfrm>
+            <a:off x="6565900" y="5918200"/>
+            <a:ext cx="444500" cy="444500"/>
+          </a:xfrm>
+          <a:prstGeom prst="ellipse">
+            <a:avLst/>
+          </a:prstGeom>
+        </p:spPr>
+        <p:style>
+          <a:lnRef idx="2">
+            <a:schemeClr val="dk1">
+              <a:shade val="50000"/>
+            </a:schemeClr>
+          </a:lnRef>
+          <a:fillRef idx="1">
+            <a:schemeClr val="dk1"/>
+          </a:fillRef>
+          <a:effectRef idx="0">
+            <a:schemeClr val="dk1"/>
+          </a:effectRef>
+          <a:fontRef idx="minor">
+            <a:schemeClr val="lt1"/>
+          </a:fontRef>
+        </p:style>
+        <p:txBody>
+          <a:bodyPr rtlCol="0" anchor="ctr"/>
+          <a:lstStyle/>
+          <a:p>
+            <a:pPr algn="ctr"/>
+            <a:r>
+              <a:rPr lang="en-US" altLang="ko-KR" dirty="0"/>
+              <a:t>1</a:t>
+            </a:r>
+            <a:endParaRPr lang="ko-KR" altLang="en-US" dirty="0"/>
+          </a:p>
+        </p:txBody>
+      </p:sp>
+      <p:sp>
+        <p:nvSpPr>
+          <p:cNvPr id="23" name="타원 22">
+            <a:extLst>
+              <a:ext uri="{FF2B5EF4-FFF2-40B4-BE49-F238E27FC236}">
+                <a16:creationId xmlns:a16="http://schemas.microsoft.com/office/drawing/2014/main" id="{B61A481A-E514-4399-9E64-2A42001D3F40}"/>
+              </a:ext>
+            </a:extLst>
+          </p:cNvPr>
+          <p:cNvSpPr/>
+          <p:nvPr/>
+        </p:nvSpPr>
+        <p:spPr>
+          <a:xfrm>
+            <a:off x="3013632" y="8460112"/>
+            <a:ext cx="444500" cy="444500"/>
+          </a:xfrm>
+          <a:prstGeom prst="ellipse">
+            <a:avLst/>
+          </a:prstGeom>
+        </p:spPr>
+        <p:style>
+          <a:lnRef idx="2">
+            <a:schemeClr val="dk1">
+              <a:shade val="50000"/>
+            </a:schemeClr>
+          </a:lnRef>
+          <a:fillRef idx="1">
+            <a:schemeClr val="dk1"/>
+          </a:fillRef>
+          <a:effectRef idx="0">
+            <a:schemeClr val="dk1"/>
+          </a:effectRef>
+          <a:fontRef idx="minor">
+            <a:schemeClr val="lt1"/>
+          </a:fontRef>
+        </p:style>
+        <p:txBody>
+          <a:bodyPr rtlCol="0" anchor="ctr"/>
+          <a:lstStyle/>
+          <a:p>
+            <a:pPr algn="ctr"/>
+            <a:r>
+              <a:rPr lang="en-US" altLang="ko-KR" dirty="0"/>
+              <a:t>2</a:t>
+            </a:r>
+            <a:endParaRPr lang="ko-KR" altLang="en-US" dirty="0"/>
+          </a:p>
+        </p:txBody>
+      </p:sp>
+      <p:sp>
+        <p:nvSpPr>
+          <p:cNvPr id="6" name="직사각형 5">
+            <a:extLst>
+              <a:ext uri="{FF2B5EF4-FFF2-40B4-BE49-F238E27FC236}">
+                <a16:creationId xmlns:a16="http://schemas.microsoft.com/office/drawing/2014/main" id="{1AEA7ACF-D079-453E-BFEC-9BBC2F5753C4}"/>
+              </a:ext>
+            </a:extLst>
+          </p:cNvPr>
+          <p:cNvSpPr/>
+          <p:nvPr/>
+        </p:nvSpPr>
+        <p:spPr>
+          <a:xfrm>
+            <a:off x="2778682" y="8225162"/>
+            <a:ext cx="914400" cy="914400"/>
+          </a:xfrm>
+          <a:prstGeom prst="rect">
+            <a:avLst/>
+          </a:prstGeom>
+          <a:solidFill>
+            <a:schemeClr val="accent1">
+              <a:lumMod val="75000"/>
+            </a:schemeClr>
+          </a:solidFill>
+          <a:ln>
+            <a:solidFill>
+              <a:schemeClr val="bg1"/>
+            </a:solidFill>
+          </a:ln>
+        </p:spPr>
+        <p:style>
+          <a:lnRef idx="2">
+            <a:schemeClr val="accent1">
+              <a:shade val="50000"/>
+            </a:schemeClr>
+          </a:lnRef>
+          <a:fillRef idx="1">
+            <a:schemeClr val="accent1"/>
+          </a:fillRef>
+          <a:effectRef idx="0">
+            <a:schemeClr val="accent1"/>
+          </a:effectRef>
+          <a:fontRef idx="minor">
+            <a:schemeClr val="lt1"/>
+          </a:fontRef>
+        </p:style>
+        <p:txBody>
+          <a:bodyPr rtlCol="0" anchor="ctr"/>
+          <a:lstStyle/>
+          <a:p>
+            <a:pPr algn="ctr"/>
+            <a:r>
+              <a:rPr lang="en-US" altLang="ko-KR" dirty="0"/>
+              <a:t>Point</a:t>
+            </a:r>
+          </a:p>
+          <a:p>
+            <a:pPr algn="ctr"/>
+            <a:r>
+              <a:rPr lang="en-US" altLang="ko-KR" dirty="0"/>
+              <a:t>Box</a:t>
+            </a:r>
+            <a:endParaRPr lang="ko-KR" altLang="en-US" dirty="0"/>
+          </a:p>
+        </p:txBody>
+      </p:sp>
+      <p:sp>
+        <p:nvSpPr>
+          <p:cNvPr id="27" name="직사각형 26">
+            <a:extLst>
+              <a:ext uri="{FF2B5EF4-FFF2-40B4-BE49-F238E27FC236}">
+                <a16:creationId xmlns:a16="http://schemas.microsoft.com/office/drawing/2014/main" id="{2BFA9E8A-809E-4CB0-A240-EEEDED6B5F2A}"/>
+              </a:ext>
+            </a:extLst>
+          </p:cNvPr>
+          <p:cNvSpPr/>
+          <p:nvPr/>
+        </p:nvSpPr>
+        <p:spPr>
+          <a:xfrm>
+            <a:off x="9850028" y="5522976"/>
+            <a:ext cx="5071872" cy="3720236"/>
+          </a:xfrm>
+          <a:prstGeom prst="rect">
+            <a:avLst/>
+          </a:prstGeom>
+          <a:solidFill>
+            <a:schemeClr val="bg1">
+              <a:alpha val="20000"/>
+            </a:schemeClr>
+          </a:solidFill>
+          <a:ln>
+            <a:solidFill>
+              <a:schemeClr val="bg1"/>
+            </a:solidFill>
+          </a:ln>
+        </p:spPr>
+        <p:style>
+          <a:lnRef idx="2">
+            <a:schemeClr val="accent1">
+              <a:shade val="50000"/>
+            </a:schemeClr>
+          </a:lnRef>
+          <a:fillRef idx="1">
+            <a:schemeClr val="accent1"/>
+          </a:fillRef>
+          <a:effectRef idx="0">
+            <a:schemeClr val="accent1"/>
+          </a:effectRef>
+          <a:fontRef idx="minor">
+            <a:schemeClr val="lt1"/>
+          </a:fontRef>
+        </p:style>
+        <p:txBody>
+          <a:bodyPr rtlCol="0" anchor="ctr"/>
+          <a:lstStyle/>
+          <a:p>
+            <a:pPr algn="ctr"/>
+            <a:endParaRPr lang="ko-KR" altLang="en-US"/>
+          </a:p>
+        </p:txBody>
+      </p:sp>
+      <p:sp>
+        <p:nvSpPr>
+          <p:cNvPr id="28" name="타원 27">
+            <a:extLst>
+              <a:ext uri="{FF2B5EF4-FFF2-40B4-BE49-F238E27FC236}">
+                <a16:creationId xmlns:a16="http://schemas.microsoft.com/office/drawing/2014/main" id="{A75CA90A-1D9D-410E-B319-024E2C0A7BBD}"/>
+              </a:ext>
+            </a:extLst>
+          </p:cNvPr>
+          <p:cNvSpPr/>
+          <p:nvPr/>
+        </p:nvSpPr>
+        <p:spPr>
+          <a:xfrm>
+            <a:off x="13965336" y="5918200"/>
+            <a:ext cx="444500" cy="444500"/>
+          </a:xfrm>
+          <a:prstGeom prst="ellipse">
+            <a:avLst/>
+          </a:prstGeom>
+        </p:spPr>
+        <p:style>
+          <a:lnRef idx="2">
+            <a:schemeClr val="dk1">
+              <a:shade val="50000"/>
+            </a:schemeClr>
+          </a:lnRef>
+          <a:fillRef idx="1">
+            <a:schemeClr val="dk1"/>
+          </a:fillRef>
+          <a:effectRef idx="0">
+            <a:schemeClr val="dk1"/>
+          </a:effectRef>
+          <a:fontRef idx="minor">
+            <a:schemeClr val="lt1"/>
+          </a:fontRef>
+        </p:style>
+        <p:txBody>
+          <a:bodyPr rtlCol="0" anchor="ctr"/>
+          <a:lstStyle/>
+          <a:p>
+            <a:pPr algn="ctr"/>
+            <a:r>
+              <a:rPr lang="en-US" altLang="ko-KR" dirty="0"/>
+              <a:t>1</a:t>
+            </a:r>
+            <a:endParaRPr lang="ko-KR" altLang="en-US" dirty="0"/>
+          </a:p>
+        </p:txBody>
+      </p:sp>
+      <p:sp>
+        <p:nvSpPr>
+          <p:cNvPr id="29" name="타원 28">
+            <a:extLst>
+              <a:ext uri="{FF2B5EF4-FFF2-40B4-BE49-F238E27FC236}">
+                <a16:creationId xmlns:a16="http://schemas.microsoft.com/office/drawing/2014/main" id="{8FCA56AF-BADC-420C-BA92-1E63756FB637}"/>
+              </a:ext>
+            </a:extLst>
+          </p:cNvPr>
+          <p:cNvSpPr/>
+          <p:nvPr/>
+        </p:nvSpPr>
+        <p:spPr>
+          <a:xfrm>
+            <a:off x="10413068" y="8460112"/>
+            <a:ext cx="444500" cy="444500"/>
+          </a:xfrm>
+          <a:prstGeom prst="ellipse">
+            <a:avLst/>
+          </a:prstGeom>
+        </p:spPr>
+        <p:style>
+          <a:lnRef idx="2">
+            <a:schemeClr val="dk1">
+              <a:shade val="50000"/>
+            </a:schemeClr>
+          </a:lnRef>
+          <a:fillRef idx="1">
+            <a:schemeClr val="dk1"/>
+          </a:fillRef>
+          <a:effectRef idx="0">
+            <a:schemeClr val="dk1"/>
+          </a:effectRef>
+          <a:fontRef idx="minor">
+            <a:schemeClr val="lt1"/>
+          </a:fontRef>
+        </p:style>
+        <p:txBody>
+          <a:bodyPr rtlCol="0" anchor="ctr"/>
+          <a:lstStyle/>
+          <a:p>
+            <a:pPr algn="ctr"/>
+            <a:r>
+              <a:rPr lang="en-US" altLang="ko-KR" dirty="0"/>
+              <a:t>2</a:t>
+            </a:r>
+            <a:endParaRPr lang="ko-KR" altLang="en-US" dirty="0"/>
+          </a:p>
+        </p:txBody>
+      </p:sp>
+      <p:sp>
+        <p:nvSpPr>
+          <p:cNvPr id="30" name="직사각형 29">
+            <a:extLst>
+              <a:ext uri="{FF2B5EF4-FFF2-40B4-BE49-F238E27FC236}">
+                <a16:creationId xmlns:a16="http://schemas.microsoft.com/office/drawing/2014/main" id="{D297D6A3-5DA1-4110-A111-34C4D571E95A}"/>
+              </a:ext>
+            </a:extLst>
+          </p:cNvPr>
+          <p:cNvSpPr/>
+          <p:nvPr/>
+        </p:nvSpPr>
+        <p:spPr>
+          <a:xfrm>
+            <a:off x="13730386" y="5683250"/>
+            <a:ext cx="914400" cy="914400"/>
+          </a:xfrm>
+          <a:prstGeom prst="rect">
+            <a:avLst/>
+          </a:prstGeom>
+          <a:solidFill>
+            <a:schemeClr val="accent1">
+              <a:lumMod val="75000"/>
+            </a:schemeClr>
+          </a:solidFill>
+          <a:ln>
+            <a:solidFill>
+              <a:schemeClr val="bg1"/>
+            </a:solidFill>
+          </a:ln>
+        </p:spPr>
+        <p:style>
+          <a:lnRef idx="2">
+            <a:schemeClr val="accent1">
+              <a:shade val="50000"/>
+            </a:schemeClr>
+          </a:lnRef>
+          <a:fillRef idx="1">
+            <a:schemeClr val="accent1"/>
+          </a:fillRef>
+          <a:effectRef idx="0">
+            <a:schemeClr val="accent1"/>
+          </a:effectRef>
+          <a:fontRef idx="minor">
+            <a:schemeClr val="lt1"/>
+          </a:fontRef>
+        </p:style>
+        <p:txBody>
+          <a:bodyPr rtlCol="0" anchor="ctr"/>
+          <a:lstStyle/>
+          <a:p>
+            <a:pPr algn="ctr"/>
+            <a:r>
+              <a:rPr lang="en-US" altLang="ko-KR" dirty="0"/>
+              <a:t>Point</a:t>
+            </a:r>
+          </a:p>
+          <a:p>
+            <a:pPr algn="ctr"/>
+            <a:r>
+              <a:rPr lang="en-US" altLang="ko-KR" dirty="0"/>
+              <a:t>Box</a:t>
+            </a:r>
+            <a:endParaRPr lang="ko-KR" altLang="en-US" dirty="0"/>
+          </a:p>
+        </p:txBody>
+      </p:sp>
+    </p:spTree>
+    <p:extLst>
+      <p:ext uri="{BB962C8B-B14F-4D97-AF65-F5344CB8AC3E}">
+        <p14:creationId xmlns:p14="http://schemas.microsoft.com/office/powerpoint/2010/main" val="2882294256"/>
+      </p:ext>
+    </p:extLst>
+  </p:cSld>
+  <p:clrMapOvr>
+    <a:masterClrMapping/>
+  </p:clrMapOvr>
+</p:sld>
+</file>
+
+<file path=ppt/slides/slide13.xml><?xml version="1.0" encoding="utf-8"?>
+<p:sld xmlns:a="http://schemas.openxmlformats.org/drawingml/2006/main" xmlns:r="http://schemas.openxmlformats.org/officeDocument/2006/relationships" xmlns:p="http://schemas.openxmlformats.org/presentationml/2006/main">
+  <p:cSld>
+    <p:spTree>
+      <p:nvGrpSpPr>
+        <p:cNvPr id="1" name=""/>
+        <p:cNvGrpSpPr/>
+        <p:nvPr/>
+      </p:nvGrpSpPr>
+      <p:grpSpPr>
+        <a:xfrm>
+          <a:off x="0" y="0"/>
+          <a:ext cx="0" cy="0"/>
+          <a:chOff x="0" y="0"/>
+          <a:chExt cx="0" cy="0"/>
+        </a:xfrm>
+      </p:grpSpPr>
+      <p:sp>
+        <p:nvSpPr>
           <p:cNvPr id="7" name="직사각형 6">
             <a:extLst>
               <a:ext uri="{FF2B5EF4-FFF2-40B4-BE49-F238E27FC236}">
@@ -7813,7 +9183,7 @@
         <p:spPr>
           <a:xfrm>
             <a:off x="445276" y="1697447"/>
-            <a:ext cx="5967448" cy="6129050"/>
+            <a:ext cx="5967448" cy="6683048"/>
           </a:xfrm>
           <a:prstGeom prst="rect">
             <a:avLst/>
@@ -7998,6 +9368,22 @@
                 </a:solidFill>
               </a:rPr>
               <a:t>Moving Platform</a:t>
+            </a:r>
+          </a:p>
+          <a:p>
+            <a:pPr marL="342900" indent="-342900">
+              <a:lnSpc>
+                <a:spcPct val="150000"/>
+              </a:lnSpc>
+              <a:buAutoNum type="arabicPeriod"/>
+            </a:pPr>
+            <a:r>
+              <a:rPr lang="en-US" altLang="ko-KR" sz="2400" b="1" dirty="0">
+                <a:solidFill>
+                  <a:schemeClr val="bg1"/>
+                </a:solidFill>
+              </a:rPr>
+              <a:t> Point Box</a:t>
             </a:r>
           </a:p>
           <a:p>
@@ -8835,10 +10221,10 @@
       </p:sp>
       <p:pic>
         <p:nvPicPr>
-          <p:cNvPr id="3" name="그림 2">
+          <p:cNvPr id="8" name="그림 7">
             <a:extLst>
               <a:ext uri="{FF2B5EF4-FFF2-40B4-BE49-F238E27FC236}">
-                <a16:creationId xmlns:a16="http://schemas.microsoft.com/office/drawing/2014/main" id="{90838C16-07BA-4A1C-8C4A-ABF60F4704CF}"/>
+                <a16:creationId xmlns:a16="http://schemas.microsoft.com/office/drawing/2014/main" id="{A18681FF-4069-4783-80A1-FA101556B0FE}"/>
               </a:ext>
             </a:extLst>
           </p:cNvPr>
@@ -8861,8 +10247,8 @@
         </p:blipFill>
         <p:spPr>
           <a:xfrm>
-            <a:off x="2178447" y="1592262"/>
-            <a:ext cx="13253244" cy="7984370"/>
+            <a:off x="2184797" y="1503362"/>
+            <a:ext cx="13240544" cy="7976719"/>
           </a:xfrm>
           <a:prstGeom prst="rect">
             <a:avLst/>

--- a/기획서/신버전/퍼즐 기획.pptx
+++ b/기획서/신버전/퍼즐 기획.pptx
@@ -5,10 +5,10 @@
     <p:sldMasterId id="2147483684" r:id="rId1"/>
   </p:sldMasterIdLst>
   <p:notesMasterIdLst>
-    <p:notesMasterId r:id="rId15"/>
+    <p:notesMasterId r:id="rId14"/>
   </p:notesMasterIdLst>
   <p:handoutMasterIdLst>
-    <p:handoutMasterId r:id="rId16"/>
+    <p:handoutMasterId r:id="rId15"/>
   </p:handoutMasterIdLst>
   <p:sldIdLst>
     <p:sldId id="256" r:id="rId2"/>
@@ -23,7 +23,6 @@
     <p:sldId id="265" r:id="rId11"/>
     <p:sldId id="266" r:id="rId12"/>
     <p:sldId id="269" r:id="rId13"/>
-    <p:sldId id="267" r:id="rId14"/>
   </p:sldIdLst>
   <p:sldSz cx="17610138" cy="9906000"/>
   <p:notesSz cx="6858000" cy="9144000"/>
@@ -224,7 +223,7 @@
           <a:p>
             <a:fld id="{D686C50E-113A-4B4A-8A5C-9EE1E9DBA064}" type="datetimeFigureOut">
               <a:rPr lang="ko-KR" altLang="en-US" smtClean="0"/>
-              <a:t>2021-04-26</a:t>
+              <a:t>2021-05-13</a:t>
             </a:fld>
             <a:endParaRPr lang="ko-KR" altLang="en-US" dirty="0"/>
           </a:p>
@@ -401,7 +400,7 @@
           <a:p>
             <a:fld id="{40EC3B2E-CA71-40FC-A78E-FA212ABD0BB7}" type="datetimeFigureOut">
               <a:rPr lang="ko-KR" altLang="en-US" smtClean="0"/>
-              <a:t>2021-04-26</a:t>
+              <a:t>2021-05-13</a:t>
             </a:fld>
             <a:endParaRPr lang="ko-KR" altLang="en-US" dirty="0"/>
           </a:p>
@@ -799,7 +798,7 @@
           <a:p>
             <a:fld id="{F8CAAD71-D53C-4447-AAA3-BC9075A67E69}" type="datetimeFigureOut">
               <a:rPr lang="ko-KR" altLang="en-US" smtClean="0"/>
-              <a:t>2021-04-26</a:t>
+              <a:t>2021-05-13</a:t>
             </a:fld>
             <a:endParaRPr lang="ko-KR" altLang="en-US" dirty="0"/>
           </a:p>
@@ -969,7 +968,7 @@
           <a:p>
             <a:fld id="{F8CAAD71-D53C-4447-AAA3-BC9075A67E69}" type="datetimeFigureOut">
               <a:rPr lang="ko-KR" altLang="en-US" smtClean="0"/>
-              <a:t>2021-04-26</a:t>
+              <a:t>2021-05-13</a:t>
             </a:fld>
             <a:endParaRPr lang="ko-KR" altLang="en-US" dirty="0"/>
           </a:p>
@@ -1149,7 +1148,7 @@
           <a:p>
             <a:fld id="{F8CAAD71-D53C-4447-AAA3-BC9075A67E69}" type="datetimeFigureOut">
               <a:rPr lang="ko-KR" altLang="en-US" smtClean="0"/>
-              <a:t>2021-04-26</a:t>
+              <a:t>2021-05-13</a:t>
             </a:fld>
             <a:endParaRPr lang="ko-KR" altLang="en-US" dirty="0"/>
           </a:p>
@@ -1319,7 +1318,7 @@
           <a:p>
             <a:fld id="{F8CAAD71-D53C-4447-AAA3-BC9075A67E69}" type="datetimeFigureOut">
               <a:rPr lang="ko-KR" altLang="en-US" smtClean="0"/>
-              <a:t>2021-04-26</a:t>
+              <a:t>2021-05-13</a:t>
             </a:fld>
             <a:endParaRPr lang="ko-KR" altLang="en-US" dirty="0"/>
           </a:p>
@@ -1565,7 +1564,7 @@
           <a:p>
             <a:fld id="{F8CAAD71-D53C-4447-AAA3-BC9075A67E69}" type="datetimeFigureOut">
               <a:rPr lang="ko-KR" altLang="en-US" smtClean="0"/>
-              <a:t>2021-04-26</a:t>
+              <a:t>2021-05-13</a:t>
             </a:fld>
             <a:endParaRPr lang="ko-KR" altLang="en-US" dirty="0"/>
           </a:p>
@@ -1797,7 +1796,7 @@
           <a:p>
             <a:fld id="{F8CAAD71-D53C-4447-AAA3-BC9075A67E69}" type="datetimeFigureOut">
               <a:rPr lang="ko-KR" altLang="en-US" smtClean="0"/>
-              <a:t>2021-04-26</a:t>
+              <a:t>2021-05-13</a:t>
             </a:fld>
             <a:endParaRPr lang="ko-KR" altLang="en-US" dirty="0"/>
           </a:p>
@@ -2164,7 +2163,7 @@
           <a:p>
             <a:fld id="{F8CAAD71-D53C-4447-AAA3-BC9075A67E69}" type="datetimeFigureOut">
               <a:rPr lang="ko-KR" altLang="en-US" smtClean="0"/>
-              <a:t>2021-04-26</a:t>
+              <a:t>2021-05-13</a:t>
             </a:fld>
             <a:endParaRPr lang="ko-KR" altLang="en-US" dirty="0"/>
           </a:p>
@@ -2282,7 +2281,7 @@
           <a:p>
             <a:fld id="{F8CAAD71-D53C-4447-AAA3-BC9075A67E69}" type="datetimeFigureOut">
               <a:rPr lang="ko-KR" altLang="en-US" smtClean="0"/>
-              <a:t>2021-04-26</a:t>
+              <a:t>2021-05-13</a:t>
             </a:fld>
             <a:endParaRPr lang="ko-KR" altLang="en-US" dirty="0"/>
           </a:p>
@@ -2377,7 +2376,7 @@
           <a:p>
             <a:fld id="{F8CAAD71-D53C-4447-AAA3-BC9075A67E69}" type="datetimeFigureOut">
               <a:rPr lang="ko-KR" altLang="en-US" smtClean="0"/>
-              <a:t>2021-04-26</a:t>
+              <a:t>2021-05-13</a:t>
             </a:fld>
             <a:endParaRPr lang="ko-KR" altLang="en-US" dirty="0"/>
           </a:p>
@@ -2654,7 +2653,7 @@
           <a:p>
             <a:fld id="{F8CAAD71-D53C-4447-AAA3-BC9075A67E69}" type="datetimeFigureOut">
               <a:rPr lang="ko-KR" altLang="en-US" smtClean="0"/>
-              <a:t>2021-04-26</a:t>
+              <a:t>2021-05-13</a:t>
             </a:fld>
             <a:endParaRPr lang="ko-KR" altLang="en-US" dirty="0"/>
           </a:p>
@@ -2911,7 +2910,7 @@
           <a:p>
             <a:fld id="{F8CAAD71-D53C-4447-AAA3-BC9075A67E69}" type="datetimeFigureOut">
               <a:rPr lang="ko-KR" altLang="en-US" smtClean="0"/>
-              <a:t>2021-04-26</a:t>
+              <a:t>2021-05-13</a:t>
             </a:fld>
             <a:endParaRPr lang="ko-KR" altLang="en-US" dirty="0"/>
           </a:p>
@@ -3129,7 +3128,7 @@
           <a:p>
             <a:fld id="{F8CAAD71-D53C-4447-AAA3-BC9075A67E69}" type="datetimeFigureOut">
               <a:rPr lang="ko-KR" altLang="en-US" smtClean="0"/>
-              <a:t>2021-04-26</a:t>
+              <a:t>2021-05-13</a:t>
             </a:fld>
             <a:endParaRPr lang="ko-KR" altLang="en-US" dirty="0"/>
           </a:p>
@@ -3795,7 +3794,7 @@
         <p:spPr>
           <a:xfrm>
             <a:off x="101601" y="1445888"/>
-            <a:ext cx="11261343" cy="4185761"/>
+            <a:ext cx="11261343" cy="4462760"/>
           </a:xfrm>
           <a:prstGeom prst="rect">
             <a:avLst/>
@@ -4040,27 +4039,7 @@
                 <a:latin typeface="HY그래픽M" panose="02030600000101010101" pitchFamily="18" charset="-127"/>
                 <a:ea typeface="HY그래픽M" panose="02030600000101010101" pitchFamily="18" charset="-127"/>
               </a:rPr>
-              <a:t>한번 </a:t>
-            </a:r>
-            <a:r>
-              <a:rPr lang="ko-KR" altLang="en-US" b="1" dirty="0" err="1">
-                <a:solidFill>
-                  <a:schemeClr val="bg1"/>
-                </a:solidFill>
-                <a:latin typeface="HY그래픽M" panose="02030600000101010101" pitchFamily="18" charset="-127"/>
-                <a:ea typeface="HY그래픽M" panose="02030600000101010101" pitchFamily="18" charset="-127"/>
-              </a:rPr>
-              <a:t>바꿀때마다</a:t>
-            </a:r>
-            <a:r>
-              <a:rPr lang="ko-KR" altLang="en-US" b="1" dirty="0">
-                <a:solidFill>
-                  <a:schemeClr val="bg1"/>
-                </a:solidFill>
-                <a:latin typeface="HY그래픽M" panose="02030600000101010101" pitchFamily="18" charset="-127"/>
-                <a:ea typeface="HY그래픽M" panose="02030600000101010101" pitchFamily="18" charset="-127"/>
-              </a:rPr>
-              <a:t> </a:t>
+              <a:t>한번 상호작용 할 때마다 </a:t>
             </a:r>
             <a:r>
               <a:rPr lang="en-US" altLang="ko-KR" b="1" dirty="0">
@@ -4103,6 +4082,69 @@
                 <a:latin typeface="HY그래픽M" panose="02030600000101010101" pitchFamily="18" charset="-127"/>
                 <a:ea typeface="HY그래픽M" panose="02030600000101010101" pitchFamily="18" charset="-127"/>
               </a:rPr>
+              <a:t>한번 </a:t>
+            </a:r>
+            <a:r>
+              <a:rPr lang="en-US" altLang="ko-KR" b="1" dirty="0">
+                <a:solidFill>
+                  <a:schemeClr val="bg1"/>
+                </a:solidFill>
+                <a:latin typeface="HY그래픽M" panose="02030600000101010101" pitchFamily="18" charset="-127"/>
+                <a:ea typeface="HY그래픽M" panose="02030600000101010101" pitchFamily="18" charset="-127"/>
+              </a:rPr>
+              <a:t>On </a:t>
+            </a:r>
+            <a:r>
+              <a:rPr lang="ko-KR" altLang="en-US" b="1" dirty="0">
+                <a:solidFill>
+                  <a:schemeClr val="bg1"/>
+                </a:solidFill>
+                <a:latin typeface="HY그래픽M" panose="02030600000101010101" pitchFamily="18" charset="-127"/>
+                <a:ea typeface="HY그래픽M" panose="02030600000101010101" pitchFamily="18" charset="-127"/>
+              </a:rPr>
+              <a:t>상태로 바꾸면 영구히 </a:t>
+            </a:r>
+            <a:r>
+              <a:rPr lang="en-US" altLang="ko-KR" b="1" dirty="0">
+                <a:solidFill>
+                  <a:schemeClr val="bg1"/>
+                </a:solidFill>
+                <a:latin typeface="HY그래픽M" panose="02030600000101010101" pitchFamily="18" charset="-127"/>
+                <a:ea typeface="HY그래픽M" panose="02030600000101010101" pitchFamily="18" charset="-127"/>
+              </a:rPr>
+              <a:t>Off</a:t>
+            </a:r>
+            <a:r>
+              <a:rPr lang="ko-KR" altLang="en-US" b="1" dirty="0">
+                <a:solidFill>
+                  <a:schemeClr val="bg1"/>
+                </a:solidFill>
+                <a:latin typeface="HY그래픽M" panose="02030600000101010101" pitchFamily="18" charset="-127"/>
+                <a:ea typeface="HY그래픽M" panose="02030600000101010101" pitchFamily="18" charset="-127"/>
+              </a:rPr>
+              <a:t>로 바뀌어 돌아올 수 없는 형태</a:t>
+            </a:r>
+            <a:endParaRPr lang="en-US" altLang="ko-KR" b="1" dirty="0">
+              <a:solidFill>
+                <a:schemeClr val="bg1"/>
+              </a:solidFill>
+              <a:latin typeface="HY그래픽M" panose="02030600000101010101" pitchFamily="18" charset="-127"/>
+              <a:ea typeface="HY그래픽M" panose="02030600000101010101" pitchFamily="18" charset="-127"/>
+            </a:endParaRPr>
+          </a:p>
+          <a:p>
+            <a:pPr marL="342900" indent="-342900">
+              <a:buFont typeface="+mj-ea"/>
+              <a:buAutoNum type="circleNumDbPlain"/>
+            </a:pPr>
+            <a:r>
+              <a:rPr lang="ko-KR" altLang="en-US" b="1" dirty="0">
+                <a:solidFill>
+                  <a:schemeClr val="bg1"/>
+                </a:solidFill>
+                <a:latin typeface="HY그래픽M" panose="02030600000101010101" pitchFamily="18" charset="-127"/>
+                <a:ea typeface="HY그래픽M" panose="02030600000101010101" pitchFamily="18" charset="-127"/>
+              </a:rPr>
               <a:t>상태를 바꾸면 잠시의 딜레이 후에 초기값으로 되돌아오는 형태</a:t>
             </a:r>
             <a:r>
@@ -4141,7 +4183,7 @@
                 <a:latin typeface="HY그래픽M" panose="02030600000101010101" pitchFamily="18" charset="-127"/>
                 <a:ea typeface="HY그래픽M" panose="02030600000101010101" pitchFamily="18" charset="-127"/>
               </a:rPr>
-              <a:t>②의 형태에서는 상태를 한번 바꾸면 시간 딜레이를 통해서만 초기 상태로 되돌릴 수 없다</a:t>
+              <a:t>③의 형태에서는 상태를 한번 바꾸면 시간 딜레이를 통해서만 초기 상태로 되돌릴 수 없다</a:t>
             </a:r>
             <a:r>
               <a:rPr lang="en-US" altLang="ko-KR" sz="1400" i="1" dirty="0">
@@ -8053,1002 +8095,6 @@
 </p:sld>
 </file>
 
-<file path=ppt/slides/slide13.xml><?xml version="1.0" encoding="utf-8"?>
-<p:sld xmlns:a="http://schemas.openxmlformats.org/drawingml/2006/main" xmlns:r="http://schemas.openxmlformats.org/officeDocument/2006/relationships" xmlns:p="http://schemas.openxmlformats.org/presentationml/2006/main">
-  <p:cSld>
-    <p:spTree>
-      <p:nvGrpSpPr>
-        <p:cNvPr id="1" name=""/>
-        <p:cNvGrpSpPr/>
-        <p:nvPr/>
-      </p:nvGrpSpPr>
-      <p:grpSpPr>
-        <a:xfrm>
-          <a:off x="0" y="0"/>
-          <a:ext cx="0" cy="0"/>
-          <a:chOff x="0" y="0"/>
-          <a:chExt cx="0" cy="0"/>
-        </a:xfrm>
-      </p:grpSpPr>
-      <p:sp>
-        <p:nvSpPr>
-          <p:cNvPr id="7" name="직사각형 6">
-            <a:extLst>
-              <a:ext uri="{FF2B5EF4-FFF2-40B4-BE49-F238E27FC236}">
-                <a16:creationId xmlns:a16="http://schemas.microsoft.com/office/drawing/2014/main" id="{7366D434-5A07-4E1E-9DA9-0C56BF8239B1}"/>
-              </a:ext>
-            </a:extLst>
-          </p:cNvPr>
-          <p:cNvSpPr/>
-          <p:nvPr/>
-        </p:nvSpPr>
-        <p:spPr>
-          <a:xfrm>
-            <a:off x="8132804" y="33681"/>
-            <a:ext cx="1344535" cy="923330"/>
-          </a:xfrm>
-          <a:prstGeom prst="rect">
-            <a:avLst/>
-          </a:prstGeom>
-          <a:noFill/>
-        </p:spPr>
-        <p:txBody>
-          <a:bodyPr wrap="none" lIns="91440" tIns="45720" rIns="91440" bIns="45720">
-            <a:spAutoFit/>
-          </a:bodyPr>
-          <a:lstStyle/>
-          <a:p>
-            <a:pPr algn="ctr"/>
-            <a:r>
-              <a:rPr lang="en-US" altLang="ko-KR" sz="5400" b="1" dirty="0">
-                <a:ln w="0">
-                  <a:solidFill>
-                    <a:schemeClr val="bg1"/>
-                  </a:solidFill>
-                </a:ln>
-                <a:latin typeface="+mj-ea"/>
-                <a:ea typeface="+mj-ea"/>
-              </a:rPr>
-              <a:t>WA</a:t>
-            </a:r>
-          </a:p>
-        </p:txBody>
-      </p:sp>
-      <p:sp>
-        <p:nvSpPr>
-          <p:cNvPr id="8" name="사각형: 둥근 모서리 7">
-            <a:extLst>
-              <a:ext uri="{FF2B5EF4-FFF2-40B4-BE49-F238E27FC236}">
-                <a16:creationId xmlns:a16="http://schemas.microsoft.com/office/drawing/2014/main" id="{D328D2D3-F114-4D5B-B14D-D5B6D0DFED09}"/>
-              </a:ext>
-            </a:extLst>
-          </p:cNvPr>
-          <p:cNvSpPr/>
-          <p:nvPr/>
-        </p:nvSpPr>
-        <p:spPr>
-          <a:xfrm>
-            <a:off x="101601" y="993855"/>
-            <a:ext cx="17406942" cy="318170"/>
-          </a:xfrm>
-          <a:prstGeom prst="roundRect">
-            <a:avLst/>
-          </a:prstGeom>
-          <a:solidFill>
-            <a:schemeClr val="accent6">
-              <a:lumMod val="75000"/>
-            </a:schemeClr>
-          </a:solidFill>
-          <a:ln>
-            <a:noFill/>
-          </a:ln>
-        </p:spPr>
-        <p:style>
-          <a:lnRef idx="2">
-            <a:schemeClr val="accent1">
-              <a:shade val="50000"/>
-            </a:schemeClr>
-          </a:lnRef>
-          <a:fillRef idx="1">
-            <a:schemeClr val="accent1"/>
-          </a:fillRef>
-          <a:effectRef idx="0">
-            <a:schemeClr val="accent1"/>
-          </a:effectRef>
-          <a:fontRef idx="minor">
-            <a:schemeClr val="lt1"/>
-          </a:fontRef>
-        </p:style>
-        <p:txBody>
-          <a:bodyPr rtlCol="0" anchor="ctr"/>
-          <a:lstStyle/>
-          <a:p>
-            <a:pPr algn="ctr"/>
-            <a:r>
-              <a:rPr lang="en-US" altLang="ko-KR" b="1" dirty="0">
-                <a:latin typeface="메이플스토리" panose="02000300000000000000" pitchFamily="2" charset="-127"/>
-                <a:ea typeface="메이플스토리" panose="02000300000000000000" pitchFamily="2" charset="-127"/>
-              </a:rPr>
-              <a:t>Door</a:t>
-            </a:r>
-            <a:endParaRPr lang="ko-KR" altLang="en-US" b="1" dirty="0">
-              <a:latin typeface="메이플스토리" panose="02000300000000000000" pitchFamily="2" charset="-127"/>
-              <a:ea typeface="메이플스토리" panose="02000300000000000000" pitchFamily="2" charset="-127"/>
-            </a:endParaRPr>
-          </a:p>
-        </p:txBody>
-      </p:sp>
-      <p:sp>
-        <p:nvSpPr>
-          <p:cNvPr id="9" name="TextBox 8">
-            <a:extLst>
-              <a:ext uri="{FF2B5EF4-FFF2-40B4-BE49-F238E27FC236}">
-                <a16:creationId xmlns:a16="http://schemas.microsoft.com/office/drawing/2014/main" id="{56CEC43A-564E-428B-A33E-9803DBEE4FC9}"/>
-              </a:ext>
-            </a:extLst>
-          </p:cNvPr>
-          <p:cNvSpPr txBox="1"/>
-          <p:nvPr/>
-        </p:nvSpPr>
-        <p:spPr>
-          <a:xfrm>
-            <a:off x="101601" y="1445888"/>
-            <a:ext cx="11261343" cy="3139321"/>
-          </a:xfrm>
-          <a:prstGeom prst="rect">
-            <a:avLst/>
-          </a:prstGeom>
-          <a:solidFill>
-            <a:schemeClr val="bg1">
-              <a:alpha val="20000"/>
-            </a:schemeClr>
-          </a:solidFill>
-        </p:spPr>
-        <p:txBody>
-          <a:bodyPr wrap="square" rtlCol="0">
-            <a:spAutoFit/>
-          </a:bodyPr>
-          <a:lstStyle/>
-          <a:p>
-            <a:pPr marL="285705" indent="-285705">
-              <a:buFontTx/>
-              <a:buChar char="-"/>
-            </a:pPr>
-            <a:r>
-              <a:rPr lang="en-US" altLang="ko-KR" b="1" dirty="0">
-                <a:latin typeface="HY그래픽M" panose="02030600000101010101" pitchFamily="18" charset="-127"/>
-                <a:ea typeface="HY그래픽M" panose="02030600000101010101" pitchFamily="18" charset="-127"/>
-              </a:rPr>
-              <a:t>Door</a:t>
-            </a:r>
-            <a:r>
-              <a:rPr lang="ko-KR" altLang="en-US" b="1" dirty="0">
-                <a:latin typeface="HY그래픽M" panose="02030600000101010101" pitchFamily="18" charset="-127"/>
-                <a:ea typeface="HY그래픽M" panose="02030600000101010101" pitchFamily="18" charset="-127"/>
-              </a:rPr>
-              <a:t>는 열고 </a:t>
-            </a:r>
-            <a:r>
-              <a:rPr lang="ko-KR" altLang="en-US" b="1" dirty="0" err="1">
-                <a:latin typeface="HY그래픽M" panose="02030600000101010101" pitchFamily="18" charset="-127"/>
-                <a:ea typeface="HY그래픽M" panose="02030600000101010101" pitchFamily="18" charset="-127"/>
-              </a:rPr>
-              <a:t>닫을수</a:t>
-            </a:r>
-            <a:r>
-              <a:rPr lang="ko-KR" altLang="en-US" b="1" dirty="0">
-                <a:latin typeface="HY그래픽M" panose="02030600000101010101" pitchFamily="18" charset="-127"/>
-                <a:ea typeface="HY그래픽M" panose="02030600000101010101" pitchFamily="18" charset="-127"/>
-              </a:rPr>
-              <a:t> 있는 문이다</a:t>
-            </a:r>
-            <a:r>
-              <a:rPr lang="en-US" altLang="ko-KR" b="1" dirty="0">
-                <a:latin typeface="HY그래픽M" panose="02030600000101010101" pitchFamily="18" charset="-127"/>
-                <a:ea typeface="HY그래픽M" panose="02030600000101010101" pitchFamily="18" charset="-127"/>
-              </a:rPr>
-              <a:t>.</a:t>
-            </a:r>
-          </a:p>
-          <a:p>
-            <a:endParaRPr lang="en-US" altLang="ko-KR" b="1" dirty="0">
-              <a:latin typeface="HY그래픽M" panose="02030600000101010101" pitchFamily="18" charset="-127"/>
-              <a:ea typeface="HY그래픽M" panose="02030600000101010101" pitchFamily="18" charset="-127"/>
-            </a:endParaRPr>
-          </a:p>
-          <a:p>
-            <a:pPr marL="285705" indent="-285705">
-              <a:buFontTx/>
-              <a:buChar char="-"/>
-            </a:pPr>
-            <a:r>
-              <a:rPr lang="en-US" altLang="ko-KR" b="1" dirty="0">
-                <a:latin typeface="HY그래픽M" panose="02030600000101010101" pitchFamily="18" charset="-127"/>
-                <a:ea typeface="HY그래픽M" panose="02030600000101010101" pitchFamily="18" charset="-127"/>
-              </a:rPr>
-              <a:t>Door</a:t>
-            </a:r>
-            <a:r>
-              <a:rPr lang="ko-KR" altLang="en-US" b="1" dirty="0">
-                <a:latin typeface="HY그래픽M" panose="02030600000101010101" pitchFamily="18" charset="-127"/>
-                <a:ea typeface="HY그래픽M" panose="02030600000101010101" pitchFamily="18" charset="-127"/>
-              </a:rPr>
-              <a:t>는 </a:t>
-            </a:r>
-            <a:r>
-              <a:rPr lang="ko-KR" altLang="en-US" b="1" dirty="0">
-                <a:solidFill>
-                  <a:schemeClr val="accent4"/>
-                </a:solidFill>
-                <a:latin typeface="HY그래픽M" panose="02030600000101010101" pitchFamily="18" charset="-127"/>
-                <a:ea typeface="HY그래픽M" panose="02030600000101010101" pitchFamily="18" charset="-127"/>
-              </a:rPr>
-              <a:t>닫힘 상태일 때는 벽과 동일하게 작동</a:t>
-            </a:r>
-            <a:r>
-              <a:rPr lang="ko-KR" altLang="en-US" b="1" dirty="0">
-                <a:latin typeface="HY그래픽M" panose="02030600000101010101" pitchFamily="18" charset="-127"/>
-                <a:ea typeface="HY그래픽M" panose="02030600000101010101" pitchFamily="18" charset="-127"/>
-              </a:rPr>
-              <a:t>한다</a:t>
-            </a:r>
-            <a:r>
-              <a:rPr lang="en-US" altLang="ko-KR" b="1" dirty="0">
-                <a:latin typeface="HY그래픽M" panose="02030600000101010101" pitchFamily="18" charset="-127"/>
-                <a:ea typeface="HY그래픽M" panose="02030600000101010101" pitchFamily="18" charset="-127"/>
-              </a:rPr>
-              <a:t>.</a:t>
-            </a:r>
-          </a:p>
-          <a:p>
-            <a:endParaRPr lang="en-US" altLang="ko-KR" b="1" dirty="0">
-              <a:latin typeface="HY그래픽M" panose="02030600000101010101" pitchFamily="18" charset="-127"/>
-              <a:ea typeface="HY그래픽M" panose="02030600000101010101" pitchFamily="18" charset="-127"/>
-            </a:endParaRPr>
-          </a:p>
-          <a:p>
-            <a:pPr marL="285705" indent="-285705">
-              <a:buFontTx/>
-              <a:buChar char="-"/>
-            </a:pPr>
-            <a:r>
-              <a:rPr lang="en-US" altLang="ko-KR" b="1" dirty="0">
-                <a:latin typeface="HY그래픽M" panose="02030600000101010101" pitchFamily="18" charset="-127"/>
-                <a:ea typeface="HY그래픽M" panose="02030600000101010101" pitchFamily="18" charset="-127"/>
-              </a:rPr>
-              <a:t>Door</a:t>
-            </a:r>
-            <a:r>
-              <a:rPr lang="ko-KR" altLang="en-US" b="1" dirty="0">
-                <a:latin typeface="HY그래픽M" panose="02030600000101010101" pitchFamily="18" charset="-127"/>
-                <a:ea typeface="HY그래픽M" panose="02030600000101010101" pitchFamily="18" charset="-127"/>
-              </a:rPr>
-              <a:t>가 </a:t>
-            </a:r>
-            <a:r>
-              <a:rPr lang="ko-KR" altLang="en-US" b="1" dirty="0">
-                <a:solidFill>
-                  <a:schemeClr val="accent4"/>
-                </a:solidFill>
-                <a:latin typeface="HY그래픽M" panose="02030600000101010101" pitchFamily="18" charset="-127"/>
-                <a:ea typeface="HY그래픽M" panose="02030600000101010101" pitchFamily="18" charset="-127"/>
-              </a:rPr>
-              <a:t>열림 상태일 때는 아무것도 없는 것과 같이 작동</a:t>
-            </a:r>
-            <a:r>
-              <a:rPr lang="ko-KR" altLang="en-US" b="1" dirty="0">
-                <a:latin typeface="HY그래픽M" panose="02030600000101010101" pitchFamily="18" charset="-127"/>
-                <a:ea typeface="HY그래픽M" panose="02030600000101010101" pitchFamily="18" charset="-127"/>
-              </a:rPr>
-              <a:t>한다</a:t>
-            </a:r>
-            <a:r>
-              <a:rPr lang="en-US" altLang="ko-KR" b="1" dirty="0">
-                <a:latin typeface="HY그래픽M" panose="02030600000101010101" pitchFamily="18" charset="-127"/>
-                <a:ea typeface="HY그래픽M" panose="02030600000101010101" pitchFamily="18" charset="-127"/>
-              </a:rPr>
-              <a:t>.</a:t>
-            </a:r>
-          </a:p>
-          <a:p>
-            <a:pPr marL="285705" indent="-285705">
-              <a:buFontTx/>
-              <a:buChar char="-"/>
-            </a:pPr>
-            <a:endParaRPr lang="en-US" altLang="ko-KR" b="1" dirty="0">
-              <a:latin typeface="HY그래픽M" panose="02030600000101010101" pitchFamily="18" charset="-127"/>
-              <a:ea typeface="HY그래픽M" panose="02030600000101010101" pitchFamily="18" charset="-127"/>
-            </a:endParaRPr>
-          </a:p>
-          <a:p>
-            <a:pPr marL="285705" indent="-285705">
-              <a:buFontTx/>
-              <a:buChar char="-"/>
-            </a:pPr>
-            <a:r>
-              <a:rPr lang="ko-KR" altLang="en-US" b="1" dirty="0">
-                <a:latin typeface="HY그래픽M" panose="02030600000101010101" pitchFamily="18" charset="-127"/>
-                <a:ea typeface="HY그래픽M" panose="02030600000101010101" pitchFamily="18" charset="-127"/>
-              </a:rPr>
-              <a:t>연결된 </a:t>
-            </a:r>
-            <a:r>
-              <a:rPr lang="ko-KR" altLang="en-US" b="1" dirty="0">
-                <a:solidFill>
-                  <a:schemeClr val="accent4"/>
-                </a:solidFill>
-                <a:latin typeface="HY그래픽M" panose="02030600000101010101" pitchFamily="18" charset="-127"/>
-                <a:ea typeface="HY그래픽M" panose="02030600000101010101" pitchFamily="18" charset="-127"/>
-              </a:rPr>
-              <a:t>스위치의 </a:t>
-            </a:r>
-            <a:r>
-              <a:rPr lang="en-US" altLang="ko-KR" b="1" dirty="0">
-                <a:solidFill>
-                  <a:schemeClr val="accent4"/>
-                </a:solidFill>
-                <a:latin typeface="HY그래픽M" panose="02030600000101010101" pitchFamily="18" charset="-127"/>
-                <a:ea typeface="HY그래픽M" panose="02030600000101010101" pitchFamily="18" charset="-127"/>
-              </a:rPr>
-              <a:t>On/Off</a:t>
-            </a:r>
-            <a:r>
-              <a:rPr lang="ko-KR" altLang="en-US" b="1" dirty="0">
-                <a:solidFill>
-                  <a:schemeClr val="accent4"/>
-                </a:solidFill>
-                <a:latin typeface="HY그래픽M" panose="02030600000101010101" pitchFamily="18" charset="-127"/>
-                <a:ea typeface="HY그래픽M" panose="02030600000101010101" pitchFamily="18" charset="-127"/>
-              </a:rPr>
-              <a:t> 상태에 따라 열림</a:t>
-            </a:r>
-            <a:r>
-              <a:rPr lang="en-US" altLang="ko-KR" b="1" dirty="0">
-                <a:solidFill>
-                  <a:schemeClr val="accent4"/>
-                </a:solidFill>
-                <a:latin typeface="HY그래픽M" panose="02030600000101010101" pitchFamily="18" charset="-127"/>
-                <a:ea typeface="HY그래픽M" panose="02030600000101010101" pitchFamily="18" charset="-127"/>
-              </a:rPr>
-              <a:t>/</a:t>
-            </a:r>
-            <a:r>
-              <a:rPr lang="ko-KR" altLang="en-US" b="1" dirty="0">
-                <a:solidFill>
-                  <a:schemeClr val="accent4"/>
-                </a:solidFill>
-                <a:latin typeface="HY그래픽M" panose="02030600000101010101" pitchFamily="18" charset="-127"/>
-                <a:ea typeface="HY그래픽M" panose="02030600000101010101" pitchFamily="18" charset="-127"/>
-              </a:rPr>
-              <a:t>닫힘 상태여부가 결정</a:t>
-            </a:r>
-            <a:r>
-              <a:rPr lang="ko-KR" altLang="en-US" b="1" dirty="0">
-                <a:latin typeface="HY그래픽M" panose="02030600000101010101" pitchFamily="18" charset="-127"/>
-                <a:ea typeface="HY그래픽M" panose="02030600000101010101" pitchFamily="18" charset="-127"/>
-              </a:rPr>
-              <a:t>된다</a:t>
-            </a:r>
-            <a:r>
-              <a:rPr lang="en-US" altLang="ko-KR" b="1" dirty="0">
-                <a:latin typeface="HY그래픽M" panose="02030600000101010101" pitchFamily="18" charset="-127"/>
-                <a:ea typeface="HY그래픽M" panose="02030600000101010101" pitchFamily="18" charset="-127"/>
-              </a:rPr>
-              <a:t>.</a:t>
-            </a:r>
-          </a:p>
-          <a:p>
-            <a:pPr marL="285705" indent="-285705">
-              <a:buFontTx/>
-              <a:buChar char="-"/>
-            </a:pPr>
-            <a:endParaRPr lang="en-US" altLang="ko-KR" b="1" dirty="0">
-              <a:latin typeface="HY그래픽M" panose="02030600000101010101" pitchFamily="18" charset="-127"/>
-              <a:ea typeface="HY그래픽M" panose="02030600000101010101" pitchFamily="18" charset="-127"/>
-            </a:endParaRPr>
-          </a:p>
-          <a:p>
-            <a:pPr marL="285705" indent="-285705">
-              <a:buFontTx/>
-              <a:buChar char="-"/>
-            </a:pPr>
-            <a:r>
-              <a:rPr lang="ko-KR" altLang="en-US" b="1" dirty="0">
-                <a:latin typeface="HY그래픽M" panose="02030600000101010101" pitchFamily="18" charset="-127"/>
-                <a:ea typeface="HY그래픽M" panose="02030600000101010101" pitchFamily="18" charset="-127"/>
-              </a:rPr>
-              <a:t>열림 상태일 때 </a:t>
-            </a:r>
-            <a:r>
-              <a:rPr lang="en-US" altLang="ko-KR" b="1" dirty="0">
-                <a:solidFill>
-                  <a:schemeClr val="accent4"/>
-                </a:solidFill>
-                <a:latin typeface="HY그래픽M" panose="02030600000101010101" pitchFamily="18" charset="-127"/>
-                <a:ea typeface="HY그래픽M" panose="02030600000101010101" pitchFamily="18" charset="-127"/>
-              </a:rPr>
-              <a:t>Door</a:t>
-            </a:r>
-            <a:r>
-              <a:rPr lang="ko-KR" altLang="en-US" b="1" dirty="0">
-                <a:solidFill>
-                  <a:schemeClr val="accent4"/>
-                </a:solidFill>
-                <a:latin typeface="HY그래픽M" panose="02030600000101010101" pitchFamily="18" charset="-127"/>
-                <a:ea typeface="HY그래픽M" panose="02030600000101010101" pitchFamily="18" charset="-127"/>
-              </a:rPr>
-              <a:t>의 위치에 무언가 존재한다면 </a:t>
-            </a:r>
-            <a:r>
-              <a:rPr lang="en-US" altLang="ko-KR" b="1" dirty="0">
-                <a:solidFill>
-                  <a:schemeClr val="accent4"/>
-                </a:solidFill>
-                <a:latin typeface="HY그래픽M" panose="02030600000101010101" pitchFamily="18" charset="-127"/>
-                <a:ea typeface="HY그래픽M" panose="02030600000101010101" pitchFamily="18" charset="-127"/>
-              </a:rPr>
-              <a:t>Door</a:t>
-            </a:r>
-            <a:r>
-              <a:rPr lang="ko-KR" altLang="en-US" b="1" dirty="0">
-                <a:solidFill>
-                  <a:schemeClr val="accent4"/>
-                </a:solidFill>
-                <a:latin typeface="HY그래픽M" panose="02030600000101010101" pitchFamily="18" charset="-127"/>
-                <a:ea typeface="HY그래픽M" panose="02030600000101010101" pitchFamily="18" charset="-127"/>
-              </a:rPr>
-              <a:t>는 닫힘 상태로 변경이 불가능</a:t>
-            </a:r>
-            <a:r>
-              <a:rPr lang="ko-KR" altLang="en-US" b="1" dirty="0">
-                <a:latin typeface="HY그래픽M" panose="02030600000101010101" pitchFamily="18" charset="-127"/>
-                <a:ea typeface="HY그래픽M" panose="02030600000101010101" pitchFamily="18" charset="-127"/>
-              </a:rPr>
-              <a:t>하다</a:t>
-            </a:r>
-            <a:r>
-              <a:rPr lang="en-US" altLang="ko-KR" b="1" dirty="0">
-                <a:latin typeface="HY그래픽M" panose="02030600000101010101" pitchFamily="18" charset="-127"/>
-                <a:ea typeface="HY그래픽M" panose="02030600000101010101" pitchFamily="18" charset="-127"/>
-              </a:rPr>
-              <a:t>.</a:t>
-            </a:r>
-          </a:p>
-          <a:p>
-            <a:r>
-              <a:rPr lang="en-US" altLang="ko-KR" b="1" dirty="0">
-                <a:solidFill>
-                  <a:schemeClr val="bg1"/>
-                </a:solidFill>
-                <a:latin typeface="HY그래픽M" panose="02030600000101010101" pitchFamily="18" charset="-127"/>
-                <a:ea typeface="HY그래픽M" panose="02030600000101010101" pitchFamily="18" charset="-127"/>
-              </a:rPr>
-              <a:t>(</a:t>
-            </a:r>
-            <a:r>
-              <a:rPr lang="ko-KR" altLang="en-US" b="1" dirty="0">
-                <a:solidFill>
-                  <a:schemeClr val="bg1"/>
-                </a:solidFill>
-                <a:latin typeface="HY그래픽M" panose="02030600000101010101" pitchFamily="18" charset="-127"/>
-                <a:ea typeface="HY그래픽M" panose="02030600000101010101" pitchFamily="18" charset="-127"/>
-              </a:rPr>
-              <a:t>연결된 </a:t>
-            </a:r>
-            <a:r>
-              <a:rPr lang="en-US" altLang="ko-KR" b="1" dirty="0">
-                <a:solidFill>
-                  <a:schemeClr val="bg1"/>
-                </a:solidFill>
-                <a:latin typeface="HY그래픽M" panose="02030600000101010101" pitchFamily="18" charset="-127"/>
-                <a:ea typeface="HY그래픽M" panose="02030600000101010101" pitchFamily="18" charset="-127"/>
-              </a:rPr>
-              <a:t>Switch</a:t>
-            </a:r>
-            <a:r>
-              <a:rPr lang="ko-KR" altLang="en-US" b="1" dirty="0">
-                <a:solidFill>
-                  <a:schemeClr val="bg1"/>
-                </a:solidFill>
-                <a:latin typeface="HY그래픽M" panose="02030600000101010101" pitchFamily="18" charset="-127"/>
-                <a:ea typeface="HY그래픽M" panose="02030600000101010101" pitchFamily="18" charset="-127"/>
-              </a:rPr>
-              <a:t>의 </a:t>
-            </a:r>
-            <a:r>
-              <a:rPr lang="en-US" altLang="ko-KR" b="1" dirty="0">
-                <a:solidFill>
-                  <a:schemeClr val="bg1"/>
-                </a:solidFill>
-                <a:latin typeface="HY그래픽M" panose="02030600000101010101" pitchFamily="18" charset="-127"/>
-                <a:ea typeface="HY그래픽M" panose="02030600000101010101" pitchFamily="18" charset="-127"/>
-              </a:rPr>
-              <a:t>On/Off </a:t>
-            </a:r>
-            <a:r>
-              <a:rPr lang="ko-KR" altLang="en-US" b="1" dirty="0">
-                <a:solidFill>
-                  <a:schemeClr val="bg1"/>
-                </a:solidFill>
-                <a:latin typeface="HY그래픽M" panose="02030600000101010101" pitchFamily="18" charset="-127"/>
-                <a:ea typeface="HY그래픽M" panose="02030600000101010101" pitchFamily="18" charset="-127"/>
-              </a:rPr>
-              <a:t>여부는 바뀌지만</a:t>
-            </a:r>
-            <a:r>
-              <a:rPr lang="en-US" altLang="ko-KR" b="1" dirty="0">
-                <a:solidFill>
-                  <a:schemeClr val="bg1"/>
-                </a:solidFill>
-                <a:latin typeface="HY그래픽M" panose="02030600000101010101" pitchFamily="18" charset="-127"/>
-                <a:ea typeface="HY그래픽M" panose="02030600000101010101" pitchFamily="18" charset="-127"/>
-              </a:rPr>
-              <a:t>, Door</a:t>
-            </a:r>
-            <a:r>
-              <a:rPr lang="ko-KR" altLang="en-US" b="1" dirty="0">
-                <a:solidFill>
-                  <a:schemeClr val="bg1"/>
-                </a:solidFill>
-                <a:latin typeface="HY그래픽M" panose="02030600000101010101" pitchFamily="18" charset="-127"/>
-                <a:ea typeface="HY그래픽M" panose="02030600000101010101" pitchFamily="18" charset="-127"/>
-              </a:rPr>
-              <a:t>에 위에 있는 물체가 </a:t>
-            </a:r>
-            <a:r>
-              <a:rPr lang="ko-KR" altLang="en-US" b="1" dirty="0" err="1">
-                <a:solidFill>
-                  <a:schemeClr val="bg1"/>
-                </a:solidFill>
-                <a:latin typeface="HY그래픽M" panose="02030600000101010101" pitchFamily="18" charset="-127"/>
-                <a:ea typeface="HY그래픽M" panose="02030600000101010101" pitchFamily="18" charset="-127"/>
-              </a:rPr>
-              <a:t>사라질때</a:t>
-            </a:r>
-            <a:r>
-              <a:rPr lang="ko-KR" altLang="en-US" b="1" dirty="0">
-                <a:solidFill>
-                  <a:schemeClr val="bg1"/>
-                </a:solidFill>
-                <a:latin typeface="HY그래픽M" panose="02030600000101010101" pitchFamily="18" charset="-127"/>
-                <a:ea typeface="HY그래픽M" panose="02030600000101010101" pitchFamily="18" charset="-127"/>
-              </a:rPr>
-              <a:t> 까지 문이 닫히지 않는다</a:t>
-            </a:r>
-            <a:r>
-              <a:rPr lang="en-US" altLang="ko-KR" b="1" dirty="0">
-                <a:solidFill>
-                  <a:schemeClr val="bg1"/>
-                </a:solidFill>
-                <a:latin typeface="HY그래픽M" panose="02030600000101010101" pitchFamily="18" charset="-127"/>
-                <a:ea typeface="HY그래픽M" panose="02030600000101010101" pitchFamily="18" charset="-127"/>
-              </a:rPr>
-              <a:t>.)</a:t>
-            </a:r>
-          </a:p>
-          <a:p>
-            <a:pPr marL="285705" indent="-285705">
-              <a:buFontTx/>
-              <a:buChar char="-"/>
-            </a:pPr>
-            <a:endParaRPr lang="en-US" altLang="ko-KR" b="1" dirty="0">
-              <a:latin typeface="HY그래픽M" panose="02030600000101010101" pitchFamily="18" charset="-127"/>
-              <a:ea typeface="HY그래픽M" panose="02030600000101010101" pitchFamily="18" charset="-127"/>
-            </a:endParaRPr>
-          </a:p>
-        </p:txBody>
-      </p:sp>
-      <p:sp>
-        <p:nvSpPr>
-          <p:cNvPr id="10" name="직사각형 9">
-            <a:extLst>
-              <a:ext uri="{FF2B5EF4-FFF2-40B4-BE49-F238E27FC236}">
-                <a16:creationId xmlns:a16="http://schemas.microsoft.com/office/drawing/2014/main" id="{498CB6A8-C4C9-420C-A8E1-FB4DDF30226F}"/>
-              </a:ext>
-            </a:extLst>
-          </p:cNvPr>
-          <p:cNvSpPr/>
-          <p:nvPr/>
-        </p:nvSpPr>
-        <p:spPr>
-          <a:xfrm>
-            <a:off x="12489418" y="2514600"/>
-            <a:ext cx="1378982" cy="1854200"/>
-          </a:xfrm>
-          <a:prstGeom prst="rect">
-            <a:avLst/>
-          </a:prstGeom>
-          <a:solidFill>
-            <a:srgbClr val="00B0F0">
-              <a:alpha val="20000"/>
-            </a:srgbClr>
-          </a:solidFill>
-          <a:ln>
-            <a:noFill/>
-          </a:ln>
-        </p:spPr>
-        <p:style>
-          <a:lnRef idx="2">
-            <a:schemeClr val="accent1">
-              <a:shade val="50000"/>
-            </a:schemeClr>
-          </a:lnRef>
-          <a:fillRef idx="1">
-            <a:schemeClr val="accent1"/>
-          </a:fillRef>
-          <a:effectRef idx="0">
-            <a:schemeClr val="accent1"/>
-          </a:effectRef>
-          <a:fontRef idx="minor">
-            <a:schemeClr val="lt1"/>
-          </a:fontRef>
-        </p:style>
-        <p:txBody>
-          <a:bodyPr rtlCol="0" anchor="ctr"/>
-          <a:lstStyle/>
-          <a:p>
-            <a:pPr algn="ctr"/>
-            <a:endParaRPr lang="ko-KR" altLang="en-US"/>
-          </a:p>
-        </p:txBody>
-      </p:sp>
-      <p:sp>
-        <p:nvSpPr>
-          <p:cNvPr id="11" name="직사각형 10">
-            <a:extLst>
-              <a:ext uri="{FF2B5EF4-FFF2-40B4-BE49-F238E27FC236}">
-                <a16:creationId xmlns:a16="http://schemas.microsoft.com/office/drawing/2014/main" id="{00896B16-0113-46B0-8D37-E10B0637D89B}"/>
-              </a:ext>
-            </a:extLst>
-          </p:cNvPr>
-          <p:cNvSpPr/>
-          <p:nvPr/>
-        </p:nvSpPr>
-        <p:spPr>
-          <a:xfrm>
-            <a:off x="11785600" y="4368800"/>
-            <a:ext cx="5308600" cy="216409"/>
-          </a:xfrm>
-          <a:prstGeom prst="rect">
-            <a:avLst/>
-          </a:prstGeom>
-        </p:spPr>
-        <p:style>
-          <a:lnRef idx="2">
-            <a:schemeClr val="dk1">
-              <a:shade val="50000"/>
-            </a:schemeClr>
-          </a:lnRef>
-          <a:fillRef idx="1">
-            <a:schemeClr val="dk1"/>
-          </a:fillRef>
-          <a:effectRef idx="0">
-            <a:schemeClr val="dk1"/>
-          </a:effectRef>
-          <a:fontRef idx="minor">
-            <a:schemeClr val="lt1"/>
-          </a:fontRef>
-        </p:style>
-        <p:txBody>
-          <a:bodyPr rtlCol="0" anchor="ctr"/>
-          <a:lstStyle/>
-          <a:p>
-            <a:pPr algn="ctr"/>
-            <a:endParaRPr lang="ko-KR" altLang="en-US"/>
-          </a:p>
-        </p:txBody>
-      </p:sp>
-      <p:pic>
-        <p:nvPicPr>
-          <p:cNvPr id="12" name="Picture 2" descr="Human Icon #35220 - Free Icons Library">
-            <a:extLst>
-              <a:ext uri="{FF2B5EF4-FFF2-40B4-BE49-F238E27FC236}">
-                <a16:creationId xmlns:a16="http://schemas.microsoft.com/office/drawing/2014/main" id="{31FFC81A-3D5E-4D50-AFC5-50FDE00AD8A3}"/>
-              </a:ext>
-            </a:extLst>
-          </p:cNvPr>
-          <p:cNvPicPr>
-            <a:picLocks noChangeAspect="1" noChangeArrowheads="1"/>
-          </p:cNvPicPr>
-          <p:nvPr/>
-        </p:nvPicPr>
-        <p:blipFill>
-          <a:blip r:embed="rId2">
-            <a:extLst>
-              <a:ext uri="{BEBA8EAE-BF5A-486C-A8C5-ECC9F3942E4B}">
-                <a14:imgProps xmlns:a14="http://schemas.microsoft.com/office/drawing/2010/main">
-                  <a14:imgLayer r:embed="rId3">
-                    <a14:imgEffect>
-                      <a14:backgroundRemoval t="3994" b="98403" l="9585" r="89617">
-                        <a14:foregroundMark x1="24601" y1="4313" x2="27476" y2="18530"/>
-                        <a14:foregroundMark x1="50799" y1="9425" x2="50319" y2="15655"/>
-                        <a14:foregroundMark x1="40575" y1="80671" x2="40735" y2="90735"/>
-                        <a14:foregroundMark x1="40735" y1="90735" x2="42971" y2="93770"/>
-                        <a14:foregroundMark x1="42173" y1="97764" x2="42173" y2="98403"/>
-                      </a14:backgroundRemoval>
-                    </a14:imgEffect>
-                  </a14:imgLayer>
-                </a14:imgProps>
-              </a:ext>
-              <a:ext uri="{28A0092B-C50C-407E-A947-70E740481C1C}">
-                <a14:useLocalDpi xmlns:a14="http://schemas.microsoft.com/office/drawing/2010/main" val="0"/>
-              </a:ext>
-            </a:extLst>
-          </a:blip>
-          <a:srcRect/>
-          <a:stretch>
-            <a:fillRect/>
-          </a:stretch>
-        </p:blipFill>
-        <p:spPr bwMode="auto">
-          <a:xfrm>
-            <a:off x="13623274" y="2735548"/>
-            <a:ext cx="1633252" cy="1633252"/>
-          </a:xfrm>
-          <a:prstGeom prst="rect">
-            <a:avLst/>
-          </a:prstGeom>
-          <a:noFill/>
-          <a:extLst>
-            <a:ext uri="{909E8E84-426E-40DD-AFC4-6F175D3DCCD1}">
-              <a14:hiddenFill xmlns:a14="http://schemas.microsoft.com/office/drawing/2010/main">
-                <a:solidFill>
-                  <a:srgbClr val="FFFFFF"/>
-                </a:solidFill>
-              </a14:hiddenFill>
-            </a:ext>
-          </a:extLst>
-        </p:spPr>
-      </p:pic>
-      <p:sp>
-        <p:nvSpPr>
-          <p:cNvPr id="13" name="TextBox 12">
-            <a:extLst>
-              <a:ext uri="{FF2B5EF4-FFF2-40B4-BE49-F238E27FC236}">
-                <a16:creationId xmlns:a16="http://schemas.microsoft.com/office/drawing/2014/main" id="{F4664EDC-1886-49C8-8156-8AC22C13A8DD}"/>
-              </a:ext>
-            </a:extLst>
-          </p:cNvPr>
-          <p:cNvSpPr txBox="1"/>
-          <p:nvPr/>
-        </p:nvSpPr>
-        <p:spPr>
-          <a:xfrm>
-            <a:off x="12556609" y="4568990"/>
-            <a:ext cx="1244600" cy="369332"/>
-          </a:xfrm>
-          <a:prstGeom prst="rect">
-            <a:avLst/>
-          </a:prstGeom>
-          <a:noFill/>
-        </p:spPr>
-        <p:txBody>
-          <a:bodyPr wrap="square" rtlCol="0">
-            <a:spAutoFit/>
-          </a:bodyPr>
-          <a:lstStyle/>
-          <a:p>
-            <a:pPr algn="ctr"/>
-            <a:r>
-              <a:rPr lang="en-US" altLang="ko-KR" b="1" dirty="0"/>
-              <a:t>Close</a:t>
-            </a:r>
-            <a:endParaRPr lang="ko-KR" altLang="en-US" b="1" dirty="0"/>
-          </a:p>
-        </p:txBody>
-      </p:sp>
-      <p:sp>
-        <p:nvSpPr>
-          <p:cNvPr id="14" name="직사각형 13">
-            <a:extLst>
-              <a:ext uri="{FF2B5EF4-FFF2-40B4-BE49-F238E27FC236}">
-                <a16:creationId xmlns:a16="http://schemas.microsoft.com/office/drawing/2014/main" id="{F184A073-3F0C-4AA1-A97F-379ED2C2E7D8}"/>
-              </a:ext>
-            </a:extLst>
-          </p:cNvPr>
-          <p:cNvSpPr/>
-          <p:nvPr/>
-        </p:nvSpPr>
-        <p:spPr>
-          <a:xfrm>
-            <a:off x="12489418" y="7844119"/>
-            <a:ext cx="1378982" cy="1854200"/>
-          </a:xfrm>
-          <a:prstGeom prst="rect">
-            <a:avLst/>
-          </a:prstGeom>
-          <a:solidFill>
-            <a:srgbClr val="00B0F0">
-              <a:alpha val="20000"/>
-            </a:srgbClr>
-          </a:solidFill>
-          <a:ln>
-            <a:noFill/>
-          </a:ln>
-        </p:spPr>
-        <p:style>
-          <a:lnRef idx="2">
-            <a:schemeClr val="accent1">
-              <a:shade val="50000"/>
-            </a:schemeClr>
-          </a:lnRef>
-          <a:fillRef idx="1">
-            <a:schemeClr val="accent1"/>
-          </a:fillRef>
-          <a:effectRef idx="0">
-            <a:schemeClr val="accent1"/>
-          </a:effectRef>
-          <a:fontRef idx="minor">
-            <a:schemeClr val="lt1"/>
-          </a:fontRef>
-        </p:style>
-        <p:txBody>
-          <a:bodyPr rtlCol="0" anchor="ctr"/>
-          <a:lstStyle/>
-          <a:p>
-            <a:pPr algn="ctr"/>
-            <a:endParaRPr lang="ko-KR" altLang="en-US"/>
-          </a:p>
-        </p:txBody>
-      </p:sp>
-      <p:sp>
-        <p:nvSpPr>
-          <p:cNvPr id="15" name="직사각형 14">
-            <a:extLst>
-              <a:ext uri="{FF2B5EF4-FFF2-40B4-BE49-F238E27FC236}">
-                <a16:creationId xmlns:a16="http://schemas.microsoft.com/office/drawing/2014/main" id="{D6F5820F-6389-4B45-91B8-48E40C19049D}"/>
-              </a:ext>
-            </a:extLst>
-          </p:cNvPr>
-          <p:cNvSpPr/>
-          <p:nvPr/>
-        </p:nvSpPr>
-        <p:spPr>
-          <a:xfrm>
-            <a:off x="11785600" y="7735915"/>
-            <a:ext cx="5308600" cy="216409"/>
-          </a:xfrm>
-          <a:prstGeom prst="rect">
-            <a:avLst/>
-          </a:prstGeom>
-        </p:spPr>
-        <p:style>
-          <a:lnRef idx="2">
-            <a:schemeClr val="dk1">
-              <a:shade val="50000"/>
-            </a:schemeClr>
-          </a:lnRef>
-          <a:fillRef idx="1">
-            <a:schemeClr val="dk1"/>
-          </a:fillRef>
-          <a:effectRef idx="0">
-            <a:schemeClr val="dk1"/>
-          </a:effectRef>
-          <a:fontRef idx="minor">
-            <a:schemeClr val="lt1"/>
-          </a:fontRef>
-        </p:style>
-        <p:txBody>
-          <a:bodyPr rtlCol="0" anchor="ctr"/>
-          <a:lstStyle/>
-          <a:p>
-            <a:pPr algn="ctr"/>
-            <a:endParaRPr lang="ko-KR" altLang="en-US"/>
-          </a:p>
-        </p:txBody>
-      </p:sp>
-      <p:pic>
-        <p:nvPicPr>
-          <p:cNvPr id="16" name="Picture 2" descr="Human Icon #35220 - Free Icons Library">
-            <a:extLst>
-              <a:ext uri="{FF2B5EF4-FFF2-40B4-BE49-F238E27FC236}">
-                <a16:creationId xmlns:a16="http://schemas.microsoft.com/office/drawing/2014/main" id="{65861E13-E231-46E3-A854-E98609B89C26}"/>
-              </a:ext>
-            </a:extLst>
-          </p:cNvPr>
-          <p:cNvPicPr>
-            <a:picLocks noChangeAspect="1" noChangeArrowheads="1"/>
-          </p:cNvPicPr>
-          <p:nvPr/>
-        </p:nvPicPr>
-        <p:blipFill>
-          <a:blip r:embed="rId2">
-            <a:extLst>
-              <a:ext uri="{BEBA8EAE-BF5A-486C-A8C5-ECC9F3942E4B}">
-                <a14:imgProps xmlns:a14="http://schemas.microsoft.com/office/drawing/2010/main">
-                  <a14:imgLayer r:embed="rId3">
-                    <a14:imgEffect>
-                      <a14:backgroundRemoval t="3994" b="98403" l="9585" r="89617">
-                        <a14:foregroundMark x1="24601" y1="4313" x2="27476" y2="18530"/>
-                        <a14:foregroundMark x1="50799" y1="9425" x2="50319" y2="15655"/>
-                        <a14:foregroundMark x1="40575" y1="80671" x2="40735" y2="90735"/>
-                        <a14:foregroundMark x1="40735" y1="90735" x2="42971" y2="93770"/>
-                        <a14:foregroundMark x1="42173" y1="97764" x2="42173" y2="98403"/>
-                      </a14:backgroundRemoval>
-                    </a14:imgEffect>
-                  </a14:imgLayer>
-                </a14:imgProps>
-              </a:ext>
-              <a:ext uri="{28A0092B-C50C-407E-A947-70E740481C1C}">
-                <a14:useLocalDpi xmlns:a14="http://schemas.microsoft.com/office/drawing/2010/main" val="0"/>
-              </a:ext>
-            </a:extLst>
-          </a:blip>
-          <a:srcRect/>
-          <a:stretch>
-            <a:fillRect/>
-          </a:stretch>
-        </p:blipFill>
-        <p:spPr bwMode="auto">
-          <a:xfrm>
-            <a:off x="13623274" y="6102663"/>
-            <a:ext cx="1633252" cy="1633252"/>
-          </a:xfrm>
-          <a:prstGeom prst="rect">
-            <a:avLst/>
-          </a:prstGeom>
-          <a:noFill/>
-          <a:extLst>
-            <a:ext uri="{909E8E84-426E-40DD-AFC4-6F175D3DCCD1}">
-              <a14:hiddenFill xmlns:a14="http://schemas.microsoft.com/office/drawing/2010/main">
-                <a:solidFill>
-                  <a:srgbClr val="FFFFFF"/>
-                </a:solidFill>
-              </a14:hiddenFill>
-            </a:ext>
-          </a:extLst>
-        </p:spPr>
-      </p:pic>
-      <p:sp>
-        <p:nvSpPr>
-          <p:cNvPr id="17" name="TextBox 16">
-            <a:extLst>
-              <a:ext uri="{FF2B5EF4-FFF2-40B4-BE49-F238E27FC236}">
-                <a16:creationId xmlns:a16="http://schemas.microsoft.com/office/drawing/2014/main" id="{C2046881-1AE3-4AE1-804D-BD850B7C7413}"/>
-              </a:ext>
-            </a:extLst>
-          </p:cNvPr>
-          <p:cNvSpPr txBox="1"/>
-          <p:nvPr/>
-        </p:nvSpPr>
-        <p:spPr>
-          <a:xfrm>
-            <a:off x="12556609" y="7904362"/>
-            <a:ext cx="1244600" cy="369332"/>
-          </a:xfrm>
-          <a:prstGeom prst="rect">
-            <a:avLst/>
-          </a:prstGeom>
-          <a:noFill/>
-        </p:spPr>
-        <p:txBody>
-          <a:bodyPr wrap="square" rtlCol="0">
-            <a:spAutoFit/>
-          </a:bodyPr>
-          <a:lstStyle/>
-          <a:p>
-            <a:pPr algn="ctr"/>
-            <a:r>
-              <a:rPr lang="en-US" altLang="ko-KR" b="1" dirty="0"/>
-              <a:t>open</a:t>
-            </a:r>
-            <a:endParaRPr lang="ko-KR" altLang="en-US" b="1" dirty="0"/>
-          </a:p>
-        </p:txBody>
-      </p:sp>
-    </p:spTree>
-    <p:extLst>
-      <p:ext uri="{BB962C8B-B14F-4D97-AF65-F5344CB8AC3E}">
-        <p14:creationId xmlns:p14="http://schemas.microsoft.com/office/powerpoint/2010/main" val="1796417512"/>
-      </p:ext>
-    </p:extLst>
-  </p:cSld>
-  <p:clrMapOvr>
-    <a:masterClrMapping/>
-  </p:clrMapOvr>
-</p:sld>
-</file>
-
 <file path=ppt/slides/slide2.xml><?xml version="1.0" encoding="utf-8"?>
 <p:sld xmlns:a="http://schemas.openxmlformats.org/drawingml/2006/main" xmlns:r="http://schemas.openxmlformats.org/officeDocument/2006/relationships" xmlns:p="http://schemas.openxmlformats.org/presentationml/2006/main">
   <p:cSld>
@@ -10221,10 +9267,10 @@
       </p:sp>
       <p:pic>
         <p:nvPicPr>
-          <p:cNvPr id="8" name="그림 7">
+          <p:cNvPr id="3" name="그림 2">
             <a:extLst>
               <a:ext uri="{FF2B5EF4-FFF2-40B4-BE49-F238E27FC236}">
-                <a16:creationId xmlns:a16="http://schemas.microsoft.com/office/drawing/2014/main" id="{A18681FF-4069-4783-80A1-FA101556B0FE}"/>
+                <a16:creationId xmlns:a16="http://schemas.microsoft.com/office/drawing/2014/main" id="{97015DC7-BC96-4333-B3C1-2B72196B9AC6}"/>
               </a:ext>
             </a:extLst>
           </p:cNvPr>
@@ -10247,8 +9293,8 @@
         </p:blipFill>
         <p:spPr>
           <a:xfrm>
-            <a:off x="2184797" y="1503362"/>
-            <a:ext cx="13240544" cy="7976719"/>
+            <a:off x="1974231" y="1510479"/>
+            <a:ext cx="13661676" cy="8230428"/>
           </a:xfrm>
           <a:prstGeom prst="rect">
             <a:avLst/>
@@ -12960,7 +12006,7 @@
         <p:spPr>
           <a:xfrm>
             <a:off x="101601" y="1445888"/>
-            <a:ext cx="11261343" cy="3354765"/>
+            <a:ext cx="11261343" cy="3631763"/>
           </a:xfrm>
           <a:prstGeom prst="rect">
             <a:avLst/>
@@ -13154,7 +12200,7 @@
                 <a:latin typeface="HY그래픽M" panose="02030600000101010101" pitchFamily="18" charset="-127"/>
                 <a:ea typeface="HY그래픽M" panose="02030600000101010101" pitchFamily="18" charset="-127"/>
               </a:rPr>
-              <a:t> 따라 두가지 형태</a:t>
+              <a:t> 따라 세가지 형태</a:t>
             </a:r>
             <a:r>
               <a:rPr lang="ko-KR" altLang="en-US" b="1" dirty="0">
@@ -13184,27 +12230,7 @@
                 <a:latin typeface="HY그래픽M" panose="02030600000101010101" pitchFamily="18" charset="-127"/>
                 <a:ea typeface="HY그래픽M" panose="02030600000101010101" pitchFamily="18" charset="-127"/>
               </a:rPr>
-              <a:t>한번 </a:t>
-            </a:r>
-            <a:r>
-              <a:rPr lang="ko-KR" altLang="en-US" b="1" dirty="0" err="1">
-                <a:solidFill>
-                  <a:schemeClr val="bg1"/>
-                </a:solidFill>
-                <a:latin typeface="HY그래픽M" panose="02030600000101010101" pitchFamily="18" charset="-127"/>
-                <a:ea typeface="HY그래픽M" panose="02030600000101010101" pitchFamily="18" charset="-127"/>
-              </a:rPr>
-              <a:t>바꿀때마다</a:t>
-            </a:r>
-            <a:r>
-              <a:rPr lang="ko-KR" altLang="en-US" b="1" dirty="0">
-                <a:solidFill>
-                  <a:schemeClr val="bg1"/>
-                </a:solidFill>
-                <a:latin typeface="HY그래픽M" panose="02030600000101010101" pitchFamily="18" charset="-127"/>
-                <a:ea typeface="HY그래픽M" panose="02030600000101010101" pitchFamily="18" charset="-127"/>
-              </a:rPr>
-              <a:t> </a:t>
+              <a:t>한번 상호작용 할 때마다 </a:t>
             </a:r>
             <a:r>
               <a:rPr lang="en-US" altLang="ko-KR" b="1" dirty="0">
@@ -13247,6 +12273,69 @@
                 <a:latin typeface="HY그래픽M" panose="02030600000101010101" pitchFamily="18" charset="-127"/>
                 <a:ea typeface="HY그래픽M" panose="02030600000101010101" pitchFamily="18" charset="-127"/>
               </a:rPr>
+              <a:t>한번 </a:t>
+            </a:r>
+            <a:r>
+              <a:rPr lang="en-US" altLang="ko-KR" b="1" dirty="0">
+                <a:solidFill>
+                  <a:schemeClr val="bg1"/>
+                </a:solidFill>
+                <a:latin typeface="HY그래픽M" panose="02030600000101010101" pitchFamily="18" charset="-127"/>
+                <a:ea typeface="HY그래픽M" panose="02030600000101010101" pitchFamily="18" charset="-127"/>
+              </a:rPr>
+              <a:t>On </a:t>
+            </a:r>
+            <a:r>
+              <a:rPr lang="ko-KR" altLang="en-US" b="1" dirty="0">
+                <a:solidFill>
+                  <a:schemeClr val="bg1"/>
+                </a:solidFill>
+                <a:latin typeface="HY그래픽M" panose="02030600000101010101" pitchFamily="18" charset="-127"/>
+                <a:ea typeface="HY그래픽M" panose="02030600000101010101" pitchFamily="18" charset="-127"/>
+              </a:rPr>
+              <a:t>상태로 바꾸면 영구히 </a:t>
+            </a:r>
+            <a:r>
+              <a:rPr lang="en-US" altLang="ko-KR" b="1" dirty="0">
+                <a:solidFill>
+                  <a:schemeClr val="bg1"/>
+                </a:solidFill>
+                <a:latin typeface="HY그래픽M" panose="02030600000101010101" pitchFamily="18" charset="-127"/>
+                <a:ea typeface="HY그래픽M" panose="02030600000101010101" pitchFamily="18" charset="-127"/>
+              </a:rPr>
+              <a:t>Off</a:t>
+            </a:r>
+            <a:r>
+              <a:rPr lang="ko-KR" altLang="en-US" b="1" dirty="0">
+                <a:solidFill>
+                  <a:schemeClr val="bg1"/>
+                </a:solidFill>
+                <a:latin typeface="HY그래픽M" panose="02030600000101010101" pitchFamily="18" charset="-127"/>
+                <a:ea typeface="HY그래픽M" panose="02030600000101010101" pitchFamily="18" charset="-127"/>
+              </a:rPr>
+              <a:t>로 바뀌어 돌아올 수 없는 형태</a:t>
+            </a:r>
+            <a:endParaRPr lang="en-US" altLang="ko-KR" b="1" dirty="0">
+              <a:solidFill>
+                <a:schemeClr val="bg1"/>
+              </a:solidFill>
+              <a:latin typeface="HY그래픽M" panose="02030600000101010101" pitchFamily="18" charset="-127"/>
+              <a:ea typeface="HY그래픽M" panose="02030600000101010101" pitchFamily="18" charset="-127"/>
+            </a:endParaRPr>
+          </a:p>
+          <a:p>
+            <a:pPr marL="342900" indent="-342900">
+              <a:buFont typeface="+mj-ea"/>
+              <a:buAutoNum type="circleNumDbPlain"/>
+            </a:pPr>
+            <a:r>
+              <a:rPr lang="ko-KR" altLang="en-US" b="1" dirty="0">
+                <a:solidFill>
+                  <a:schemeClr val="bg1"/>
+                </a:solidFill>
+                <a:latin typeface="HY그래픽M" panose="02030600000101010101" pitchFamily="18" charset="-127"/>
+                <a:ea typeface="HY그래픽M" panose="02030600000101010101" pitchFamily="18" charset="-127"/>
+              </a:rPr>
               <a:t>상태를 바꾸면 잠시의 딜레이 후에 초기값으로 되돌아오는 형태</a:t>
             </a:r>
             <a:r>
@@ -13285,7 +12374,7 @@
                 <a:latin typeface="HY그래픽M" panose="02030600000101010101" pitchFamily="18" charset="-127"/>
                 <a:ea typeface="HY그래픽M" panose="02030600000101010101" pitchFamily="18" charset="-127"/>
               </a:rPr>
-              <a:t>②의 형태에서는 상태를 한번 바꾸면 시간 딜레이를 통해서만 초기 상태로 되돌릴 수 없다</a:t>
+              <a:t>③의 형태에서는 상태를 한번 바꾸면 시간 딜레이를 통해서만 초기 상태로 되돌릴 수 없다</a:t>
             </a:r>
             <a:r>
               <a:rPr lang="en-US" altLang="ko-KR" sz="1400" i="1" dirty="0">

--- a/기획서/신버전/퍼즐 기획.pptx
+++ b/기획서/신버전/퍼즐 기획.pptx
@@ -5,10 +5,10 @@
     <p:sldMasterId id="2147483684" r:id="rId1"/>
   </p:sldMasterIdLst>
   <p:notesMasterIdLst>
-    <p:notesMasterId r:id="rId14"/>
+    <p:notesMasterId r:id="rId15"/>
   </p:notesMasterIdLst>
   <p:handoutMasterIdLst>
-    <p:handoutMasterId r:id="rId15"/>
+    <p:handoutMasterId r:id="rId16"/>
   </p:handoutMasterIdLst>
   <p:sldIdLst>
     <p:sldId id="256" r:id="rId2"/>
@@ -17,12 +17,13 @@
     <p:sldId id="259" r:id="rId5"/>
     <p:sldId id="260" r:id="rId6"/>
     <p:sldId id="261" r:id="rId7"/>
-    <p:sldId id="263" r:id="rId8"/>
-    <p:sldId id="264" r:id="rId9"/>
-    <p:sldId id="268" r:id="rId10"/>
-    <p:sldId id="265" r:id="rId11"/>
-    <p:sldId id="266" r:id="rId12"/>
-    <p:sldId id="269" r:id="rId13"/>
+    <p:sldId id="270" r:id="rId8"/>
+    <p:sldId id="263" r:id="rId9"/>
+    <p:sldId id="264" r:id="rId10"/>
+    <p:sldId id="268" r:id="rId11"/>
+    <p:sldId id="265" r:id="rId12"/>
+    <p:sldId id="266" r:id="rId13"/>
+    <p:sldId id="269" r:id="rId14"/>
   </p:sldIdLst>
   <p:sldSz cx="17610138" cy="9906000"/>
   <p:notesSz cx="6858000" cy="9144000"/>
@@ -223,7 +224,7 @@
           <a:p>
             <a:fld id="{D686C50E-113A-4B4A-8A5C-9EE1E9DBA064}" type="datetimeFigureOut">
               <a:rPr lang="ko-KR" altLang="en-US" smtClean="0"/>
-              <a:t>2021-05-13</a:t>
+              <a:t>2021-05-14</a:t>
             </a:fld>
             <a:endParaRPr lang="ko-KR" altLang="en-US" dirty="0"/>
           </a:p>
@@ -400,7 +401,7 @@
           <a:p>
             <a:fld id="{40EC3B2E-CA71-40FC-A78E-FA212ABD0BB7}" type="datetimeFigureOut">
               <a:rPr lang="ko-KR" altLang="en-US" smtClean="0"/>
-              <a:t>2021-05-13</a:t>
+              <a:t>2021-05-14</a:t>
             </a:fld>
             <a:endParaRPr lang="ko-KR" altLang="en-US" dirty="0"/>
           </a:p>
@@ -798,7 +799,7 @@
           <a:p>
             <a:fld id="{F8CAAD71-D53C-4447-AAA3-BC9075A67E69}" type="datetimeFigureOut">
               <a:rPr lang="ko-KR" altLang="en-US" smtClean="0"/>
-              <a:t>2021-05-13</a:t>
+              <a:t>2021-05-14</a:t>
             </a:fld>
             <a:endParaRPr lang="ko-KR" altLang="en-US" dirty="0"/>
           </a:p>
@@ -968,7 +969,7 @@
           <a:p>
             <a:fld id="{F8CAAD71-D53C-4447-AAA3-BC9075A67E69}" type="datetimeFigureOut">
               <a:rPr lang="ko-KR" altLang="en-US" smtClean="0"/>
-              <a:t>2021-05-13</a:t>
+              <a:t>2021-05-14</a:t>
             </a:fld>
             <a:endParaRPr lang="ko-KR" altLang="en-US" dirty="0"/>
           </a:p>
@@ -1148,7 +1149,7 @@
           <a:p>
             <a:fld id="{F8CAAD71-D53C-4447-AAA3-BC9075A67E69}" type="datetimeFigureOut">
               <a:rPr lang="ko-KR" altLang="en-US" smtClean="0"/>
-              <a:t>2021-05-13</a:t>
+              <a:t>2021-05-14</a:t>
             </a:fld>
             <a:endParaRPr lang="ko-KR" altLang="en-US" dirty="0"/>
           </a:p>
@@ -1318,7 +1319,7 @@
           <a:p>
             <a:fld id="{F8CAAD71-D53C-4447-AAA3-BC9075A67E69}" type="datetimeFigureOut">
               <a:rPr lang="ko-KR" altLang="en-US" smtClean="0"/>
-              <a:t>2021-05-13</a:t>
+              <a:t>2021-05-14</a:t>
             </a:fld>
             <a:endParaRPr lang="ko-KR" altLang="en-US" dirty="0"/>
           </a:p>
@@ -1564,7 +1565,7 @@
           <a:p>
             <a:fld id="{F8CAAD71-D53C-4447-AAA3-BC9075A67E69}" type="datetimeFigureOut">
               <a:rPr lang="ko-KR" altLang="en-US" smtClean="0"/>
-              <a:t>2021-05-13</a:t>
+              <a:t>2021-05-14</a:t>
             </a:fld>
             <a:endParaRPr lang="ko-KR" altLang="en-US" dirty="0"/>
           </a:p>
@@ -1796,7 +1797,7 @@
           <a:p>
             <a:fld id="{F8CAAD71-D53C-4447-AAA3-BC9075A67E69}" type="datetimeFigureOut">
               <a:rPr lang="ko-KR" altLang="en-US" smtClean="0"/>
-              <a:t>2021-05-13</a:t>
+              <a:t>2021-05-14</a:t>
             </a:fld>
             <a:endParaRPr lang="ko-KR" altLang="en-US" dirty="0"/>
           </a:p>
@@ -2163,7 +2164,7 @@
           <a:p>
             <a:fld id="{F8CAAD71-D53C-4447-AAA3-BC9075A67E69}" type="datetimeFigureOut">
               <a:rPr lang="ko-KR" altLang="en-US" smtClean="0"/>
-              <a:t>2021-05-13</a:t>
+              <a:t>2021-05-14</a:t>
             </a:fld>
             <a:endParaRPr lang="ko-KR" altLang="en-US" dirty="0"/>
           </a:p>
@@ -2281,7 +2282,7 @@
           <a:p>
             <a:fld id="{F8CAAD71-D53C-4447-AAA3-BC9075A67E69}" type="datetimeFigureOut">
               <a:rPr lang="ko-KR" altLang="en-US" smtClean="0"/>
-              <a:t>2021-05-13</a:t>
+              <a:t>2021-05-14</a:t>
             </a:fld>
             <a:endParaRPr lang="ko-KR" altLang="en-US" dirty="0"/>
           </a:p>
@@ -2376,7 +2377,7 @@
           <a:p>
             <a:fld id="{F8CAAD71-D53C-4447-AAA3-BC9075A67E69}" type="datetimeFigureOut">
               <a:rPr lang="ko-KR" altLang="en-US" smtClean="0"/>
-              <a:t>2021-05-13</a:t>
+              <a:t>2021-05-14</a:t>
             </a:fld>
             <a:endParaRPr lang="ko-KR" altLang="en-US" dirty="0"/>
           </a:p>
@@ -2653,7 +2654,7 @@
           <a:p>
             <a:fld id="{F8CAAD71-D53C-4447-AAA3-BC9075A67E69}" type="datetimeFigureOut">
               <a:rPr lang="ko-KR" altLang="en-US" smtClean="0"/>
-              <a:t>2021-05-13</a:t>
+              <a:t>2021-05-14</a:t>
             </a:fld>
             <a:endParaRPr lang="ko-KR" altLang="en-US" dirty="0"/>
           </a:p>
@@ -2910,7 +2911,7 @@
           <a:p>
             <a:fld id="{F8CAAD71-D53C-4447-AAA3-BC9075A67E69}" type="datetimeFigureOut">
               <a:rPr lang="ko-KR" altLang="en-US" smtClean="0"/>
-              <a:t>2021-05-13</a:t>
+              <a:t>2021-05-14</a:t>
             </a:fld>
             <a:endParaRPr lang="ko-KR" altLang="en-US" dirty="0"/>
           </a:p>
@@ -3128,7 +3129,7 @@
           <a:p>
             <a:fld id="{F8CAAD71-D53C-4447-AAA3-BC9075A67E69}" type="datetimeFigureOut">
               <a:rPr lang="ko-KR" altLang="en-US" smtClean="0"/>
-              <a:t>2021-05-13</a:t>
+              <a:t>2021-05-14</a:t>
             </a:fld>
             <a:endParaRPr lang="ko-KR" altLang="en-US" dirty="0"/>
           </a:p>
@@ -3655,6 +3656,934 @@
 </file>
 
 <file path=ppt/slides/slide10.xml><?xml version="1.0" encoding="utf-8"?>
+<p:sld xmlns:a="http://schemas.openxmlformats.org/drawingml/2006/main" xmlns:r="http://schemas.openxmlformats.org/officeDocument/2006/relationships" xmlns:p="http://schemas.openxmlformats.org/presentationml/2006/main">
+  <p:cSld>
+    <p:spTree>
+      <p:nvGrpSpPr>
+        <p:cNvPr id="1" name=""/>
+        <p:cNvGrpSpPr/>
+        <p:nvPr/>
+      </p:nvGrpSpPr>
+      <p:grpSpPr>
+        <a:xfrm>
+          <a:off x="0" y="0"/>
+          <a:ext cx="0" cy="0"/>
+          <a:chOff x="0" y="0"/>
+          <a:chExt cx="0" cy="0"/>
+        </a:xfrm>
+      </p:grpSpPr>
+      <p:sp>
+        <p:nvSpPr>
+          <p:cNvPr id="19" name="직사각형 18">
+            <a:extLst>
+              <a:ext uri="{FF2B5EF4-FFF2-40B4-BE49-F238E27FC236}">
+                <a16:creationId xmlns:a16="http://schemas.microsoft.com/office/drawing/2014/main" id="{702BA729-E4E5-4FD4-8D88-2B889F51A9E4}"/>
+              </a:ext>
+            </a:extLst>
+          </p:cNvPr>
+          <p:cNvSpPr/>
+          <p:nvPr/>
+        </p:nvSpPr>
+        <p:spPr>
+          <a:xfrm>
+            <a:off x="11891094" y="4712208"/>
+            <a:ext cx="5380906" cy="2031325"/>
+          </a:xfrm>
+          <a:prstGeom prst="rect">
+            <a:avLst/>
+          </a:prstGeom>
+          <a:solidFill>
+            <a:schemeClr val="bg1">
+              <a:alpha val="20000"/>
+            </a:schemeClr>
+          </a:solidFill>
+          <a:ln>
+            <a:solidFill>
+              <a:schemeClr val="bg1"/>
+            </a:solidFill>
+          </a:ln>
+        </p:spPr>
+        <p:style>
+          <a:lnRef idx="2">
+            <a:schemeClr val="accent1">
+              <a:shade val="50000"/>
+            </a:schemeClr>
+          </a:lnRef>
+          <a:fillRef idx="1">
+            <a:schemeClr val="accent1"/>
+          </a:fillRef>
+          <a:effectRef idx="0">
+            <a:schemeClr val="accent1"/>
+          </a:effectRef>
+          <a:fontRef idx="minor">
+            <a:schemeClr val="lt1"/>
+          </a:fontRef>
+        </p:style>
+        <p:txBody>
+          <a:bodyPr rtlCol="0" anchor="ctr"/>
+          <a:lstStyle/>
+          <a:p>
+            <a:pPr algn="ctr"/>
+            <a:endParaRPr lang="ko-KR" altLang="en-US" dirty="0"/>
+          </a:p>
+        </p:txBody>
+      </p:sp>
+      <p:sp>
+        <p:nvSpPr>
+          <p:cNvPr id="10" name="타원 9">
+            <a:extLst>
+              <a:ext uri="{FF2B5EF4-FFF2-40B4-BE49-F238E27FC236}">
+                <a16:creationId xmlns:a16="http://schemas.microsoft.com/office/drawing/2014/main" id="{3FF77EA4-8DF7-49FC-94B9-21EBB585F3EA}"/>
+              </a:ext>
+            </a:extLst>
+          </p:cNvPr>
+          <p:cNvSpPr/>
+          <p:nvPr/>
+        </p:nvSpPr>
+        <p:spPr>
+          <a:xfrm>
+            <a:off x="14972889" y="5184960"/>
+            <a:ext cx="1085819" cy="1085819"/>
+          </a:xfrm>
+          <a:prstGeom prst="ellipse">
+            <a:avLst/>
+          </a:prstGeom>
+        </p:spPr>
+        <p:style>
+          <a:lnRef idx="2">
+            <a:schemeClr val="accent1">
+              <a:shade val="50000"/>
+            </a:schemeClr>
+          </a:lnRef>
+          <a:fillRef idx="1">
+            <a:schemeClr val="accent1"/>
+          </a:fillRef>
+          <a:effectRef idx="0">
+            <a:schemeClr val="accent1"/>
+          </a:effectRef>
+          <a:fontRef idx="minor">
+            <a:schemeClr val="lt1"/>
+          </a:fontRef>
+        </p:style>
+        <p:txBody>
+          <a:bodyPr rtlCol="0" anchor="ctr"/>
+          <a:lstStyle/>
+          <a:p>
+            <a:pPr algn="ctr"/>
+            <a:r>
+              <a:rPr lang="en-US" altLang="ko-KR" sz="6600" dirty="0"/>
+              <a:t>?</a:t>
+            </a:r>
+            <a:endParaRPr lang="ko-KR" altLang="en-US" sz="6600" dirty="0"/>
+          </a:p>
+        </p:txBody>
+      </p:sp>
+      <p:sp>
+        <p:nvSpPr>
+          <p:cNvPr id="5" name="직사각형 4">
+            <a:extLst>
+              <a:ext uri="{FF2B5EF4-FFF2-40B4-BE49-F238E27FC236}">
+                <a16:creationId xmlns:a16="http://schemas.microsoft.com/office/drawing/2014/main" id="{ACA1BCF9-EB9B-41B6-8BDA-80EA546D98CD}"/>
+              </a:ext>
+            </a:extLst>
+          </p:cNvPr>
+          <p:cNvSpPr/>
+          <p:nvPr/>
+        </p:nvSpPr>
+        <p:spPr>
+          <a:xfrm>
+            <a:off x="8132804" y="33681"/>
+            <a:ext cx="1344535" cy="923330"/>
+          </a:xfrm>
+          <a:prstGeom prst="rect">
+            <a:avLst/>
+          </a:prstGeom>
+          <a:noFill/>
+        </p:spPr>
+        <p:txBody>
+          <a:bodyPr wrap="none" lIns="91440" tIns="45720" rIns="91440" bIns="45720">
+            <a:spAutoFit/>
+          </a:bodyPr>
+          <a:lstStyle/>
+          <a:p>
+            <a:pPr algn="ctr"/>
+            <a:r>
+              <a:rPr lang="en-US" altLang="ko-KR" sz="5400" b="1" dirty="0">
+                <a:ln w="0">
+                  <a:solidFill>
+                    <a:schemeClr val="bg1"/>
+                  </a:solidFill>
+                </a:ln>
+                <a:latin typeface="+mj-ea"/>
+                <a:ea typeface="+mj-ea"/>
+              </a:rPr>
+              <a:t>WA</a:t>
+            </a:r>
+          </a:p>
+        </p:txBody>
+      </p:sp>
+      <p:sp>
+        <p:nvSpPr>
+          <p:cNvPr id="6" name="사각형: 둥근 모서리 5">
+            <a:extLst>
+              <a:ext uri="{FF2B5EF4-FFF2-40B4-BE49-F238E27FC236}">
+                <a16:creationId xmlns:a16="http://schemas.microsoft.com/office/drawing/2014/main" id="{5D0AC4DD-1B8E-4763-99EF-F61B6A3F6AA2}"/>
+              </a:ext>
+            </a:extLst>
+          </p:cNvPr>
+          <p:cNvSpPr/>
+          <p:nvPr/>
+        </p:nvSpPr>
+        <p:spPr>
+          <a:xfrm>
+            <a:off x="101601" y="993855"/>
+            <a:ext cx="17406942" cy="318170"/>
+          </a:xfrm>
+          <a:prstGeom prst="roundRect">
+            <a:avLst/>
+          </a:prstGeom>
+          <a:solidFill>
+            <a:schemeClr val="accent1">
+              <a:lumMod val="75000"/>
+            </a:schemeClr>
+          </a:solidFill>
+          <a:ln>
+            <a:noFill/>
+          </a:ln>
+        </p:spPr>
+        <p:style>
+          <a:lnRef idx="2">
+            <a:schemeClr val="accent1">
+              <a:shade val="50000"/>
+            </a:schemeClr>
+          </a:lnRef>
+          <a:fillRef idx="1">
+            <a:schemeClr val="accent1"/>
+          </a:fillRef>
+          <a:effectRef idx="0">
+            <a:schemeClr val="accent1"/>
+          </a:effectRef>
+          <a:fontRef idx="minor">
+            <a:schemeClr val="lt1"/>
+          </a:fontRef>
+        </p:style>
+        <p:txBody>
+          <a:bodyPr rtlCol="0" anchor="ctr"/>
+          <a:lstStyle/>
+          <a:p>
+            <a:pPr algn="ctr"/>
+            <a:r>
+              <a:rPr lang="en-US" altLang="ko-KR" b="1" dirty="0">
+                <a:latin typeface="메이플스토리" panose="02000300000000000000" pitchFamily="2" charset="-127"/>
+                <a:ea typeface="메이플스토리" panose="02000300000000000000" pitchFamily="2" charset="-127"/>
+              </a:rPr>
+              <a:t>Breakable Box</a:t>
+            </a:r>
+            <a:endParaRPr lang="ko-KR" altLang="en-US" b="1" dirty="0">
+              <a:latin typeface="메이플스토리" panose="02000300000000000000" pitchFamily="2" charset="-127"/>
+              <a:ea typeface="메이플스토리" panose="02000300000000000000" pitchFamily="2" charset="-127"/>
+            </a:endParaRPr>
+          </a:p>
+        </p:txBody>
+      </p:sp>
+      <p:sp>
+        <p:nvSpPr>
+          <p:cNvPr id="7" name="TextBox 6">
+            <a:extLst>
+              <a:ext uri="{FF2B5EF4-FFF2-40B4-BE49-F238E27FC236}">
+                <a16:creationId xmlns:a16="http://schemas.microsoft.com/office/drawing/2014/main" id="{A7C9F1A1-A5B7-4571-ADBF-29B66B229C5F}"/>
+              </a:ext>
+            </a:extLst>
+          </p:cNvPr>
+          <p:cNvSpPr txBox="1"/>
+          <p:nvPr/>
+        </p:nvSpPr>
+        <p:spPr>
+          <a:xfrm>
+            <a:off x="101601" y="1445888"/>
+            <a:ext cx="11261343" cy="2031325"/>
+          </a:xfrm>
+          <a:prstGeom prst="rect">
+            <a:avLst/>
+          </a:prstGeom>
+          <a:solidFill>
+            <a:schemeClr val="bg1">
+              <a:alpha val="20000"/>
+            </a:schemeClr>
+          </a:solidFill>
+        </p:spPr>
+        <p:txBody>
+          <a:bodyPr wrap="square" rtlCol="0">
+            <a:spAutoFit/>
+          </a:bodyPr>
+          <a:lstStyle/>
+          <a:p>
+            <a:pPr marL="285705" indent="-285705">
+              <a:buFontTx/>
+              <a:buChar char="-"/>
+            </a:pPr>
+            <a:r>
+              <a:rPr lang="en-US" altLang="ko-KR" b="1" dirty="0">
+                <a:latin typeface="HY그래픽M" panose="02030600000101010101" pitchFamily="18" charset="-127"/>
+                <a:ea typeface="HY그래픽M" panose="02030600000101010101" pitchFamily="18" charset="-127"/>
+              </a:rPr>
+              <a:t>Breakable Box</a:t>
+            </a:r>
+            <a:r>
+              <a:rPr lang="ko-KR" altLang="en-US" b="1" dirty="0">
+                <a:latin typeface="HY그래픽M" panose="02030600000101010101" pitchFamily="18" charset="-127"/>
+                <a:ea typeface="HY그래픽M" panose="02030600000101010101" pitchFamily="18" charset="-127"/>
+              </a:rPr>
+              <a:t>는 투사체를 이용하여 </a:t>
+            </a:r>
+            <a:r>
+              <a:rPr lang="ko-KR" altLang="en-US" b="1" dirty="0">
+                <a:solidFill>
+                  <a:schemeClr val="accent4"/>
+                </a:solidFill>
+                <a:latin typeface="HY그래픽M" panose="02030600000101010101" pitchFamily="18" charset="-127"/>
+                <a:ea typeface="HY그래픽M" panose="02030600000101010101" pitchFamily="18" charset="-127"/>
+              </a:rPr>
+              <a:t>파괴할 수 있는 박스</a:t>
+            </a:r>
+            <a:r>
+              <a:rPr lang="ko-KR" altLang="en-US" b="1" dirty="0">
+                <a:latin typeface="HY그래픽M" panose="02030600000101010101" pitchFamily="18" charset="-127"/>
+                <a:ea typeface="HY그래픽M" panose="02030600000101010101" pitchFamily="18" charset="-127"/>
+              </a:rPr>
+              <a:t>이다</a:t>
+            </a:r>
+            <a:r>
+              <a:rPr lang="en-US" altLang="ko-KR" b="1" dirty="0">
+                <a:latin typeface="HY그래픽M" panose="02030600000101010101" pitchFamily="18" charset="-127"/>
+                <a:ea typeface="HY그래픽M" panose="02030600000101010101" pitchFamily="18" charset="-127"/>
+              </a:rPr>
+              <a:t>.</a:t>
+            </a:r>
+          </a:p>
+          <a:p>
+            <a:pPr marL="285705" indent="-285705">
+              <a:buFontTx/>
+              <a:buChar char="-"/>
+            </a:pPr>
+            <a:endParaRPr lang="en-US" altLang="ko-KR" b="1" dirty="0">
+              <a:latin typeface="HY그래픽M" panose="02030600000101010101" pitchFamily="18" charset="-127"/>
+              <a:ea typeface="HY그래픽M" panose="02030600000101010101" pitchFamily="18" charset="-127"/>
+            </a:endParaRPr>
+          </a:p>
+          <a:p>
+            <a:pPr marL="285705" indent="-285705">
+              <a:buFontTx/>
+              <a:buChar char="-"/>
+            </a:pPr>
+            <a:r>
+              <a:rPr lang="en-US" altLang="ko-KR" b="1" dirty="0">
+                <a:latin typeface="HY그래픽M" panose="02030600000101010101" pitchFamily="18" charset="-127"/>
+                <a:ea typeface="HY그래픽M" panose="02030600000101010101" pitchFamily="18" charset="-127"/>
+              </a:rPr>
+              <a:t>Breakable Box</a:t>
+            </a:r>
+            <a:r>
+              <a:rPr lang="ko-KR" altLang="en-US" b="1" dirty="0">
+                <a:latin typeface="HY그래픽M" panose="02030600000101010101" pitchFamily="18" charset="-127"/>
+                <a:ea typeface="HY그래픽M" panose="02030600000101010101" pitchFamily="18" charset="-127"/>
+              </a:rPr>
+              <a:t>는 </a:t>
+            </a:r>
+            <a:r>
+              <a:rPr lang="en-US" altLang="ko-KR" b="1" dirty="0">
+                <a:solidFill>
+                  <a:schemeClr val="accent4"/>
+                </a:solidFill>
+                <a:latin typeface="HY그래픽M" panose="02030600000101010101" pitchFamily="18" charset="-127"/>
+                <a:ea typeface="HY그래픽M" panose="02030600000101010101" pitchFamily="18" charset="-127"/>
+              </a:rPr>
+              <a:t>Bullet</a:t>
+            </a:r>
+            <a:r>
+              <a:rPr lang="ko-KR" altLang="en-US" b="1" dirty="0">
+                <a:solidFill>
+                  <a:schemeClr val="accent4"/>
+                </a:solidFill>
+                <a:latin typeface="HY그래픽M" panose="02030600000101010101" pitchFamily="18" charset="-127"/>
+                <a:ea typeface="HY그래픽M" panose="02030600000101010101" pitchFamily="18" charset="-127"/>
+              </a:rPr>
+              <a:t>과 충돌 시 작동</a:t>
+            </a:r>
+            <a:r>
+              <a:rPr lang="ko-KR" altLang="en-US" b="1" dirty="0">
+                <a:latin typeface="HY그래픽M" panose="02030600000101010101" pitchFamily="18" charset="-127"/>
+                <a:ea typeface="HY그래픽M" panose="02030600000101010101" pitchFamily="18" charset="-127"/>
+              </a:rPr>
+              <a:t>하며 </a:t>
+            </a:r>
+            <a:r>
+              <a:rPr lang="en-US" altLang="ko-KR" b="1" dirty="0">
+                <a:latin typeface="HY그래픽M" panose="02030600000101010101" pitchFamily="18" charset="-127"/>
+                <a:ea typeface="HY그래픽M" panose="02030600000101010101" pitchFamily="18" charset="-127"/>
+              </a:rPr>
+              <a:t>Breakable Box</a:t>
+            </a:r>
+            <a:r>
+              <a:rPr lang="ko-KR" altLang="en-US" b="1" dirty="0">
+                <a:latin typeface="HY그래픽M" panose="02030600000101010101" pitchFamily="18" charset="-127"/>
+                <a:ea typeface="HY그래픽M" panose="02030600000101010101" pitchFamily="18" charset="-127"/>
+              </a:rPr>
+              <a:t>와 충돌한 </a:t>
+            </a:r>
+            <a:r>
+              <a:rPr lang="ko-KR" altLang="en-US" b="1" dirty="0">
+                <a:solidFill>
+                  <a:schemeClr val="accent4"/>
+                </a:solidFill>
+                <a:latin typeface="HY그래픽M" panose="02030600000101010101" pitchFamily="18" charset="-127"/>
+                <a:ea typeface="HY그래픽M" panose="02030600000101010101" pitchFamily="18" charset="-127"/>
+              </a:rPr>
+              <a:t>투사체는 파괴</a:t>
+            </a:r>
+            <a:r>
+              <a:rPr lang="ko-KR" altLang="en-US" b="1" dirty="0">
+                <a:latin typeface="HY그래픽M" panose="02030600000101010101" pitchFamily="18" charset="-127"/>
+                <a:ea typeface="HY그래픽M" panose="02030600000101010101" pitchFamily="18" charset="-127"/>
+              </a:rPr>
+              <a:t>된다</a:t>
+            </a:r>
+            <a:r>
+              <a:rPr lang="en-US" altLang="ko-KR" b="1" dirty="0">
+                <a:latin typeface="HY그래픽M" panose="02030600000101010101" pitchFamily="18" charset="-127"/>
+                <a:ea typeface="HY그래픽M" panose="02030600000101010101" pitchFamily="18" charset="-127"/>
+              </a:rPr>
+              <a:t>.</a:t>
+            </a:r>
+          </a:p>
+          <a:p>
+            <a:endParaRPr lang="en-US" altLang="ko-KR" b="1" dirty="0">
+              <a:latin typeface="HY그래픽M" panose="02030600000101010101" pitchFamily="18" charset="-127"/>
+              <a:ea typeface="HY그래픽M" panose="02030600000101010101" pitchFamily="18" charset="-127"/>
+            </a:endParaRPr>
+          </a:p>
+          <a:p>
+            <a:pPr marL="285705" indent="-285705">
+              <a:buFontTx/>
+              <a:buChar char="-"/>
+            </a:pPr>
+            <a:r>
+              <a:rPr lang="en-US" altLang="ko-KR" b="1" dirty="0">
+                <a:latin typeface="HY그래픽M" panose="02030600000101010101" pitchFamily="18" charset="-127"/>
+                <a:ea typeface="HY그래픽M" panose="02030600000101010101" pitchFamily="18" charset="-127"/>
+              </a:rPr>
+              <a:t>Breakable Box</a:t>
+            </a:r>
+            <a:r>
+              <a:rPr lang="ko-KR" altLang="en-US" b="1" dirty="0">
+                <a:latin typeface="HY그래픽M" panose="02030600000101010101" pitchFamily="18" charset="-127"/>
+                <a:ea typeface="HY그래픽M" panose="02030600000101010101" pitchFamily="18" charset="-127"/>
+              </a:rPr>
+              <a:t>가 </a:t>
+            </a:r>
+            <a:r>
+              <a:rPr lang="ko-KR" altLang="en-US" b="1" dirty="0">
+                <a:solidFill>
+                  <a:schemeClr val="accent4"/>
+                </a:solidFill>
+                <a:latin typeface="HY그래픽M" panose="02030600000101010101" pitchFamily="18" charset="-127"/>
+                <a:ea typeface="HY그래픽M" panose="02030600000101010101" pitchFamily="18" charset="-127"/>
+              </a:rPr>
+              <a:t>파괴되면 자기가 있던 위치에 다른 퍼즐이나 장애물을 생성</a:t>
+            </a:r>
+            <a:r>
+              <a:rPr lang="ko-KR" altLang="en-US" b="1" dirty="0">
+                <a:latin typeface="HY그래픽M" panose="02030600000101010101" pitchFamily="18" charset="-127"/>
+                <a:ea typeface="HY그래픽M" panose="02030600000101010101" pitchFamily="18" charset="-127"/>
+              </a:rPr>
+              <a:t> 할 수도 있다</a:t>
+            </a:r>
+            <a:r>
+              <a:rPr lang="en-US" altLang="ko-KR" b="1" dirty="0">
+                <a:latin typeface="HY그래픽M" panose="02030600000101010101" pitchFamily="18" charset="-127"/>
+                <a:ea typeface="HY그래픽M" panose="02030600000101010101" pitchFamily="18" charset="-127"/>
+              </a:rPr>
+              <a:t>.</a:t>
+            </a:r>
+            <a:endParaRPr lang="en-US" altLang="ko-KR" b="1" dirty="0">
+              <a:solidFill>
+                <a:schemeClr val="accent4"/>
+              </a:solidFill>
+              <a:latin typeface="HY그래픽M" panose="02030600000101010101" pitchFamily="18" charset="-127"/>
+              <a:ea typeface="HY그래픽M" panose="02030600000101010101" pitchFamily="18" charset="-127"/>
+            </a:endParaRPr>
+          </a:p>
+          <a:p>
+            <a:r>
+              <a:rPr lang="en-US" altLang="ko-KR" b="1" dirty="0">
+                <a:solidFill>
+                  <a:schemeClr val="bg1"/>
+                </a:solidFill>
+                <a:latin typeface="HY그래픽M" panose="02030600000101010101" pitchFamily="18" charset="-127"/>
+                <a:ea typeface="HY그래픽M" panose="02030600000101010101" pitchFamily="18" charset="-127"/>
+              </a:rPr>
+              <a:t>(</a:t>
+            </a:r>
+            <a:r>
+              <a:rPr lang="ko-KR" altLang="en-US" b="1" dirty="0">
+                <a:solidFill>
+                  <a:schemeClr val="bg1"/>
+                </a:solidFill>
+                <a:latin typeface="HY그래픽M" panose="02030600000101010101" pitchFamily="18" charset="-127"/>
+                <a:ea typeface="HY그래픽M" panose="02030600000101010101" pitchFamily="18" charset="-127"/>
+              </a:rPr>
+              <a:t>배치된 </a:t>
+            </a:r>
+            <a:r>
+              <a:rPr lang="en-US" altLang="ko-KR" b="1" dirty="0">
+                <a:solidFill>
+                  <a:schemeClr val="bg1"/>
+                </a:solidFill>
+                <a:latin typeface="HY그래픽M" panose="02030600000101010101" pitchFamily="18" charset="-127"/>
+                <a:ea typeface="HY그래픽M" panose="02030600000101010101" pitchFamily="18" charset="-127"/>
+              </a:rPr>
+              <a:t>Breakable Box</a:t>
+            </a:r>
+            <a:r>
+              <a:rPr lang="ko-KR" altLang="en-US" b="1" dirty="0">
+                <a:solidFill>
+                  <a:schemeClr val="bg1"/>
+                </a:solidFill>
+                <a:latin typeface="HY그래픽M" panose="02030600000101010101" pitchFamily="18" charset="-127"/>
+                <a:ea typeface="HY그래픽M" panose="02030600000101010101" pitchFamily="18" charset="-127"/>
+              </a:rPr>
+              <a:t>마다 퍼즐의 생성 여부 및 종류는 고정이다</a:t>
+            </a:r>
+            <a:r>
+              <a:rPr lang="en-US" altLang="ko-KR" b="1" dirty="0">
+                <a:solidFill>
+                  <a:schemeClr val="bg1"/>
+                </a:solidFill>
+                <a:latin typeface="HY그래픽M" panose="02030600000101010101" pitchFamily="18" charset="-127"/>
+                <a:ea typeface="HY그래픽M" panose="02030600000101010101" pitchFamily="18" charset="-127"/>
+              </a:rPr>
+              <a:t>.)</a:t>
+            </a:r>
+          </a:p>
+          <a:p>
+            <a:pPr marL="285705" indent="-285705">
+              <a:buFontTx/>
+              <a:buChar char="-"/>
+            </a:pPr>
+            <a:endParaRPr lang="en-US" altLang="ko-KR" b="1" dirty="0">
+              <a:latin typeface="HY그래픽M" panose="02030600000101010101" pitchFamily="18" charset="-127"/>
+              <a:ea typeface="HY그래픽M" panose="02030600000101010101" pitchFamily="18" charset="-127"/>
+            </a:endParaRPr>
+          </a:p>
+        </p:txBody>
+      </p:sp>
+      <p:sp>
+        <p:nvSpPr>
+          <p:cNvPr id="9" name="직사각형 8">
+            <a:extLst>
+              <a:ext uri="{FF2B5EF4-FFF2-40B4-BE49-F238E27FC236}">
+                <a16:creationId xmlns:a16="http://schemas.microsoft.com/office/drawing/2014/main" id="{FF94EDAC-6756-4CB3-AB0E-ABA20950214F}"/>
+              </a:ext>
+            </a:extLst>
+          </p:cNvPr>
+          <p:cNvSpPr/>
+          <p:nvPr/>
+        </p:nvSpPr>
+        <p:spPr>
+          <a:xfrm>
+            <a:off x="11891094" y="1621536"/>
+            <a:ext cx="5380906" cy="2031325"/>
+          </a:xfrm>
+          <a:prstGeom prst="rect">
+            <a:avLst/>
+          </a:prstGeom>
+          <a:solidFill>
+            <a:schemeClr val="bg1">
+              <a:alpha val="20000"/>
+            </a:schemeClr>
+          </a:solidFill>
+          <a:ln>
+            <a:solidFill>
+              <a:schemeClr val="bg1"/>
+            </a:solidFill>
+          </a:ln>
+        </p:spPr>
+        <p:style>
+          <a:lnRef idx="2">
+            <a:schemeClr val="accent1">
+              <a:shade val="50000"/>
+            </a:schemeClr>
+          </a:lnRef>
+          <a:fillRef idx="1">
+            <a:schemeClr val="accent1"/>
+          </a:fillRef>
+          <a:effectRef idx="0">
+            <a:schemeClr val="accent1"/>
+          </a:effectRef>
+          <a:fontRef idx="minor">
+            <a:schemeClr val="lt1"/>
+          </a:fontRef>
+        </p:style>
+        <p:txBody>
+          <a:bodyPr rtlCol="0" anchor="ctr"/>
+          <a:lstStyle/>
+          <a:p>
+            <a:pPr algn="ctr"/>
+            <a:endParaRPr lang="ko-KR" altLang="en-US" dirty="0"/>
+          </a:p>
+        </p:txBody>
+      </p:sp>
+      <p:pic>
+        <p:nvPicPr>
+          <p:cNvPr id="2050" name="Picture 2" descr="추억의 고전게임] 공튀기기 게임하기 및 다운로드! : 네이버 블로그">
+            <a:extLst>
+              <a:ext uri="{FF2B5EF4-FFF2-40B4-BE49-F238E27FC236}">
+                <a16:creationId xmlns:a16="http://schemas.microsoft.com/office/drawing/2014/main" id="{4B827691-80FD-4555-B737-4123ECDE7DC6}"/>
+              </a:ext>
+            </a:extLst>
+          </p:cNvPr>
+          <p:cNvPicPr>
+            <a:picLocks noChangeAspect="1" noChangeArrowheads="1"/>
+          </p:cNvPicPr>
+          <p:nvPr/>
+        </p:nvPicPr>
+        <p:blipFill rotWithShape="1">
+          <a:blip r:embed="rId2">
+            <a:extLst>
+              <a:ext uri="{28A0092B-C50C-407E-A947-70E740481C1C}">
+                <a14:useLocalDpi xmlns:a14="http://schemas.microsoft.com/office/drawing/2010/main" val="0"/>
+              </a:ext>
+            </a:extLst>
+          </a:blip>
+          <a:srcRect l="79915" t="59765" r="14909" b="33204"/>
+          <a:stretch/>
+        </p:blipFill>
+        <p:spPr bwMode="auto">
+          <a:xfrm>
+            <a:off x="14914244" y="2023888"/>
+            <a:ext cx="1294781" cy="1319213"/>
+          </a:xfrm>
+          <a:prstGeom prst="rect">
+            <a:avLst/>
+          </a:prstGeom>
+          <a:noFill/>
+          <a:extLst>
+            <a:ext uri="{909E8E84-426E-40DD-AFC4-6F175D3DCCD1}">
+              <a14:hiddenFill xmlns:a14="http://schemas.microsoft.com/office/drawing/2010/main">
+                <a:solidFill>
+                  <a:srgbClr val="FFFFFF"/>
+                </a:solidFill>
+              </a14:hiddenFill>
+            </a:ext>
+          </a:extLst>
+        </p:spPr>
+      </p:pic>
+      <p:pic>
+        <p:nvPicPr>
+          <p:cNvPr id="17" name="Picture 6" descr="Free Icon | Bullet">
+            <a:extLst>
+              <a:ext uri="{FF2B5EF4-FFF2-40B4-BE49-F238E27FC236}">
+                <a16:creationId xmlns:a16="http://schemas.microsoft.com/office/drawing/2014/main" id="{F7C03374-21C4-4ABB-9016-E5221EF1D9C5}"/>
+              </a:ext>
+            </a:extLst>
+          </p:cNvPr>
+          <p:cNvPicPr>
+            <a:picLocks noChangeAspect="1" noChangeArrowheads="1"/>
+          </p:cNvPicPr>
+          <p:nvPr/>
+        </p:nvPicPr>
+        <p:blipFill>
+          <a:blip r:embed="rId3">
+            <a:extLst>
+              <a:ext uri="{28A0092B-C50C-407E-A947-70E740481C1C}">
+                <a14:useLocalDpi xmlns:a14="http://schemas.microsoft.com/office/drawing/2010/main" val="0"/>
+              </a:ext>
+            </a:extLst>
+          </a:blip>
+          <a:srcRect/>
+          <a:stretch>
+            <a:fillRect/>
+          </a:stretch>
+        </p:blipFill>
+        <p:spPr bwMode="auto">
+          <a:xfrm>
+            <a:off x="13532951" y="2124885"/>
+            <a:ext cx="1117218" cy="1117218"/>
+          </a:xfrm>
+          <a:prstGeom prst="rect">
+            <a:avLst/>
+          </a:prstGeom>
+          <a:noFill/>
+          <a:extLst>
+            <a:ext uri="{909E8E84-426E-40DD-AFC4-6F175D3DCCD1}">
+              <a14:hiddenFill xmlns:a14="http://schemas.microsoft.com/office/drawing/2010/main">
+                <a:solidFill>
+                  <a:srgbClr val="FFFFFF"/>
+                </a:solidFill>
+              </a14:hiddenFill>
+            </a:ext>
+          </a:extLst>
+        </p:spPr>
+      </p:pic>
+      <p:sp>
+        <p:nvSpPr>
+          <p:cNvPr id="4" name="별: 꼭짓점 7개 3">
+            <a:extLst>
+              <a:ext uri="{FF2B5EF4-FFF2-40B4-BE49-F238E27FC236}">
+                <a16:creationId xmlns:a16="http://schemas.microsoft.com/office/drawing/2014/main" id="{80FD1E23-53CE-4D47-91F7-3A2CA923E809}"/>
+              </a:ext>
+            </a:extLst>
+          </p:cNvPr>
+          <p:cNvSpPr/>
+          <p:nvPr/>
+        </p:nvSpPr>
+        <p:spPr>
+          <a:xfrm rot="900000">
+            <a:off x="14322339" y="2144452"/>
+            <a:ext cx="1072896" cy="1072896"/>
+          </a:xfrm>
+          <a:prstGeom prst="star7">
+            <a:avLst>
+              <a:gd name="adj" fmla="val 18400"/>
+              <a:gd name="hf" fmla="val 102572"/>
+              <a:gd name="vf" fmla="val 105210"/>
+            </a:avLst>
+          </a:prstGeom>
+          <a:solidFill>
+            <a:srgbClr val="FF0000"/>
+          </a:solidFill>
+          <a:ln>
+            <a:noFill/>
+          </a:ln>
+        </p:spPr>
+        <p:style>
+          <a:lnRef idx="2">
+            <a:schemeClr val="accent1">
+              <a:shade val="50000"/>
+            </a:schemeClr>
+          </a:lnRef>
+          <a:fillRef idx="1">
+            <a:schemeClr val="accent1"/>
+          </a:fillRef>
+          <a:effectRef idx="0">
+            <a:schemeClr val="accent1"/>
+          </a:effectRef>
+          <a:fontRef idx="minor">
+            <a:schemeClr val="lt1"/>
+          </a:fontRef>
+        </p:style>
+        <p:txBody>
+          <a:bodyPr rtlCol="0" anchor="ctr"/>
+          <a:lstStyle/>
+          <a:p>
+            <a:pPr algn="ctr"/>
+            <a:endParaRPr lang="ko-KR" altLang="en-US"/>
+          </a:p>
+        </p:txBody>
+      </p:sp>
+      <p:sp>
+        <p:nvSpPr>
+          <p:cNvPr id="20" name="화살표: 왼쪽 19">
+            <a:extLst>
+              <a:ext uri="{FF2B5EF4-FFF2-40B4-BE49-F238E27FC236}">
+                <a16:creationId xmlns:a16="http://schemas.microsoft.com/office/drawing/2014/main" id="{D65D4139-688A-45F0-A79B-09DE68E5F597}"/>
+              </a:ext>
+            </a:extLst>
+          </p:cNvPr>
+          <p:cNvSpPr/>
+          <p:nvPr/>
+        </p:nvSpPr>
+        <p:spPr>
+          <a:xfrm rot="16200000">
+            <a:off x="14082701" y="3994266"/>
+            <a:ext cx="1134939" cy="493716"/>
+          </a:xfrm>
+          <a:prstGeom prst="leftArrow">
+            <a:avLst/>
+          </a:prstGeom>
+          <a:solidFill>
+            <a:srgbClr val="92D050"/>
+          </a:solidFill>
+          <a:ln>
+            <a:solidFill>
+              <a:schemeClr val="tx1"/>
+            </a:solidFill>
+          </a:ln>
+        </p:spPr>
+        <p:style>
+          <a:lnRef idx="2">
+            <a:schemeClr val="accent1">
+              <a:shade val="50000"/>
+            </a:schemeClr>
+          </a:lnRef>
+          <a:fillRef idx="1">
+            <a:schemeClr val="accent1"/>
+          </a:fillRef>
+          <a:effectRef idx="0">
+            <a:schemeClr val="accent1"/>
+          </a:effectRef>
+          <a:fontRef idx="minor">
+            <a:schemeClr val="lt1"/>
+          </a:fontRef>
+        </p:style>
+        <p:txBody>
+          <a:bodyPr rtlCol="0" anchor="ctr"/>
+          <a:lstStyle/>
+          <a:p>
+            <a:pPr algn="ctr"/>
+            <a:endParaRPr lang="ko-KR" altLang="en-US"/>
+          </a:p>
+        </p:txBody>
+      </p:sp>
+      <p:pic>
+        <p:nvPicPr>
+          <p:cNvPr id="21" name="Picture 2" descr="추억의 고전게임] 공튀기기 게임하기 및 다운로드! : 네이버 블로그">
+            <a:extLst>
+              <a:ext uri="{FF2B5EF4-FFF2-40B4-BE49-F238E27FC236}">
+                <a16:creationId xmlns:a16="http://schemas.microsoft.com/office/drawing/2014/main" id="{FD570BB2-B097-4643-A363-58EA37494C21}"/>
+              </a:ext>
+            </a:extLst>
+          </p:cNvPr>
+          <p:cNvPicPr>
+            <a:picLocks noChangeAspect="1" noChangeArrowheads="1"/>
+          </p:cNvPicPr>
+          <p:nvPr/>
+        </p:nvPicPr>
+        <p:blipFill rotWithShape="1">
+          <a:blip r:embed="rId2">
+            <a:extLst>
+              <a:ext uri="{28A0092B-C50C-407E-A947-70E740481C1C}">
+                <a14:useLocalDpi xmlns:a14="http://schemas.microsoft.com/office/drawing/2010/main" val="0"/>
+              </a:ext>
+            </a:extLst>
+          </a:blip>
+          <a:srcRect l="79915" t="59765" r="17511" b="37002"/>
+          <a:stretch/>
+        </p:blipFill>
+        <p:spPr bwMode="auto">
+          <a:xfrm>
+            <a:off x="14684599" y="4835358"/>
+            <a:ext cx="643806" cy="606552"/>
+          </a:xfrm>
+          <a:prstGeom prst="rect">
+            <a:avLst/>
+          </a:prstGeom>
+          <a:noFill/>
+          <a:extLst>
+            <a:ext uri="{909E8E84-426E-40DD-AFC4-6F175D3DCCD1}">
+              <a14:hiddenFill xmlns:a14="http://schemas.microsoft.com/office/drawing/2010/main">
+                <a:solidFill>
+                  <a:srgbClr val="FFFFFF"/>
+                </a:solidFill>
+              </a14:hiddenFill>
+            </a:ext>
+          </a:extLst>
+        </p:spPr>
+      </p:pic>
+      <p:pic>
+        <p:nvPicPr>
+          <p:cNvPr id="24" name="Picture 2" descr="추억의 고전게임] 공튀기기 게임하기 및 다운로드! : 네이버 블로그">
+            <a:extLst>
+              <a:ext uri="{FF2B5EF4-FFF2-40B4-BE49-F238E27FC236}">
+                <a16:creationId xmlns:a16="http://schemas.microsoft.com/office/drawing/2014/main" id="{83F29A88-CECC-4B14-953F-64EBB58CC9CD}"/>
+              </a:ext>
+            </a:extLst>
+          </p:cNvPr>
+          <p:cNvPicPr>
+            <a:picLocks noChangeAspect="1" noChangeArrowheads="1"/>
+          </p:cNvPicPr>
+          <p:nvPr/>
+        </p:nvPicPr>
+        <p:blipFill rotWithShape="1">
+          <a:blip r:embed="rId2">
+            <a:extLst>
+              <a:ext uri="{28A0092B-C50C-407E-A947-70E740481C1C}">
+                <a14:useLocalDpi xmlns:a14="http://schemas.microsoft.com/office/drawing/2010/main" val="0"/>
+              </a:ext>
+            </a:extLst>
+          </a:blip>
+          <a:srcRect l="82324" t="59765" r="14909" b="33204"/>
+          <a:stretch/>
+        </p:blipFill>
+        <p:spPr bwMode="auto">
+          <a:xfrm>
+            <a:off x="15897736" y="4837782"/>
+            <a:ext cx="692144" cy="1319213"/>
+          </a:xfrm>
+          <a:prstGeom prst="rect">
+            <a:avLst/>
+          </a:prstGeom>
+          <a:noFill/>
+          <a:extLst>
+            <a:ext uri="{909E8E84-426E-40DD-AFC4-6F175D3DCCD1}">
+              <a14:hiddenFill xmlns:a14="http://schemas.microsoft.com/office/drawing/2010/main">
+                <a:solidFill>
+                  <a:srgbClr val="FFFFFF"/>
+                </a:solidFill>
+              </a14:hiddenFill>
+            </a:ext>
+          </a:extLst>
+        </p:spPr>
+      </p:pic>
+      <p:pic>
+        <p:nvPicPr>
+          <p:cNvPr id="25" name="Picture 2" descr="추억의 고전게임] 공튀기기 게임하기 및 다운로드! : 네이버 블로그">
+            <a:extLst>
+              <a:ext uri="{FF2B5EF4-FFF2-40B4-BE49-F238E27FC236}">
+                <a16:creationId xmlns:a16="http://schemas.microsoft.com/office/drawing/2014/main" id="{F9EA5D2C-1882-4A54-BD95-68D6159CE5AB}"/>
+              </a:ext>
+            </a:extLst>
+          </p:cNvPr>
+          <p:cNvPicPr>
+            <a:picLocks noChangeAspect="1" noChangeArrowheads="1"/>
+          </p:cNvPicPr>
+          <p:nvPr/>
+        </p:nvPicPr>
+        <p:blipFill rotWithShape="1">
+          <a:blip r:embed="rId2">
+            <a:extLst>
+              <a:ext uri="{28A0092B-C50C-407E-A947-70E740481C1C}">
+                <a14:useLocalDpi xmlns:a14="http://schemas.microsoft.com/office/drawing/2010/main" val="0"/>
+              </a:ext>
+            </a:extLst>
+          </a:blip>
+          <a:srcRect l="79915" t="63088" r="17439" b="33204"/>
+          <a:stretch/>
+        </p:blipFill>
+        <p:spPr bwMode="auto">
+          <a:xfrm>
+            <a:off x="14501185" y="5893832"/>
+            <a:ext cx="661975" cy="695730"/>
+          </a:xfrm>
+          <a:prstGeom prst="rect">
+            <a:avLst/>
+          </a:prstGeom>
+          <a:noFill/>
+          <a:extLst>
+            <a:ext uri="{909E8E84-426E-40DD-AFC4-6F175D3DCCD1}">
+              <a14:hiddenFill xmlns:a14="http://schemas.microsoft.com/office/drawing/2010/main">
+                <a:solidFill>
+                  <a:srgbClr val="FFFFFF"/>
+                </a:solidFill>
+              </a14:hiddenFill>
+            </a:ext>
+          </a:extLst>
+        </p:spPr>
+      </p:pic>
+    </p:spTree>
+    <p:extLst>
+      <p:ext uri="{BB962C8B-B14F-4D97-AF65-F5344CB8AC3E}">
+        <p14:creationId xmlns:p14="http://schemas.microsoft.com/office/powerpoint/2010/main" val="87780996"/>
+      </p:ext>
+    </p:extLst>
+  </p:cSld>
+  <p:clrMapOvr>
+    <a:masterClrMapping/>
+  </p:clrMapOvr>
+</p:sld>
+</file>
+
+<file path=ppt/slides/slide11.xml><?xml version="1.0" encoding="utf-8"?>
 <p:sld xmlns:a="http://schemas.openxmlformats.org/drawingml/2006/main" xmlns:r="http://schemas.openxmlformats.org/officeDocument/2006/relationships" xmlns:p="http://schemas.openxmlformats.org/presentationml/2006/main">
   <p:cSld>
     <p:spTree>
@@ -5707,7 +6636,7 @@
 </p:sld>
 </file>
 
-<file path=ppt/slides/slide11.xml><?xml version="1.0" encoding="utf-8"?>
+<file path=ppt/slides/slide12.xml><?xml version="1.0" encoding="utf-8"?>
 <p:sld xmlns:a="http://schemas.openxmlformats.org/drawingml/2006/main" xmlns:r="http://schemas.openxmlformats.org/officeDocument/2006/relationships" xmlns:p="http://schemas.openxmlformats.org/presentationml/2006/main">
   <p:cSld>
     <p:spTree>
@@ -6726,7 +7655,7 @@
 </p:sld>
 </file>
 
-<file path=ppt/slides/slide12.xml><?xml version="1.0" encoding="utf-8"?>
+<file path=ppt/slides/slide13.xml><?xml version="1.0" encoding="utf-8"?>
 <p:sld xmlns:a="http://schemas.openxmlformats.org/drawingml/2006/main" xmlns:r="http://schemas.openxmlformats.org/officeDocument/2006/relationships" xmlns:p="http://schemas.openxmlformats.org/presentationml/2006/main">
   <p:cSld>
     <p:spTree>
@@ -9577,7 +10506,7 @@
         <p:spPr>
           <a:xfrm>
             <a:off x="101601" y="1445888"/>
-            <a:ext cx="11261343" cy="3416320"/>
+            <a:ext cx="11261343" cy="3970318"/>
           </a:xfrm>
           <a:prstGeom prst="rect">
             <a:avLst/>
@@ -9867,6 +10796,60 @@
                 <a:ea typeface="HY그래픽M" panose="02030600000101010101" pitchFamily="18" charset="-127"/>
               </a:rPr>
               <a:t>퍼즐이나 물체가 올라가 있으면 움직일 때 함께 이동</a:t>
+            </a:r>
+            <a:r>
+              <a:rPr lang="ko-KR" altLang="en-US" b="1" dirty="0">
+                <a:latin typeface="HY그래픽M" panose="02030600000101010101" pitchFamily="18" charset="-127"/>
+                <a:ea typeface="HY그래픽M" panose="02030600000101010101" pitchFamily="18" charset="-127"/>
+              </a:rPr>
+              <a:t>한다</a:t>
+            </a:r>
+            <a:r>
+              <a:rPr lang="en-US" altLang="ko-KR" b="1" dirty="0">
+                <a:latin typeface="HY그래픽M" panose="02030600000101010101" pitchFamily="18" charset="-127"/>
+                <a:ea typeface="HY그래픽M" panose="02030600000101010101" pitchFamily="18" charset="-127"/>
+              </a:rPr>
+              <a:t>.</a:t>
+            </a:r>
+          </a:p>
+          <a:p>
+            <a:pPr marL="285705" indent="-285705">
+              <a:buFontTx/>
+              <a:buChar char="-"/>
+            </a:pPr>
+            <a:endParaRPr lang="en-US" altLang="ko-KR" b="1" dirty="0">
+              <a:latin typeface="HY그래픽M" panose="02030600000101010101" pitchFamily="18" charset="-127"/>
+              <a:ea typeface="HY그래픽M" panose="02030600000101010101" pitchFamily="18" charset="-127"/>
+            </a:endParaRPr>
+          </a:p>
+          <a:p>
+            <a:pPr marL="285705" indent="-285705">
+              <a:buFontTx/>
+              <a:buChar char="-"/>
+            </a:pPr>
+            <a:r>
+              <a:rPr lang="en-US" altLang="ko-KR" b="1" dirty="0">
+                <a:latin typeface="HY그래픽M" panose="02030600000101010101" pitchFamily="18" charset="-127"/>
+                <a:ea typeface="HY그래픽M" panose="02030600000101010101" pitchFamily="18" charset="-127"/>
+              </a:rPr>
+              <a:t>Movable Box</a:t>
+            </a:r>
+            <a:r>
+              <a:rPr lang="ko-KR" altLang="en-US" b="1" dirty="0">
+                <a:latin typeface="HY그래픽M" panose="02030600000101010101" pitchFamily="18" charset="-127"/>
+                <a:ea typeface="HY그래픽M" panose="02030600000101010101" pitchFamily="18" charset="-127"/>
+              </a:rPr>
+              <a:t>와 상호작용 중일 때 </a:t>
+            </a:r>
+            <a:r>
+              <a:rPr lang="ko-KR" altLang="en-US" b="1" dirty="0">
+                <a:solidFill>
+                  <a:schemeClr val="accent4"/>
+                </a:solidFill>
+                <a:latin typeface="HY그래픽M" panose="02030600000101010101" pitchFamily="18" charset="-127"/>
+                <a:ea typeface="HY그래픽M" panose="02030600000101010101" pitchFamily="18" charset="-127"/>
+              </a:rPr>
+              <a:t>플레이어 캐릭터의 이동속도가 감소</a:t>
             </a:r>
             <a:r>
               <a:rPr lang="ko-KR" altLang="en-US" b="1" dirty="0">
@@ -11867,6 +12850,717 @@
 </file>
 
 <file path=ppt/slides/slide7.xml><?xml version="1.0" encoding="utf-8"?>
+<p:sld xmlns:a="http://schemas.openxmlformats.org/drawingml/2006/main" xmlns:r="http://schemas.openxmlformats.org/officeDocument/2006/relationships" xmlns:p="http://schemas.openxmlformats.org/presentationml/2006/main">
+  <p:cSld>
+    <p:spTree>
+      <p:nvGrpSpPr>
+        <p:cNvPr id="1" name=""/>
+        <p:cNvGrpSpPr/>
+        <p:nvPr/>
+      </p:nvGrpSpPr>
+      <p:grpSpPr>
+        <a:xfrm>
+          <a:off x="0" y="0"/>
+          <a:ext cx="0" cy="0"/>
+          <a:chOff x="0" y="0"/>
+          <a:chExt cx="0" cy="0"/>
+        </a:xfrm>
+      </p:grpSpPr>
+      <p:sp>
+        <p:nvSpPr>
+          <p:cNvPr id="3" name="직사각형 2">
+            <a:extLst>
+              <a:ext uri="{FF2B5EF4-FFF2-40B4-BE49-F238E27FC236}">
+                <a16:creationId xmlns:a16="http://schemas.microsoft.com/office/drawing/2014/main" id="{81C0CDD1-F0F1-42AD-96D6-369E3BD07ED2}"/>
+              </a:ext>
+            </a:extLst>
+          </p:cNvPr>
+          <p:cNvSpPr/>
+          <p:nvPr/>
+        </p:nvSpPr>
+        <p:spPr>
+          <a:xfrm>
+            <a:off x="11533631" y="1492092"/>
+            <a:ext cx="5974905" cy="2031325"/>
+          </a:xfrm>
+          <a:prstGeom prst="rect">
+            <a:avLst/>
+          </a:prstGeom>
+          <a:solidFill>
+            <a:schemeClr val="bg1">
+              <a:alpha val="20000"/>
+            </a:schemeClr>
+          </a:solidFill>
+          <a:ln>
+            <a:solidFill>
+              <a:schemeClr val="bg1"/>
+            </a:solidFill>
+          </a:ln>
+        </p:spPr>
+        <p:style>
+          <a:lnRef idx="2">
+            <a:schemeClr val="accent1">
+              <a:shade val="50000"/>
+            </a:schemeClr>
+          </a:lnRef>
+          <a:fillRef idx="1">
+            <a:schemeClr val="accent1"/>
+          </a:fillRef>
+          <a:effectRef idx="0">
+            <a:schemeClr val="accent1"/>
+          </a:effectRef>
+          <a:fontRef idx="minor">
+            <a:schemeClr val="lt1"/>
+          </a:fontRef>
+        </p:style>
+        <p:txBody>
+          <a:bodyPr rtlCol="0" anchor="ctr"/>
+          <a:lstStyle/>
+          <a:p>
+            <a:pPr algn="ctr"/>
+            <a:endParaRPr lang="ko-KR" altLang="en-US"/>
+          </a:p>
+        </p:txBody>
+      </p:sp>
+      <p:sp>
+        <p:nvSpPr>
+          <p:cNvPr id="4" name="직사각형 3">
+            <a:extLst>
+              <a:ext uri="{FF2B5EF4-FFF2-40B4-BE49-F238E27FC236}">
+                <a16:creationId xmlns:a16="http://schemas.microsoft.com/office/drawing/2014/main" id="{FF3DF368-D2F6-4527-B610-A37BAF9FF3A2}"/>
+              </a:ext>
+            </a:extLst>
+          </p:cNvPr>
+          <p:cNvSpPr/>
+          <p:nvPr/>
+        </p:nvSpPr>
+        <p:spPr>
+          <a:xfrm>
+            <a:off x="8132804" y="33681"/>
+            <a:ext cx="1344535" cy="923330"/>
+          </a:xfrm>
+          <a:prstGeom prst="rect">
+            <a:avLst/>
+          </a:prstGeom>
+          <a:noFill/>
+        </p:spPr>
+        <p:txBody>
+          <a:bodyPr wrap="none" lIns="91440" tIns="45720" rIns="91440" bIns="45720">
+            <a:spAutoFit/>
+          </a:bodyPr>
+          <a:lstStyle/>
+          <a:p>
+            <a:pPr algn="ctr"/>
+            <a:r>
+              <a:rPr lang="en-US" altLang="ko-KR" sz="5400" b="1" dirty="0">
+                <a:ln w="0">
+                  <a:solidFill>
+                    <a:schemeClr val="bg1"/>
+                  </a:solidFill>
+                </a:ln>
+                <a:latin typeface="+mj-ea"/>
+                <a:ea typeface="+mj-ea"/>
+              </a:rPr>
+              <a:t>WA</a:t>
+            </a:r>
+          </a:p>
+        </p:txBody>
+      </p:sp>
+      <p:sp>
+        <p:nvSpPr>
+          <p:cNvPr id="5" name="사각형: 둥근 모서리 4">
+            <a:extLst>
+              <a:ext uri="{FF2B5EF4-FFF2-40B4-BE49-F238E27FC236}">
+                <a16:creationId xmlns:a16="http://schemas.microsoft.com/office/drawing/2014/main" id="{E0837FD2-B9A6-4D78-A263-767AA699F5D6}"/>
+              </a:ext>
+            </a:extLst>
+          </p:cNvPr>
+          <p:cNvSpPr/>
+          <p:nvPr/>
+        </p:nvSpPr>
+        <p:spPr>
+          <a:xfrm>
+            <a:off x="101601" y="993855"/>
+            <a:ext cx="17406942" cy="318170"/>
+          </a:xfrm>
+          <a:prstGeom prst="roundRect">
+            <a:avLst/>
+          </a:prstGeom>
+          <a:solidFill>
+            <a:schemeClr val="accent4">
+              <a:lumMod val="50000"/>
+            </a:schemeClr>
+          </a:solidFill>
+          <a:ln>
+            <a:noFill/>
+          </a:ln>
+        </p:spPr>
+        <p:style>
+          <a:lnRef idx="2">
+            <a:schemeClr val="accent1">
+              <a:shade val="50000"/>
+            </a:schemeClr>
+          </a:lnRef>
+          <a:fillRef idx="1">
+            <a:schemeClr val="accent1"/>
+          </a:fillRef>
+          <a:effectRef idx="0">
+            <a:schemeClr val="accent1"/>
+          </a:effectRef>
+          <a:fontRef idx="minor">
+            <a:schemeClr val="lt1"/>
+          </a:fontRef>
+        </p:style>
+        <p:txBody>
+          <a:bodyPr rtlCol="0" anchor="ctr"/>
+          <a:lstStyle/>
+          <a:p>
+            <a:pPr algn="ctr"/>
+            <a:r>
+              <a:rPr lang="en-US" altLang="ko-KR" b="1" dirty="0">
+                <a:latin typeface="메이플스토리" panose="02000300000000000000" pitchFamily="2" charset="-127"/>
+                <a:ea typeface="메이플스토리" panose="02000300000000000000" pitchFamily="2" charset="-127"/>
+              </a:rPr>
+              <a:t>Bullet </a:t>
+            </a:r>
+            <a:r>
+              <a:rPr lang="ko-KR" altLang="en-US" b="1" dirty="0">
+                <a:latin typeface="메이플스토리" panose="02000300000000000000" pitchFamily="2" charset="-127"/>
+                <a:ea typeface="메이플스토리" panose="02000300000000000000" pitchFamily="2" charset="-127"/>
+              </a:rPr>
+              <a:t>충돌여부</a:t>
+            </a:r>
+          </a:p>
+        </p:txBody>
+      </p:sp>
+      <p:pic>
+        <p:nvPicPr>
+          <p:cNvPr id="1030" name="Picture 6" descr="Free Icon | Bullet">
+            <a:extLst>
+              <a:ext uri="{FF2B5EF4-FFF2-40B4-BE49-F238E27FC236}">
+                <a16:creationId xmlns:a16="http://schemas.microsoft.com/office/drawing/2014/main" id="{625CDE5C-A3AF-46DF-8411-AF52F88A933B}"/>
+              </a:ext>
+            </a:extLst>
+          </p:cNvPr>
+          <p:cNvPicPr>
+            <a:picLocks noChangeAspect="1" noChangeArrowheads="1"/>
+          </p:cNvPicPr>
+          <p:nvPr/>
+        </p:nvPicPr>
+        <p:blipFill>
+          <a:blip r:embed="rId2">
+            <a:extLst>
+              <a:ext uri="{28A0092B-C50C-407E-A947-70E740481C1C}">
+                <a14:useLocalDpi xmlns:a14="http://schemas.microsoft.com/office/drawing/2010/main" val="0"/>
+              </a:ext>
+            </a:extLst>
+          </a:blip>
+          <a:srcRect/>
+          <a:stretch>
+            <a:fillRect/>
+          </a:stretch>
+        </p:blipFill>
+        <p:spPr bwMode="auto">
+          <a:xfrm>
+            <a:off x="13962474" y="1949145"/>
+            <a:ext cx="1117218" cy="1117218"/>
+          </a:xfrm>
+          <a:prstGeom prst="rect">
+            <a:avLst/>
+          </a:prstGeom>
+          <a:noFill/>
+          <a:extLst>
+            <a:ext uri="{909E8E84-426E-40DD-AFC4-6F175D3DCCD1}">
+              <a14:hiddenFill xmlns:a14="http://schemas.microsoft.com/office/drawing/2010/main">
+                <a:solidFill>
+                  <a:srgbClr val="FFFFFF"/>
+                </a:solidFill>
+              </a14:hiddenFill>
+            </a:ext>
+          </a:extLst>
+        </p:spPr>
+      </p:pic>
+      <p:graphicFrame>
+        <p:nvGraphicFramePr>
+          <p:cNvPr id="2" name="표 2">
+            <a:extLst>
+              <a:ext uri="{FF2B5EF4-FFF2-40B4-BE49-F238E27FC236}">
+                <a16:creationId xmlns:a16="http://schemas.microsoft.com/office/drawing/2014/main" id="{1D18119C-3FD4-4354-8937-2579346A003E}"/>
+              </a:ext>
+            </a:extLst>
+          </p:cNvPr>
+          <p:cNvGraphicFramePr>
+            <a:graphicFrameLocks noGrp="1"/>
+          </p:cNvGraphicFramePr>
+          <p:nvPr>
+            <p:extLst>
+              <p:ext uri="{D42A27DB-BD31-4B8C-83A1-F6EECF244321}">
+                <p14:modId xmlns:p14="http://schemas.microsoft.com/office/powerpoint/2010/main" val="1933931263"/>
+              </p:ext>
+            </p:extLst>
+          </p:nvPr>
+        </p:nvGraphicFramePr>
+        <p:xfrm>
+          <a:off x="101601" y="3855720"/>
+          <a:ext cx="10582657" cy="1280160"/>
+        </p:xfrm>
+        <a:graphic>
+          <a:graphicData uri="http://schemas.openxmlformats.org/drawingml/2006/table">
+            <a:tbl>
+              <a:tblPr firstRow="1" bandRow="1">
+                <a:tableStyleId>{5C22544A-7EE6-4342-B048-85BDC9FD1C3A}</a:tableStyleId>
+              </a:tblPr>
+              <a:tblGrid>
+                <a:gridCol w="2521697">
+                  <a:extLst>
+                    <a:ext uri="{9D8B030D-6E8A-4147-A177-3AD203B41FA5}">
+                      <a16:colId xmlns:a16="http://schemas.microsoft.com/office/drawing/2014/main" val="11984716"/>
+                    </a:ext>
+                  </a:extLst>
+                </a:gridCol>
+                <a:gridCol w="8060960">
+                  <a:extLst>
+                    <a:ext uri="{9D8B030D-6E8A-4147-A177-3AD203B41FA5}">
+                      <a16:colId xmlns:a16="http://schemas.microsoft.com/office/drawing/2014/main" val="3294347905"/>
+                    </a:ext>
+                  </a:extLst>
+                </a:gridCol>
+              </a:tblGrid>
+              <a:tr h="0">
+                <a:tc>
+                  <a:txBody>
+                    <a:bodyPr/>
+                    <a:lstStyle/>
+                    <a:p>
+                      <a:pPr algn="ctr" latinLnBrk="1"/>
+                      <a:r>
+                        <a:rPr lang="ko-KR" altLang="en-US" sz="1200" dirty="0"/>
+                        <a:t>구분</a:t>
+                      </a:r>
+                    </a:p>
+                  </a:txBody>
+                  <a:tcPr/>
+                </a:tc>
+                <a:tc>
+                  <a:txBody>
+                    <a:bodyPr/>
+                    <a:lstStyle/>
+                    <a:p>
+                      <a:pPr algn="ctr" latinLnBrk="1"/>
+                      <a:r>
+                        <a:rPr lang="ko-KR" altLang="en-US" sz="1200" dirty="0"/>
+                        <a:t>적용되는 요소들</a:t>
+                      </a:r>
+                    </a:p>
+                  </a:txBody>
+                  <a:tcPr/>
+                </a:tc>
+                <a:extLst>
+                  <a:ext uri="{0D108BD9-81ED-4DB2-BD59-A6C34878D82A}">
+                    <a16:rowId xmlns:a16="http://schemas.microsoft.com/office/drawing/2014/main" val="805473423"/>
+                  </a:ext>
+                </a:extLst>
+              </a:tr>
+              <a:tr h="202278">
+                <a:tc>
+                  <a:txBody>
+                    <a:bodyPr/>
+                    <a:lstStyle/>
+                    <a:p>
+                      <a:pPr algn="ctr" latinLnBrk="1"/>
+                      <a:r>
+                        <a:rPr lang="ko-KR" altLang="en-US" sz="1200" dirty="0"/>
+                        <a:t>①</a:t>
+                      </a:r>
+                      <a:r>
+                        <a:rPr lang="en-US" altLang="ko-KR" sz="1200" dirty="0"/>
+                        <a:t>: Bullet </a:t>
+                      </a:r>
+                      <a:r>
+                        <a:rPr lang="ko-KR" altLang="en-US" sz="1200" dirty="0"/>
+                        <a:t>삭제</a:t>
+                      </a:r>
+                    </a:p>
+                  </a:txBody>
+                  <a:tcPr anchor="ctr"/>
+                </a:tc>
+                <a:tc>
+                  <a:txBody>
+                    <a:bodyPr/>
+                    <a:lstStyle/>
+                    <a:p>
+                      <a:pPr algn="ctr" latinLnBrk="1"/>
+                      <a:r>
+                        <a:rPr lang="ko-KR" altLang="en-US" sz="1200" dirty="0"/>
+                        <a:t>그 외 퍼즐</a:t>
+                      </a:r>
+                      <a:r>
+                        <a:rPr lang="en-US" altLang="ko-KR" sz="1200" dirty="0"/>
+                        <a:t>&amp;</a:t>
+                      </a:r>
+                      <a:r>
+                        <a:rPr lang="ko-KR" altLang="en-US" sz="1200" dirty="0"/>
+                        <a:t>장애물 및 벽</a:t>
+                      </a:r>
+                    </a:p>
+                  </a:txBody>
+                  <a:tcPr anchor="ctr"/>
+                </a:tc>
+                <a:extLst>
+                  <a:ext uri="{0D108BD9-81ED-4DB2-BD59-A6C34878D82A}">
+                    <a16:rowId xmlns:a16="http://schemas.microsoft.com/office/drawing/2014/main" val="2308444619"/>
+                  </a:ext>
+                </a:extLst>
+              </a:tr>
+              <a:tr h="202278">
+                <a:tc>
+                  <a:txBody>
+                    <a:bodyPr/>
+                    <a:lstStyle/>
+                    <a:p>
+                      <a:pPr algn="ctr" latinLnBrk="1"/>
+                      <a:r>
+                        <a:rPr lang="ko-KR" altLang="en-US" sz="1200" dirty="0"/>
+                        <a:t>②</a:t>
+                      </a:r>
+                      <a:r>
+                        <a:rPr lang="en-US" altLang="ko-KR" sz="1200" dirty="0"/>
+                        <a:t>: </a:t>
+                      </a:r>
+                      <a:r>
+                        <a:rPr lang="ko-KR" altLang="en-US" sz="1200" dirty="0"/>
+                        <a:t>퍼즐과 상호작용</a:t>
+                      </a:r>
+                    </a:p>
+                  </a:txBody>
+                  <a:tcPr anchor="ctr"/>
+                </a:tc>
+                <a:tc>
+                  <a:txBody>
+                    <a:bodyPr/>
+                    <a:lstStyle/>
+                    <a:p>
+                      <a:pPr algn="ctr" latinLnBrk="1"/>
+                      <a:r>
+                        <a:rPr lang="en-US" altLang="ko-KR" sz="1200" dirty="0" err="1"/>
+                        <a:t>Breakable_Box</a:t>
+                      </a:r>
+                      <a:endParaRPr lang="en-US" altLang="ko-KR" sz="1200" dirty="0"/>
+                    </a:p>
+                    <a:p>
+                      <a:pPr algn="ctr" latinLnBrk="1"/>
+                      <a:r>
+                        <a:rPr lang="en-US" altLang="ko-KR" sz="1200" dirty="0" err="1"/>
+                        <a:t>Switch_Target</a:t>
+                      </a:r>
+                      <a:endParaRPr lang="ko-KR" altLang="en-US" sz="1200" dirty="0"/>
+                    </a:p>
+                  </a:txBody>
+                  <a:tcPr anchor="ctr"/>
+                </a:tc>
+                <a:extLst>
+                  <a:ext uri="{0D108BD9-81ED-4DB2-BD59-A6C34878D82A}">
+                    <a16:rowId xmlns:a16="http://schemas.microsoft.com/office/drawing/2014/main" val="1549168891"/>
+                  </a:ext>
+                </a:extLst>
+              </a:tr>
+              <a:tr h="202278">
+                <a:tc>
+                  <a:txBody>
+                    <a:bodyPr/>
+                    <a:lstStyle/>
+                    <a:p>
+                      <a:pPr algn="ctr" latinLnBrk="1"/>
+                      <a:r>
+                        <a:rPr lang="ko-KR" altLang="en-US" sz="1200" dirty="0"/>
+                        <a:t>③</a:t>
+                      </a:r>
+                      <a:r>
+                        <a:rPr lang="en-US" altLang="ko-KR" sz="1200" dirty="0"/>
+                        <a:t>: </a:t>
+                      </a:r>
+                      <a:r>
+                        <a:rPr lang="ko-KR" altLang="en-US" sz="1200" dirty="0"/>
+                        <a:t>퍼즐과 상호작용 후 </a:t>
+                      </a:r>
+                      <a:r>
+                        <a:rPr lang="en-US" altLang="ko-KR" sz="1200" dirty="0"/>
+                        <a:t>Bullet </a:t>
+                      </a:r>
+                      <a:r>
+                        <a:rPr lang="ko-KR" altLang="en-US" sz="1200" dirty="0"/>
+                        <a:t>삭제</a:t>
+                      </a:r>
+                    </a:p>
+                  </a:txBody>
+                  <a:tcPr anchor="ctr"/>
+                </a:tc>
+                <a:tc>
+                  <a:txBody>
+                    <a:bodyPr/>
+                    <a:lstStyle/>
+                    <a:p>
+                      <a:pPr algn="ctr" latinLnBrk="1"/>
+                      <a:r>
+                        <a:rPr lang="en-US" altLang="ko-KR" sz="1200" dirty="0" err="1"/>
+                        <a:t>Direction_Changer</a:t>
+                      </a:r>
+                      <a:endParaRPr lang="ko-KR" altLang="en-US" sz="1200" dirty="0"/>
+                    </a:p>
+                  </a:txBody>
+                  <a:tcPr anchor="ctr"/>
+                </a:tc>
+                <a:extLst>
+                  <a:ext uri="{0D108BD9-81ED-4DB2-BD59-A6C34878D82A}">
+                    <a16:rowId xmlns:a16="http://schemas.microsoft.com/office/drawing/2014/main" val="2780079762"/>
+                  </a:ext>
+                </a:extLst>
+              </a:tr>
+            </a:tbl>
+          </a:graphicData>
+        </a:graphic>
+      </p:graphicFrame>
+      <p:sp>
+        <p:nvSpPr>
+          <p:cNvPr id="15" name="TextBox 14">
+            <a:extLst>
+              <a:ext uri="{FF2B5EF4-FFF2-40B4-BE49-F238E27FC236}">
+                <a16:creationId xmlns:a16="http://schemas.microsoft.com/office/drawing/2014/main" id="{739D493E-DC5F-41DB-BF58-5E4061501836}"/>
+              </a:ext>
+            </a:extLst>
+          </p:cNvPr>
+          <p:cNvSpPr txBox="1"/>
+          <p:nvPr/>
+        </p:nvSpPr>
+        <p:spPr>
+          <a:xfrm>
+            <a:off x="101601" y="1492092"/>
+            <a:ext cx="11261343" cy="2031325"/>
+          </a:xfrm>
+          <a:prstGeom prst="rect">
+            <a:avLst/>
+          </a:prstGeom>
+          <a:solidFill>
+            <a:schemeClr val="bg1">
+              <a:alpha val="20000"/>
+            </a:schemeClr>
+          </a:solidFill>
+        </p:spPr>
+        <p:txBody>
+          <a:bodyPr wrap="square" rtlCol="0">
+            <a:spAutoFit/>
+          </a:bodyPr>
+          <a:lstStyle/>
+          <a:p>
+            <a:pPr marL="285705" indent="-285705">
+              <a:buFontTx/>
+              <a:buChar char="-"/>
+            </a:pPr>
+            <a:r>
+              <a:rPr lang="en-US" altLang="ko-KR" b="1" dirty="0">
+                <a:latin typeface="HY그래픽M" panose="02030600000101010101" pitchFamily="18" charset="-127"/>
+                <a:ea typeface="HY그래픽M" panose="02030600000101010101" pitchFamily="18" charset="-127"/>
+              </a:rPr>
+              <a:t>Bullet</a:t>
+            </a:r>
+            <a:r>
+              <a:rPr lang="ko-KR" altLang="en-US" b="1" dirty="0">
+                <a:latin typeface="HY그래픽M" panose="02030600000101010101" pitchFamily="18" charset="-127"/>
+                <a:ea typeface="HY그래픽M" panose="02030600000101010101" pitchFamily="18" charset="-127"/>
+              </a:rPr>
+              <a:t>은 발사대에서 발사된 투사체로 다른 오브젝트 충돌 시 다음 </a:t>
+            </a:r>
+            <a:r>
+              <a:rPr lang="en-US" altLang="ko-KR" b="1" dirty="0">
+                <a:solidFill>
+                  <a:schemeClr val="accent4"/>
+                </a:solidFill>
+                <a:latin typeface="HY그래픽M" panose="02030600000101010101" pitchFamily="18" charset="-127"/>
+                <a:ea typeface="HY그래픽M" panose="02030600000101010101" pitchFamily="18" charset="-127"/>
+              </a:rPr>
+              <a:t>3</a:t>
+            </a:r>
+            <a:r>
+              <a:rPr lang="ko-KR" altLang="en-US" b="1" dirty="0">
+                <a:solidFill>
+                  <a:schemeClr val="accent4"/>
+                </a:solidFill>
+                <a:latin typeface="HY그래픽M" panose="02030600000101010101" pitchFamily="18" charset="-127"/>
+                <a:ea typeface="HY그래픽M" panose="02030600000101010101" pitchFamily="18" charset="-127"/>
+              </a:rPr>
+              <a:t>가지 중 하나</a:t>
+            </a:r>
+            <a:r>
+              <a:rPr lang="ko-KR" altLang="en-US" b="1" dirty="0">
+                <a:latin typeface="HY그래픽M" panose="02030600000101010101" pitchFamily="18" charset="-127"/>
+                <a:ea typeface="HY그래픽M" panose="02030600000101010101" pitchFamily="18" charset="-127"/>
+              </a:rPr>
+              <a:t>의 작용을 한다</a:t>
+            </a:r>
+            <a:r>
+              <a:rPr lang="en-US" altLang="ko-KR" b="1" dirty="0">
+                <a:latin typeface="HY그래픽M" panose="02030600000101010101" pitchFamily="18" charset="-127"/>
+                <a:ea typeface="HY그래픽M" panose="02030600000101010101" pitchFamily="18" charset="-127"/>
+              </a:rPr>
+              <a:t>.</a:t>
+            </a:r>
+          </a:p>
+          <a:p>
+            <a:r>
+              <a:rPr lang="ko-KR" altLang="en-US" b="1" dirty="0">
+                <a:solidFill>
+                  <a:schemeClr val="bg1"/>
+                </a:solidFill>
+                <a:latin typeface="HY그래픽M" panose="02030600000101010101" pitchFamily="18" charset="-127"/>
+                <a:ea typeface="HY그래픽M" panose="02030600000101010101" pitchFamily="18" charset="-127"/>
+              </a:rPr>
+              <a:t>① </a:t>
+            </a:r>
+            <a:r>
+              <a:rPr lang="en-US" altLang="ko-KR" b="1" dirty="0">
+                <a:solidFill>
+                  <a:schemeClr val="bg1"/>
+                </a:solidFill>
+                <a:latin typeface="HY그래픽M" panose="02030600000101010101" pitchFamily="18" charset="-127"/>
+                <a:ea typeface="HY그래픽M" panose="02030600000101010101" pitchFamily="18" charset="-127"/>
+              </a:rPr>
+              <a:t>Bullet</a:t>
+            </a:r>
+            <a:r>
+              <a:rPr lang="ko-KR" altLang="en-US" b="1" dirty="0">
+                <a:solidFill>
+                  <a:schemeClr val="bg1"/>
+                </a:solidFill>
+                <a:latin typeface="HY그래픽M" panose="02030600000101010101" pitchFamily="18" charset="-127"/>
+                <a:ea typeface="HY그래픽M" panose="02030600000101010101" pitchFamily="18" charset="-127"/>
+              </a:rPr>
+              <a:t> 삭제</a:t>
+            </a:r>
+            <a:endParaRPr lang="en-US" altLang="ko-KR" b="1" dirty="0">
+              <a:solidFill>
+                <a:schemeClr val="bg1"/>
+              </a:solidFill>
+              <a:latin typeface="HY그래픽M" panose="02030600000101010101" pitchFamily="18" charset="-127"/>
+              <a:ea typeface="HY그래픽M" panose="02030600000101010101" pitchFamily="18" charset="-127"/>
+            </a:endParaRPr>
+          </a:p>
+          <a:p>
+            <a:r>
+              <a:rPr lang="ko-KR" altLang="en-US" b="1" dirty="0">
+                <a:solidFill>
+                  <a:schemeClr val="bg1"/>
+                </a:solidFill>
+                <a:latin typeface="HY그래픽M" panose="02030600000101010101" pitchFamily="18" charset="-127"/>
+                <a:ea typeface="HY그래픽M" panose="02030600000101010101" pitchFamily="18" charset="-127"/>
+              </a:rPr>
+              <a:t>② 퍼즐과 상호작용</a:t>
+            </a:r>
+            <a:endParaRPr lang="en-US" altLang="ko-KR" b="1" dirty="0">
+              <a:solidFill>
+                <a:schemeClr val="bg1"/>
+              </a:solidFill>
+              <a:latin typeface="HY그래픽M" panose="02030600000101010101" pitchFamily="18" charset="-127"/>
+              <a:ea typeface="HY그래픽M" panose="02030600000101010101" pitchFamily="18" charset="-127"/>
+            </a:endParaRPr>
+          </a:p>
+          <a:p>
+            <a:r>
+              <a:rPr lang="ko-KR" altLang="en-US" b="1" dirty="0">
+                <a:solidFill>
+                  <a:schemeClr val="bg1"/>
+                </a:solidFill>
+                <a:latin typeface="HY그래픽M" panose="02030600000101010101" pitchFamily="18" charset="-127"/>
+                <a:ea typeface="HY그래픽M" panose="02030600000101010101" pitchFamily="18" charset="-127"/>
+              </a:rPr>
+              <a:t>③ 퍼즐과 상호작용 후 </a:t>
+            </a:r>
+            <a:r>
+              <a:rPr lang="en-US" altLang="ko-KR" b="1" dirty="0">
+                <a:solidFill>
+                  <a:schemeClr val="bg1"/>
+                </a:solidFill>
+                <a:latin typeface="HY그래픽M" panose="02030600000101010101" pitchFamily="18" charset="-127"/>
+                <a:ea typeface="HY그래픽M" panose="02030600000101010101" pitchFamily="18" charset="-127"/>
+              </a:rPr>
+              <a:t>Bullet </a:t>
+            </a:r>
+            <a:r>
+              <a:rPr lang="ko-KR" altLang="en-US" b="1" dirty="0">
+                <a:solidFill>
+                  <a:schemeClr val="bg1"/>
+                </a:solidFill>
+                <a:latin typeface="HY그래픽M" panose="02030600000101010101" pitchFamily="18" charset="-127"/>
+                <a:ea typeface="HY그래픽M" panose="02030600000101010101" pitchFamily="18" charset="-127"/>
+              </a:rPr>
+              <a:t>삭제</a:t>
+            </a:r>
+            <a:endParaRPr lang="en-US" altLang="ko-KR" b="1" dirty="0">
+              <a:solidFill>
+                <a:schemeClr val="bg1"/>
+              </a:solidFill>
+              <a:latin typeface="HY그래픽M" panose="02030600000101010101" pitchFamily="18" charset="-127"/>
+              <a:ea typeface="HY그래픽M" panose="02030600000101010101" pitchFamily="18" charset="-127"/>
+            </a:endParaRPr>
+          </a:p>
+          <a:p>
+            <a:endParaRPr lang="en-US" altLang="ko-KR" b="1" dirty="0">
+              <a:latin typeface="HY그래픽M" panose="02030600000101010101" pitchFamily="18" charset="-127"/>
+              <a:ea typeface="HY그래픽M" panose="02030600000101010101" pitchFamily="18" charset="-127"/>
+            </a:endParaRPr>
+          </a:p>
+          <a:p>
+            <a:pPr marL="285705" indent="-285705">
+              <a:buFontTx/>
+              <a:buChar char="-"/>
+            </a:pPr>
+            <a:r>
+              <a:rPr lang="en-US" altLang="ko-KR" b="1" dirty="0">
+                <a:latin typeface="HY그래픽M" panose="02030600000101010101" pitchFamily="18" charset="-127"/>
+                <a:ea typeface="HY그래픽M" panose="02030600000101010101" pitchFamily="18" charset="-127"/>
+              </a:rPr>
+              <a:t>3</a:t>
+            </a:r>
+            <a:r>
+              <a:rPr lang="ko-KR" altLang="en-US" b="1" dirty="0">
+                <a:latin typeface="HY그래픽M" panose="02030600000101010101" pitchFamily="18" charset="-127"/>
+                <a:ea typeface="HY그래픽M" panose="02030600000101010101" pitchFamily="18" charset="-127"/>
+              </a:rPr>
+              <a:t>가지 작용에 따른 구분은 다음과 같다</a:t>
+            </a:r>
+            <a:r>
+              <a:rPr lang="en-US" altLang="ko-KR" b="1" dirty="0">
+                <a:latin typeface="HY그래픽M" panose="02030600000101010101" pitchFamily="18" charset="-127"/>
+                <a:ea typeface="HY그래픽M" panose="02030600000101010101" pitchFamily="18" charset="-127"/>
+              </a:rPr>
+              <a:t>.</a:t>
+            </a:r>
+          </a:p>
+          <a:p>
+            <a:pPr marL="285705" indent="-285705">
+              <a:buFontTx/>
+              <a:buChar char="-"/>
+            </a:pPr>
+            <a:endParaRPr lang="en-US" altLang="ko-KR" b="1" dirty="0">
+              <a:latin typeface="HY그래픽M" panose="02030600000101010101" pitchFamily="18" charset="-127"/>
+              <a:ea typeface="HY그래픽M" panose="02030600000101010101" pitchFamily="18" charset="-127"/>
+            </a:endParaRPr>
+          </a:p>
+        </p:txBody>
+      </p:sp>
+    </p:spTree>
+    <p:extLst>
+      <p:ext uri="{BB962C8B-B14F-4D97-AF65-F5344CB8AC3E}">
+        <p14:creationId xmlns:p14="http://schemas.microsoft.com/office/powerpoint/2010/main" val="4243984584"/>
+      </p:ext>
+    </p:extLst>
+  </p:cSld>
+  <p:clrMapOvr>
+    <a:masterClrMapping/>
+  </p:clrMapOvr>
+</p:sld>
+</file>
+
+<file path=ppt/slides/slide8.xml><?xml version="1.0" encoding="utf-8"?>
 <p:sld xmlns:a="http://schemas.openxmlformats.org/drawingml/2006/main" xmlns:r="http://schemas.openxmlformats.org/officeDocument/2006/relationships" xmlns:p="http://schemas.openxmlformats.org/presentationml/2006/main">
   <p:cSld>
     <p:spTree>
@@ -13066,7 +14760,7 @@
 </p:sld>
 </file>
 
-<file path=ppt/slides/slide8.xml><?xml version="1.0" encoding="utf-8"?>
+<file path=ppt/slides/slide9.xml><?xml version="1.0" encoding="utf-8"?>
 <p:sld xmlns:a="http://schemas.openxmlformats.org/drawingml/2006/main" xmlns:r="http://schemas.openxmlformats.org/officeDocument/2006/relationships" xmlns:p="http://schemas.openxmlformats.org/presentationml/2006/main">
   <p:cSld>
     <p:spTree>
@@ -14155,934 +15849,6 @@
     <p:extLst>
       <p:ext uri="{BB962C8B-B14F-4D97-AF65-F5344CB8AC3E}">
         <p14:creationId xmlns:p14="http://schemas.microsoft.com/office/powerpoint/2010/main" val="1618183946"/>
-      </p:ext>
-    </p:extLst>
-  </p:cSld>
-  <p:clrMapOvr>
-    <a:masterClrMapping/>
-  </p:clrMapOvr>
-</p:sld>
-</file>
-
-<file path=ppt/slides/slide9.xml><?xml version="1.0" encoding="utf-8"?>
-<p:sld xmlns:a="http://schemas.openxmlformats.org/drawingml/2006/main" xmlns:r="http://schemas.openxmlformats.org/officeDocument/2006/relationships" xmlns:p="http://schemas.openxmlformats.org/presentationml/2006/main">
-  <p:cSld>
-    <p:spTree>
-      <p:nvGrpSpPr>
-        <p:cNvPr id="1" name=""/>
-        <p:cNvGrpSpPr/>
-        <p:nvPr/>
-      </p:nvGrpSpPr>
-      <p:grpSpPr>
-        <a:xfrm>
-          <a:off x="0" y="0"/>
-          <a:ext cx="0" cy="0"/>
-          <a:chOff x="0" y="0"/>
-          <a:chExt cx="0" cy="0"/>
-        </a:xfrm>
-      </p:grpSpPr>
-      <p:sp>
-        <p:nvSpPr>
-          <p:cNvPr id="19" name="직사각형 18">
-            <a:extLst>
-              <a:ext uri="{FF2B5EF4-FFF2-40B4-BE49-F238E27FC236}">
-                <a16:creationId xmlns:a16="http://schemas.microsoft.com/office/drawing/2014/main" id="{702BA729-E4E5-4FD4-8D88-2B889F51A9E4}"/>
-              </a:ext>
-            </a:extLst>
-          </p:cNvPr>
-          <p:cNvSpPr/>
-          <p:nvPr/>
-        </p:nvSpPr>
-        <p:spPr>
-          <a:xfrm>
-            <a:off x="11891094" y="4712208"/>
-            <a:ext cx="5380906" cy="2031325"/>
-          </a:xfrm>
-          <a:prstGeom prst="rect">
-            <a:avLst/>
-          </a:prstGeom>
-          <a:solidFill>
-            <a:schemeClr val="bg1">
-              <a:alpha val="20000"/>
-            </a:schemeClr>
-          </a:solidFill>
-          <a:ln>
-            <a:solidFill>
-              <a:schemeClr val="bg1"/>
-            </a:solidFill>
-          </a:ln>
-        </p:spPr>
-        <p:style>
-          <a:lnRef idx="2">
-            <a:schemeClr val="accent1">
-              <a:shade val="50000"/>
-            </a:schemeClr>
-          </a:lnRef>
-          <a:fillRef idx="1">
-            <a:schemeClr val="accent1"/>
-          </a:fillRef>
-          <a:effectRef idx="0">
-            <a:schemeClr val="accent1"/>
-          </a:effectRef>
-          <a:fontRef idx="minor">
-            <a:schemeClr val="lt1"/>
-          </a:fontRef>
-        </p:style>
-        <p:txBody>
-          <a:bodyPr rtlCol="0" anchor="ctr"/>
-          <a:lstStyle/>
-          <a:p>
-            <a:pPr algn="ctr"/>
-            <a:endParaRPr lang="ko-KR" altLang="en-US" dirty="0"/>
-          </a:p>
-        </p:txBody>
-      </p:sp>
-      <p:sp>
-        <p:nvSpPr>
-          <p:cNvPr id="10" name="타원 9">
-            <a:extLst>
-              <a:ext uri="{FF2B5EF4-FFF2-40B4-BE49-F238E27FC236}">
-                <a16:creationId xmlns:a16="http://schemas.microsoft.com/office/drawing/2014/main" id="{3FF77EA4-8DF7-49FC-94B9-21EBB585F3EA}"/>
-              </a:ext>
-            </a:extLst>
-          </p:cNvPr>
-          <p:cNvSpPr/>
-          <p:nvPr/>
-        </p:nvSpPr>
-        <p:spPr>
-          <a:xfrm>
-            <a:off x="14972889" y="5184960"/>
-            <a:ext cx="1085819" cy="1085819"/>
-          </a:xfrm>
-          <a:prstGeom prst="ellipse">
-            <a:avLst/>
-          </a:prstGeom>
-        </p:spPr>
-        <p:style>
-          <a:lnRef idx="2">
-            <a:schemeClr val="accent1">
-              <a:shade val="50000"/>
-            </a:schemeClr>
-          </a:lnRef>
-          <a:fillRef idx="1">
-            <a:schemeClr val="accent1"/>
-          </a:fillRef>
-          <a:effectRef idx="0">
-            <a:schemeClr val="accent1"/>
-          </a:effectRef>
-          <a:fontRef idx="minor">
-            <a:schemeClr val="lt1"/>
-          </a:fontRef>
-        </p:style>
-        <p:txBody>
-          <a:bodyPr rtlCol="0" anchor="ctr"/>
-          <a:lstStyle/>
-          <a:p>
-            <a:pPr algn="ctr"/>
-            <a:r>
-              <a:rPr lang="en-US" altLang="ko-KR" sz="6600" dirty="0"/>
-              <a:t>?</a:t>
-            </a:r>
-            <a:endParaRPr lang="ko-KR" altLang="en-US" sz="6600" dirty="0"/>
-          </a:p>
-        </p:txBody>
-      </p:sp>
-      <p:sp>
-        <p:nvSpPr>
-          <p:cNvPr id="5" name="직사각형 4">
-            <a:extLst>
-              <a:ext uri="{FF2B5EF4-FFF2-40B4-BE49-F238E27FC236}">
-                <a16:creationId xmlns:a16="http://schemas.microsoft.com/office/drawing/2014/main" id="{ACA1BCF9-EB9B-41B6-8BDA-80EA546D98CD}"/>
-              </a:ext>
-            </a:extLst>
-          </p:cNvPr>
-          <p:cNvSpPr/>
-          <p:nvPr/>
-        </p:nvSpPr>
-        <p:spPr>
-          <a:xfrm>
-            <a:off x="8132804" y="33681"/>
-            <a:ext cx="1344535" cy="923330"/>
-          </a:xfrm>
-          <a:prstGeom prst="rect">
-            <a:avLst/>
-          </a:prstGeom>
-          <a:noFill/>
-        </p:spPr>
-        <p:txBody>
-          <a:bodyPr wrap="none" lIns="91440" tIns="45720" rIns="91440" bIns="45720">
-            <a:spAutoFit/>
-          </a:bodyPr>
-          <a:lstStyle/>
-          <a:p>
-            <a:pPr algn="ctr"/>
-            <a:r>
-              <a:rPr lang="en-US" altLang="ko-KR" sz="5400" b="1" dirty="0">
-                <a:ln w="0">
-                  <a:solidFill>
-                    <a:schemeClr val="bg1"/>
-                  </a:solidFill>
-                </a:ln>
-                <a:latin typeface="+mj-ea"/>
-                <a:ea typeface="+mj-ea"/>
-              </a:rPr>
-              <a:t>WA</a:t>
-            </a:r>
-          </a:p>
-        </p:txBody>
-      </p:sp>
-      <p:sp>
-        <p:nvSpPr>
-          <p:cNvPr id="6" name="사각형: 둥근 모서리 5">
-            <a:extLst>
-              <a:ext uri="{FF2B5EF4-FFF2-40B4-BE49-F238E27FC236}">
-                <a16:creationId xmlns:a16="http://schemas.microsoft.com/office/drawing/2014/main" id="{5D0AC4DD-1B8E-4763-99EF-F61B6A3F6AA2}"/>
-              </a:ext>
-            </a:extLst>
-          </p:cNvPr>
-          <p:cNvSpPr/>
-          <p:nvPr/>
-        </p:nvSpPr>
-        <p:spPr>
-          <a:xfrm>
-            <a:off x="101601" y="993855"/>
-            <a:ext cx="17406942" cy="318170"/>
-          </a:xfrm>
-          <a:prstGeom prst="roundRect">
-            <a:avLst/>
-          </a:prstGeom>
-          <a:solidFill>
-            <a:schemeClr val="accent1">
-              <a:lumMod val="75000"/>
-            </a:schemeClr>
-          </a:solidFill>
-          <a:ln>
-            <a:noFill/>
-          </a:ln>
-        </p:spPr>
-        <p:style>
-          <a:lnRef idx="2">
-            <a:schemeClr val="accent1">
-              <a:shade val="50000"/>
-            </a:schemeClr>
-          </a:lnRef>
-          <a:fillRef idx="1">
-            <a:schemeClr val="accent1"/>
-          </a:fillRef>
-          <a:effectRef idx="0">
-            <a:schemeClr val="accent1"/>
-          </a:effectRef>
-          <a:fontRef idx="minor">
-            <a:schemeClr val="lt1"/>
-          </a:fontRef>
-        </p:style>
-        <p:txBody>
-          <a:bodyPr rtlCol="0" anchor="ctr"/>
-          <a:lstStyle/>
-          <a:p>
-            <a:pPr algn="ctr"/>
-            <a:r>
-              <a:rPr lang="en-US" altLang="ko-KR" b="1" dirty="0">
-                <a:latin typeface="메이플스토리" panose="02000300000000000000" pitchFamily="2" charset="-127"/>
-                <a:ea typeface="메이플스토리" panose="02000300000000000000" pitchFamily="2" charset="-127"/>
-              </a:rPr>
-              <a:t>Breakable Box</a:t>
-            </a:r>
-            <a:endParaRPr lang="ko-KR" altLang="en-US" b="1" dirty="0">
-              <a:latin typeface="메이플스토리" panose="02000300000000000000" pitchFamily="2" charset="-127"/>
-              <a:ea typeface="메이플스토리" panose="02000300000000000000" pitchFamily="2" charset="-127"/>
-            </a:endParaRPr>
-          </a:p>
-        </p:txBody>
-      </p:sp>
-      <p:sp>
-        <p:nvSpPr>
-          <p:cNvPr id="7" name="TextBox 6">
-            <a:extLst>
-              <a:ext uri="{FF2B5EF4-FFF2-40B4-BE49-F238E27FC236}">
-                <a16:creationId xmlns:a16="http://schemas.microsoft.com/office/drawing/2014/main" id="{A7C9F1A1-A5B7-4571-ADBF-29B66B229C5F}"/>
-              </a:ext>
-            </a:extLst>
-          </p:cNvPr>
-          <p:cNvSpPr txBox="1"/>
-          <p:nvPr/>
-        </p:nvSpPr>
-        <p:spPr>
-          <a:xfrm>
-            <a:off x="101601" y="1445888"/>
-            <a:ext cx="11261343" cy="2031325"/>
-          </a:xfrm>
-          <a:prstGeom prst="rect">
-            <a:avLst/>
-          </a:prstGeom>
-          <a:solidFill>
-            <a:schemeClr val="bg1">
-              <a:alpha val="20000"/>
-            </a:schemeClr>
-          </a:solidFill>
-        </p:spPr>
-        <p:txBody>
-          <a:bodyPr wrap="square" rtlCol="0">
-            <a:spAutoFit/>
-          </a:bodyPr>
-          <a:lstStyle/>
-          <a:p>
-            <a:pPr marL="285705" indent="-285705">
-              <a:buFontTx/>
-              <a:buChar char="-"/>
-            </a:pPr>
-            <a:r>
-              <a:rPr lang="en-US" altLang="ko-KR" b="1" dirty="0">
-                <a:latin typeface="HY그래픽M" panose="02030600000101010101" pitchFamily="18" charset="-127"/>
-                <a:ea typeface="HY그래픽M" panose="02030600000101010101" pitchFamily="18" charset="-127"/>
-              </a:rPr>
-              <a:t>Breakable Box</a:t>
-            </a:r>
-            <a:r>
-              <a:rPr lang="ko-KR" altLang="en-US" b="1" dirty="0">
-                <a:latin typeface="HY그래픽M" panose="02030600000101010101" pitchFamily="18" charset="-127"/>
-                <a:ea typeface="HY그래픽M" panose="02030600000101010101" pitchFamily="18" charset="-127"/>
-              </a:rPr>
-              <a:t>는 투사체를 이용하여 </a:t>
-            </a:r>
-            <a:r>
-              <a:rPr lang="ko-KR" altLang="en-US" b="1" dirty="0">
-                <a:solidFill>
-                  <a:schemeClr val="accent4"/>
-                </a:solidFill>
-                <a:latin typeface="HY그래픽M" panose="02030600000101010101" pitchFamily="18" charset="-127"/>
-                <a:ea typeface="HY그래픽M" panose="02030600000101010101" pitchFamily="18" charset="-127"/>
-              </a:rPr>
-              <a:t>파괴할 수 있는 박스</a:t>
-            </a:r>
-            <a:r>
-              <a:rPr lang="ko-KR" altLang="en-US" b="1" dirty="0">
-                <a:latin typeface="HY그래픽M" panose="02030600000101010101" pitchFamily="18" charset="-127"/>
-                <a:ea typeface="HY그래픽M" panose="02030600000101010101" pitchFamily="18" charset="-127"/>
-              </a:rPr>
-              <a:t>이다</a:t>
-            </a:r>
-            <a:r>
-              <a:rPr lang="en-US" altLang="ko-KR" b="1" dirty="0">
-                <a:latin typeface="HY그래픽M" panose="02030600000101010101" pitchFamily="18" charset="-127"/>
-                <a:ea typeface="HY그래픽M" panose="02030600000101010101" pitchFamily="18" charset="-127"/>
-              </a:rPr>
-              <a:t>.</a:t>
-            </a:r>
-          </a:p>
-          <a:p>
-            <a:pPr marL="285705" indent="-285705">
-              <a:buFontTx/>
-              <a:buChar char="-"/>
-            </a:pPr>
-            <a:endParaRPr lang="en-US" altLang="ko-KR" b="1" dirty="0">
-              <a:latin typeface="HY그래픽M" panose="02030600000101010101" pitchFamily="18" charset="-127"/>
-              <a:ea typeface="HY그래픽M" panose="02030600000101010101" pitchFamily="18" charset="-127"/>
-            </a:endParaRPr>
-          </a:p>
-          <a:p>
-            <a:pPr marL="285705" indent="-285705">
-              <a:buFontTx/>
-              <a:buChar char="-"/>
-            </a:pPr>
-            <a:r>
-              <a:rPr lang="en-US" altLang="ko-KR" b="1" dirty="0">
-                <a:latin typeface="HY그래픽M" panose="02030600000101010101" pitchFamily="18" charset="-127"/>
-                <a:ea typeface="HY그래픽M" panose="02030600000101010101" pitchFamily="18" charset="-127"/>
-              </a:rPr>
-              <a:t>Breakable Box</a:t>
-            </a:r>
-            <a:r>
-              <a:rPr lang="ko-KR" altLang="en-US" b="1" dirty="0">
-                <a:latin typeface="HY그래픽M" panose="02030600000101010101" pitchFamily="18" charset="-127"/>
-                <a:ea typeface="HY그래픽M" panose="02030600000101010101" pitchFamily="18" charset="-127"/>
-              </a:rPr>
-              <a:t>는 </a:t>
-            </a:r>
-            <a:r>
-              <a:rPr lang="en-US" altLang="ko-KR" b="1" dirty="0">
-                <a:solidFill>
-                  <a:schemeClr val="accent4"/>
-                </a:solidFill>
-                <a:latin typeface="HY그래픽M" panose="02030600000101010101" pitchFamily="18" charset="-127"/>
-                <a:ea typeface="HY그래픽M" panose="02030600000101010101" pitchFamily="18" charset="-127"/>
-              </a:rPr>
-              <a:t>Bullet</a:t>
-            </a:r>
-            <a:r>
-              <a:rPr lang="ko-KR" altLang="en-US" b="1" dirty="0">
-                <a:solidFill>
-                  <a:schemeClr val="accent4"/>
-                </a:solidFill>
-                <a:latin typeface="HY그래픽M" panose="02030600000101010101" pitchFamily="18" charset="-127"/>
-                <a:ea typeface="HY그래픽M" panose="02030600000101010101" pitchFamily="18" charset="-127"/>
-              </a:rPr>
-              <a:t>과 충돌 시 작동</a:t>
-            </a:r>
-            <a:r>
-              <a:rPr lang="ko-KR" altLang="en-US" b="1" dirty="0">
-                <a:latin typeface="HY그래픽M" panose="02030600000101010101" pitchFamily="18" charset="-127"/>
-                <a:ea typeface="HY그래픽M" panose="02030600000101010101" pitchFamily="18" charset="-127"/>
-              </a:rPr>
-              <a:t>하며 </a:t>
-            </a:r>
-            <a:r>
-              <a:rPr lang="en-US" altLang="ko-KR" b="1" dirty="0">
-                <a:latin typeface="HY그래픽M" panose="02030600000101010101" pitchFamily="18" charset="-127"/>
-                <a:ea typeface="HY그래픽M" panose="02030600000101010101" pitchFamily="18" charset="-127"/>
-              </a:rPr>
-              <a:t>Breakable Box</a:t>
-            </a:r>
-            <a:r>
-              <a:rPr lang="ko-KR" altLang="en-US" b="1" dirty="0">
-                <a:latin typeface="HY그래픽M" panose="02030600000101010101" pitchFamily="18" charset="-127"/>
-                <a:ea typeface="HY그래픽M" panose="02030600000101010101" pitchFamily="18" charset="-127"/>
-              </a:rPr>
-              <a:t>와 충돌한 </a:t>
-            </a:r>
-            <a:r>
-              <a:rPr lang="ko-KR" altLang="en-US" b="1" dirty="0">
-                <a:solidFill>
-                  <a:schemeClr val="accent4"/>
-                </a:solidFill>
-                <a:latin typeface="HY그래픽M" panose="02030600000101010101" pitchFamily="18" charset="-127"/>
-                <a:ea typeface="HY그래픽M" panose="02030600000101010101" pitchFamily="18" charset="-127"/>
-              </a:rPr>
-              <a:t>투사체는 파괴</a:t>
-            </a:r>
-            <a:r>
-              <a:rPr lang="ko-KR" altLang="en-US" b="1" dirty="0">
-                <a:latin typeface="HY그래픽M" panose="02030600000101010101" pitchFamily="18" charset="-127"/>
-                <a:ea typeface="HY그래픽M" panose="02030600000101010101" pitchFamily="18" charset="-127"/>
-              </a:rPr>
-              <a:t>된다</a:t>
-            </a:r>
-            <a:r>
-              <a:rPr lang="en-US" altLang="ko-KR" b="1" dirty="0">
-                <a:latin typeface="HY그래픽M" panose="02030600000101010101" pitchFamily="18" charset="-127"/>
-                <a:ea typeface="HY그래픽M" panose="02030600000101010101" pitchFamily="18" charset="-127"/>
-              </a:rPr>
-              <a:t>.</a:t>
-            </a:r>
-          </a:p>
-          <a:p>
-            <a:endParaRPr lang="en-US" altLang="ko-KR" b="1" dirty="0">
-              <a:latin typeface="HY그래픽M" panose="02030600000101010101" pitchFamily="18" charset="-127"/>
-              <a:ea typeface="HY그래픽M" panose="02030600000101010101" pitchFamily="18" charset="-127"/>
-            </a:endParaRPr>
-          </a:p>
-          <a:p>
-            <a:pPr marL="285705" indent="-285705">
-              <a:buFontTx/>
-              <a:buChar char="-"/>
-            </a:pPr>
-            <a:r>
-              <a:rPr lang="en-US" altLang="ko-KR" b="1" dirty="0">
-                <a:latin typeface="HY그래픽M" panose="02030600000101010101" pitchFamily="18" charset="-127"/>
-                <a:ea typeface="HY그래픽M" panose="02030600000101010101" pitchFamily="18" charset="-127"/>
-              </a:rPr>
-              <a:t>Breakable Box</a:t>
-            </a:r>
-            <a:r>
-              <a:rPr lang="ko-KR" altLang="en-US" b="1" dirty="0">
-                <a:latin typeface="HY그래픽M" panose="02030600000101010101" pitchFamily="18" charset="-127"/>
-                <a:ea typeface="HY그래픽M" panose="02030600000101010101" pitchFamily="18" charset="-127"/>
-              </a:rPr>
-              <a:t>가 </a:t>
-            </a:r>
-            <a:r>
-              <a:rPr lang="ko-KR" altLang="en-US" b="1" dirty="0">
-                <a:solidFill>
-                  <a:schemeClr val="accent4"/>
-                </a:solidFill>
-                <a:latin typeface="HY그래픽M" panose="02030600000101010101" pitchFamily="18" charset="-127"/>
-                <a:ea typeface="HY그래픽M" panose="02030600000101010101" pitchFamily="18" charset="-127"/>
-              </a:rPr>
-              <a:t>파괴되면 자기가 있던 위치에 다른 퍼즐을 생성</a:t>
-            </a:r>
-            <a:r>
-              <a:rPr lang="ko-KR" altLang="en-US" b="1" dirty="0">
-                <a:latin typeface="HY그래픽M" panose="02030600000101010101" pitchFamily="18" charset="-127"/>
-                <a:ea typeface="HY그래픽M" panose="02030600000101010101" pitchFamily="18" charset="-127"/>
-              </a:rPr>
-              <a:t> 할 수도 있다</a:t>
-            </a:r>
-            <a:r>
-              <a:rPr lang="en-US" altLang="ko-KR" b="1" dirty="0">
-                <a:latin typeface="HY그래픽M" panose="02030600000101010101" pitchFamily="18" charset="-127"/>
-                <a:ea typeface="HY그래픽M" panose="02030600000101010101" pitchFamily="18" charset="-127"/>
-              </a:rPr>
-              <a:t>.</a:t>
-            </a:r>
-            <a:endParaRPr lang="en-US" altLang="ko-KR" b="1" dirty="0">
-              <a:solidFill>
-                <a:schemeClr val="accent4"/>
-              </a:solidFill>
-              <a:latin typeface="HY그래픽M" panose="02030600000101010101" pitchFamily="18" charset="-127"/>
-              <a:ea typeface="HY그래픽M" panose="02030600000101010101" pitchFamily="18" charset="-127"/>
-            </a:endParaRPr>
-          </a:p>
-          <a:p>
-            <a:r>
-              <a:rPr lang="en-US" altLang="ko-KR" b="1" dirty="0">
-                <a:solidFill>
-                  <a:schemeClr val="bg1"/>
-                </a:solidFill>
-                <a:latin typeface="HY그래픽M" panose="02030600000101010101" pitchFamily="18" charset="-127"/>
-                <a:ea typeface="HY그래픽M" panose="02030600000101010101" pitchFamily="18" charset="-127"/>
-              </a:rPr>
-              <a:t>(</a:t>
-            </a:r>
-            <a:r>
-              <a:rPr lang="ko-KR" altLang="en-US" b="1" dirty="0">
-                <a:solidFill>
-                  <a:schemeClr val="bg1"/>
-                </a:solidFill>
-                <a:latin typeface="HY그래픽M" panose="02030600000101010101" pitchFamily="18" charset="-127"/>
-                <a:ea typeface="HY그래픽M" panose="02030600000101010101" pitchFamily="18" charset="-127"/>
-              </a:rPr>
-              <a:t>배치된 </a:t>
-            </a:r>
-            <a:r>
-              <a:rPr lang="en-US" altLang="ko-KR" b="1" dirty="0">
-                <a:solidFill>
-                  <a:schemeClr val="bg1"/>
-                </a:solidFill>
-                <a:latin typeface="HY그래픽M" panose="02030600000101010101" pitchFamily="18" charset="-127"/>
-                <a:ea typeface="HY그래픽M" panose="02030600000101010101" pitchFamily="18" charset="-127"/>
-              </a:rPr>
-              <a:t>Breakable Box</a:t>
-            </a:r>
-            <a:r>
-              <a:rPr lang="ko-KR" altLang="en-US" b="1" dirty="0">
-                <a:solidFill>
-                  <a:schemeClr val="bg1"/>
-                </a:solidFill>
-                <a:latin typeface="HY그래픽M" panose="02030600000101010101" pitchFamily="18" charset="-127"/>
-                <a:ea typeface="HY그래픽M" panose="02030600000101010101" pitchFamily="18" charset="-127"/>
-              </a:rPr>
-              <a:t>마다 퍼즐의 생성 여부 및 종류는 고정이다</a:t>
-            </a:r>
-            <a:r>
-              <a:rPr lang="en-US" altLang="ko-KR" b="1" dirty="0">
-                <a:solidFill>
-                  <a:schemeClr val="bg1"/>
-                </a:solidFill>
-                <a:latin typeface="HY그래픽M" panose="02030600000101010101" pitchFamily="18" charset="-127"/>
-                <a:ea typeface="HY그래픽M" panose="02030600000101010101" pitchFamily="18" charset="-127"/>
-              </a:rPr>
-              <a:t>.)</a:t>
-            </a:r>
-          </a:p>
-          <a:p>
-            <a:pPr marL="285705" indent="-285705">
-              <a:buFontTx/>
-              <a:buChar char="-"/>
-            </a:pPr>
-            <a:endParaRPr lang="en-US" altLang="ko-KR" b="1" dirty="0">
-              <a:latin typeface="HY그래픽M" panose="02030600000101010101" pitchFamily="18" charset="-127"/>
-              <a:ea typeface="HY그래픽M" panose="02030600000101010101" pitchFamily="18" charset="-127"/>
-            </a:endParaRPr>
-          </a:p>
-        </p:txBody>
-      </p:sp>
-      <p:sp>
-        <p:nvSpPr>
-          <p:cNvPr id="9" name="직사각형 8">
-            <a:extLst>
-              <a:ext uri="{FF2B5EF4-FFF2-40B4-BE49-F238E27FC236}">
-                <a16:creationId xmlns:a16="http://schemas.microsoft.com/office/drawing/2014/main" id="{FF94EDAC-6756-4CB3-AB0E-ABA20950214F}"/>
-              </a:ext>
-            </a:extLst>
-          </p:cNvPr>
-          <p:cNvSpPr/>
-          <p:nvPr/>
-        </p:nvSpPr>
-        <p:spPr>
-          <a:xfrm>
-            <a:off x="11891094" y="1621536"/>
-            <a:ext cx="5380906" cy="2031325"/>
-          </a:xfrm>
-          <a:prstGeom prst="rect">
-            <a:avLst/>
-          </a:prstGeom>
-          <a:solidFill>
-            <a:schemeClr val="bg1">
-              <a:alpha val="20000"/>
-            </a:schemeClr>
-          </a:solidFill>
-          <a:ln>
-            <a:solidFill>
-              <a:schemeClr val="bg1"/>
-            </a:solidFill>
-          </a:ln>
-        </p:spPr>
-        <p:style>
-          <a:lnRef idx="2">
-            <a:schemeClr val="accent1">
-              <a:shade val="50000"/>
-            </a:schemeClr>
-          </a:lnRef>
-          <a:fillRef idx="1">
-            <a:schemeClr val="accent1"/>
-          </a:fillRef>
-          <a:effectRef idx="0">
-            <a:schemeClr val="accent1"/>
-          </a:effectRef>
-          <a:fontRef idx="minor">
-            <a:schemeClr val="lt1"/>
-          </a:fontRef>
-        </p:style>
-        <p:txBody>
-          <a:bodyPr rtlCol="0" anchor="ctr"/>
-          <a:lstStyle/>
-          <a:p>
-            <a:pPr algn="ctr"/>
-            <a:endParaRPr lang="ko-KR" altLang="en-US" dirty="0"/>
-          </a:p>
-        </p:txBody>
-      </p:sp>
-      <p:pic>
-        <p:nvPicPr>
-          <p:cNvPr id="2050" name="Picture 2" descr="추억의 고전게임] 공튀기기 게임하기 및 다운로드! : 네이버 블로그">
-            <a:extLst>
-              <a:ext uri="{FF2B5EF4-FFF2-40B4-BE49-F238E27FC236}">
-                <a16:creationId xmlns:a16="http://schemas.microsoft.com/office/drawing/2014/main" id="{4B827691-80FD-4555-B737-4123ECDE7DC6}"/>
-              </a:ext>
-            </a:extLst>
-          </p:cNvPr>
-          <p:cNvPicPr>
-            <a:picLocks noChangeAspect="1" noChangeArrowheads="1"/>
-          </p:cNvPicPr>
-          <p:nvPr/>
-        </p:nvPicPr>
-        <p:blipFill rotWithShape="1">
-          <a:blip r:embed="rId2">
-            <a:extLst>
-              <a:ext uri="{28A0092B-C50C-407E-A947-70E740481C1C}">
-                <a14:useLocalDpi xmlns:a14="http://schemas.microsoft.com/office/drawing/2010/main" val="0"/>
-              </a:ext>
-            </a:extLst>
-          </a:blip>
-          <a:srcRect l="79915" t="59765" r="14909" b="33204"/>
-          <a:stretch/>
-        </p:blipFill>
-        <p:spPr bwMode="auto">
-          <a:xfrm>
-            <a:off x="14914244" y="2023888"/>
-            <a:ext cx="1294781" cy="1319213"/>
-          </a:xfrm>
-          <a:prstGeom prst="rect">
-            <a:avLst/>
-          </a:prstGeom>
-          <a:noFill/>
-          <a:extLst>
-            <a:ext uri="{909E8E84-426E-40DD-AFC4-6F175D3DCCD1}">
-              <a14:hiddenFill xmlns:a14="http://schemas.microsoft.com/office/drawing/2010/main">
-                <a:solidFill>
-                  <a:srgbClr val="FFFFFF"/>
-                </a:solidFill>
-              </a14:hiddenFill>
-            </a:ext>
-          </a:extLst>
-        </p:spPr>
-      </p:pic>
-      <p:pic>
-        <p:nvPicPr>
-          <p:cNvPr id="17" name="Picture 6" descr="Free Icon | Bullet">
-            <a:extLst>
-              <a:ext uri="{FF2B5EF4-FFF2-40B4-BE49-F238E27FC236}">
-                <a16:creationId xmlns:a16="http://schemas.microsoft.com/office/drawing/2014/main" id="{F7C03374-21C4-4ABB-9016-E5221EF1D9C5}"/>
-              </a:ext>
-            </a:extLst>
-          </p:cNvPr>
-          <p:cNvPicPr>
-            <a:picLocks noChangeAspect="1" noChangeArrowheads="1"/>
-          </p:cNvPicPr>
-          <p:nvPr/>
-        </p:nvPicPr>
-        <p:blipFill>
-          <a:blip r:embed="rId3">
-            <a:extLst>
-              <a:ext uri="{28A0092B-C50C-407E-A947-70E740481C1C}">
-                <a14:useLocalDpi xmlns:a14="http://schemas.microsoft.com/office/drawing/2010/main" val="0"/>
-              </a:ext>
-            </a:extLst>
-          </a:blip>
-          <a:srcRect/>
-          <a:stretch>
-            <a:fillRect/>
-          </a:stretch>
-        </p:blipFill>
-        <p:spPr bwMode="auto">
-          <a:xfrm>
-            <a:off x="13532951" y="2124885"/>
-            <a:ext cx="1117218" cy="1117218"/>
-          </a:xfrm>
-          <a:prstGeom prst="rect">
-            <a:avLst/>
-          </a:prstGeom>
-          <a:noFill/>
-          <a:extLst>
-            <a:ext uri="{909E8E84-426E-40DD-AFC4-6F175D3DCCD1}">
-              <a14:hiddenFill xmlns:a14="http://schemas.microsoft.com/office/drawing/2010/main">
-                <a:solidFill>
-                  <a:srgbClr val="FFFFFF"/>
-                </a:solidFill>
-              </a14:hiddenFill>
-            </a:ext>
-          </a:extLst>
-        </p:spPr>
-      </p:pic>
-      <p:sp>
-        <p:nvSpPr>
-          <p:cNvPr id="4" name="별: 꼭짓점 7개 3">
-            <a:extLst>
-              <a:ext uri="{FF2B5EF4-FFF2-40B4-BE49-F238E27FC236}">
-                <a16:creationId xmlns:a16="http://schemas.microsoft.com/office/drawing/2014/main" id="{80FD1E23-53CE-4D47-91F7-3A2CA923E809}"/>
-              </a:ext>
-            </a:extLst>
-          </p:cNvPr>
-          <p:cNvSpPr/>
-          <p:nvPr/>
-        </p:nvSpPr>
-        <p:spPr>
-          <a:xfrm rot="900000">
-            <a:off x="14322339" y="2144452"/>
-            <a:ext cx="1072896" cy="1072896"/>
-          </a:xfrm>
-          <a:prstGeom prst="star7">
-            <a:avLst>
-              <a:gd name="adj" fmla="val 18400"/>
-              <a:gd name="hf" fmla="val 102572"/>
-              <a:gd name="vf" fmla="val 105210"/>
-            </a:avLst>
-          </a:prstGeom>
-          <a:solidFill>
-            <a:srgbClr val="FF0000"/>
-          </a:solidFill>
-          <a:ln>
-            <a:noFill/>
-          </a:ln>
-        </p:spPr>
-        <p:style>
-          <a:lnRef idx="2">
-            <a:schemeClr val="accent1">
-              <a:shade val="50000"/>
-            </a:schemeClr>
-          </a:lnRef>
-          <a:fillRef idx="1">
-            <a:schemeClr val="accent1"/>
-          </a:fillRef>
-          <a:effectRef idx="0">
-            <a:schemeClr val="accent1"/>
-          </a:effectRef>
-          <a:fontRef idx="minor">
-            <a:schemeClr val="lt1"/>
-          </a:fontRef>
-        </p:style>
-        <p:txBody>
-          <a:bodyPr rtlCol="0" anchor="ctr"/>
-          <a:lstStyle/>
-          <a:p>
-            <a:pPr algn="ctr"/>
-            <a:endParaRPr lang="ko-KR" altLang="en-US"/>
-          </a:p>
-        </p:txBody>
-      </p:sp>
-      <p:sp>
-        <p:nvSpPr>
-          <p:cNvPr id="20" name="화살표: 왼쪽 19">
-            <a:extLst>
-              <a:ext uri="{FF2B5EF4-FFF2-40B4-BE49-F238E27FC236}">
-                <a16:creationId xmlns:a16="http://schemas.microsoft.com/office/drawing/2014/main" id="{D65D4139-688A-45F0-A79B-09DE68E5F597}"/>
-              </a:ext>
-            </a:extLst>
-          </p:cNvPr>
-          <p:cNvSpPr/>
-          <p:nvPr/>
-        </p:nvSpPr>
-        <p:spPr>
-          <a:xfrm rot="16200000">
-            <a:off x="14082701" y="3994266"/>
-            <a:ext cx="1134939" cy="493716"/>
-          </a:xfrm>
-          <a:prstGeom prst="leftArrow">
-            <a:avLst/>
-          </a:prstGeom>
-          <a:solidFill>
-            <a:srgbClr val="92D050"/>
-          </a:solidFill>
-          <a:ln>
-            <a:solidFill>
-              <a:schemeClr val="tx1"/>
-            </a:solidFill>
-          </a:ln>
-        </p:spPr>
-        <p:style>
-          <a:lnRef idx="2">
-            <a:schemeClr val="accent1">
-              <a:shade val="50000"/>
-            </a:schemeClr>
-          </a:lnRef>
-          <a:fillRef idx="1">
-            <a:schemeClr val="accent1"/>
-          </a:fillRef>
-          <a:effectRef idx="0">
-            <a:schemeClr val="accent1"/>
-          </a:effectRef>
-          <a:fontRef idx="minor">
-            <a:schemeClr val="lt1"/>
-          </a:fontRef>
-        </p:style>
-        <p:txBody>
-          <a:bodyPr rtlCol="0" anchor="ctr"/>
-          <a:lstStyle/>
-          <a:p>
-            <a:pPr algn="ctr"/>
-            <a:endParaRPr lang="ko-KR" altLang="en-US"/>
-          </a:p>
-        </p:txBody>
-      </p:sp>
-      <p:pic>
-        <p:nvPicPr>
-          <p:cNvPr id="21" name="Picture 2" descr="추억의 고전게임] 공튀기기 게임하기 및 다운로드! : 네이버 블로그">
-            <a:extLst>
-              <a:ext uri="{FF2B5EF4-FFF2-40B4-BE49-F238E27FC236}">
-                <a16:creationId xmlns:a16="http://schemas.microsoft.com/office/drawing/2014/main" id="{FD570BB2-B097-4643-A363-58EA37494C21}"/>
-              </a:ext>
-            </a:extLst>
-          </p:cNvPr>
-          <p:cNvPicPr>
-            <a:picLocks noChangeAspect="1" noChangeArrowheads="1"/>
-          </p:cNvPicPr>
-          <p:nvPr/>
-        </p:nvPicPr>
-        <p:blipFill rotWithShape="1">
-          <a:blip r:embed="rId2">
-            <a:extLst>
-              <a:ext uri="{28A0092B-C50C-407E-A947-70E740481C1C}">
-                <a14:useLocalDpi xmlns:a14="http://schemas.microsoft.com/office/drawing/2010/main" val="0"/>
-              </a:ext>
-            </a:extLst>
-          </a:blip>
-          <a:srcRect l="79915" t="59765" r="17511" b="37002"/>
-          <a:stretch/>
-        </p:blipFill>
-        <p:spPr bwMode="auto">
-          <a:xfrm>
-            <a:off x="14684599" y="4835358"/>
-            <a:ext cx="643806" cy="606552"/>
-          </a:xfrm>
-          <a:prstGeom prst="rect">
-            <a:avLst/>
-          </a:prstGeom>
-          <a:noFill/>
-          <a:extLst>
-            <a:ext uri="{909E8E84-426E-40DD-AFC4-6F175D3DCCD1}">
-              <a14:hiddenFill xmlns:a14="http://schemas.microsoft.com/office/drawing/2010/main">
-                <a:solidFill>
-                  <a:srgbClr val="FFFFFF"/>
-                </a:solidFill>
-              </a14:hiddenFill>
-            </a:ext>
-          </a:extLst>
-        </p:spPr>
-      </p:pic>
-      <p:pic>
-        <p:nvPicPr>
-          <p:cNvPr id="24" name="Picture 2" descr="추억의 고전게임] 공튀기기 게임하기 및 다운로드! : 네이버 블로그">
-            <a:extLst>
-              <a:ext uri="{FF2B5EF4-FFF2-40B4-BE49-F238E27FC236}">
-                <a16:creationId xmlns:a16="http://schemas.microsoft.com/office/drawing/2014/main" id="{83F29A88-CECC-4B14-953F-64EBB58CC9CD}"/>
-              </a:ext>
-            </a:extLst>
-          </p:cNvPr>
-          <p:cNvPicPr>
-            <a:picLocks noChangeAspect="1" noChangeArrowheads="1"/>
-          </p:cNvPicPr>
-          <p:nvPr/>
-        </p:nvPicPr>
-        <p:blipFill rotWithShape="1">
-          <a:blip r:embed="rId2">
-            <a:extLst>
-              <a:ext uri="{28A0092B-C50C-407E-A947-70E740481C1C}">
-                <a14:useLocalDpi xmlns:a14="http://schemas.microsoft.com/office/drawing/2010/main" val="0"/>
-              </a:ext>
-            </a:extLst>
-          </a:blip>
-          <a:srcRect l="82324" t="59765" r="14909" b="33204"/>
-          <a:stretch/>
-        </p:blipFill>
-        <p:spPr bwMode="auto">
-          <a:xfrm>
-            <a:off x="15897736" y="4837782"/>
-            <a:ext cx="692144" cy="1319213"/>
-          </a:xfrm>
-          <a:prstGeom prst="rect">
-            <a:avLst/>
-          </a:prstGeom>
-          <a:noFill/>
-          <a:extLst>
-            <a:ext uri="{909E8E84-426E-40DD-AFC4-6F175D3DCCD1}">
-              <a14:hiddenFill xmlns:a14="http://schemas.microsoft.com/office/drawing/2010/main">
-                <a:solidFill>
-                  <a:srgbClr val="FFFFFF"/>
-                </a:solidFill>
-              </a14:hiddenFill>
-            </a:ext>
-          </a:extLst>
-        </p:spPr>
-      </p:pic>
-      <p:pic>
-        <p:nvPicPr>
-          <p:cNvPr id="25" name="Picture 2" descr="추억의 고전게임] 공튀기기 게임하기 및 다운로드! : 네이버 블로그">
-            <a:extLst>
-              <a:ext uri="{FF2B5EF4-FFF2-40B4-BE49-F238E27FC236}">
-                <a16:creationId xmlns:a16="http://schemas.microsoft.com/office/drawing/2014/main" id="{F9EA5D2C-1882-4A54-BD95-68D6159CE5AB}"/>
-              </a:ext>
-            </a:extLst>
-          </p:cNvPr>
-          <p:cNvPicPr>
-            <a:picLocks noChangeAspect="1" noChangeArrowheads="1"/>
-          </p:cNvPicPr>
-          <p:nvPr/>
-        </p:nvPicPr>
-        <p:blipFill rotWithShape="1">
-          <a:blip r:embed="rId2">
-            <a:extLst>
-              <a:ext uri="{28A0092B-C50C-407E-A947-70E740481C1C}">
-                <a14:useLocalDpi xmlns:a14="http://schemas.microsoft.com/office/drawing/2010/main" val="0"/>
-              </a:ext>
-            </a:extLst>
-          </a:blip>
-          <a:srcRect l="79915" t="63088" r="17439" b="33204"/>
-          <a:stretch/>
-        </p:blipFill>
-        <p:spPr bwMode="auto">
-          <a:xfrm>
-            <a:off x="14501185" y="5893832"/>
-            <a:ext cx="661975" cy="695730"/>
-          </a:xfrm>
-          <a:prstGeom prst="rect">
-            <a:avLst/>
-          </a:prstGeom>
-          <a:noFill/>
-          <a:extLst>
-            <a:ext uri="{909E8E84-426E-40DD-AFC4-6F175D3DCCD1}">
-              <a14:hiddenFill xmlns:a14="http://schemas.microsoft.com/office/drawing/2010/main">
-                <a:solidFill>
-                  <a:srgbClr val="FFFFFF"/>
-                </a:solidFill>
-              </a14:hiddenFill>
-            </a:ext>
-          </a:extLst>
-        </p:spPr>
-      </p:pic>
-    </p:spTree>
-    <p:extLst>
-      <p:ext uri="{BB962C8B-B14F-4D97-AF65-F5344CB8AC3E}">
-        <p14:creationId xmlns:p14="http://schemas.microsoft.com/office/powerpoint/2010/main" val="87780996"/>
       </p:ext>
     </p:extLst>
   </p:cSld>

--- a/기획서/신버전/퍼즐 기획.pptx
+++ b/기획서/신버전/퍼즐 기획.pptx
@@ -224,7 +224,7 @@
           <a:p>
             <a:fld id="{D686C50E-113A-4B4A-8A5C-9EE1E9DBA064}" type="datetimeFigureOut">
               <a:rPr lang="ko-KR" altLang="en-US" smtClean="0"/>
-              <a:t>2021-05-14</a:t>
+              <a:t>2021-05-17</a:t>
             </a:fld>
             <a:endParaRPr lang="ko-KR" altLang="en-US" dirty="0"/>
           </a:p>
@@ -401,7 +401,7 @@
           <a:p>
             <a:fld id="{40EC3B2E-CA71-40FC-A78E-FA212ABD0BB7}" type="datetimeFigureOut">
               <a:rPr lang="ko-KR" altLang="en-US" smtClean="0"/>
-              <a:t>2021-05-14</a:t>
+              <a:t>2021-05-17</a:t>
             </a:fld>
             <a:endParaRPr lang="ko-KR" altLang="en-US" dirty="0"/>
           </a:p>
@@ -799,7 +799,7 @@
           <a:p>
             <a:fld id="{F8CAAD71-D53C-4447-AAA3-BC9075A67E69}" type="datetimeFigureOut">
               <a:rPr lang="ko-KR" altLang="en-US" smtClean="0"/>
-              <a:t>2021-05-14</a:t>
+              <a:t>2021-05-17</a:t>
             </a:fld>
             <a:endParaRPr lang="ko-KR" altLang="en-US" dirty="0"/>
           </a:p>
@@ -969,7 +969,7 @@
           <a:p>
             <a:fld id="{F8CAAD71-D53C-4447-AAA3-BC9075A67E69}" type="datetimeFigureOut">
               <a:rPr lang="ko-KR" altLang="en-US" smtClean="0"/>
-              <a:t>2021-05-14</a:t>
+              <a:t>2021-05-17</a:t>
             </a:fld>
             <a:endParaRPr lang="ko-KR" altLang="en-US" dirty="0"/>
           </a:p>
@@ -1149,7 +1149,7 @@
           <a:p>
             <a:fld id="{F8CAAD71-D53C-4447-AAA3-BC9075A67E69}" type="datetimeFigureOut">
               <a:rPr lang="ko-KR" altLang="en-US" smtClean="0"/>
-              <a:t>2021-05-14</a:t>
+              <a:t>2021-05-17</a:t>
             </a:fld>
             <a:endParaRPr lang="ko-KR" altLang="en-US" dirty="0"/>
           </a:p>
@@ -1319,7 +1319,7 @@
           <a:p>
             <a:fld id="{F8CAAD71-D53C-4447-AAA3-BC9075A67E69}" type="datetimeFigureOut">
               <a:rPr lang="ko-KR" altLang="en-US" smtClean="0"/>
-              <a:t>2021-05-14</a:t>
+              <a:t>2021-05-17</a:t>
             </a:fld>
             <a:endParaRPr lang="ko-KR" altLang="en-US" dirty="0"/>
           </a:p>
@@ -1565,7 +1565,7 @@
           <a:p>
             <a:fld id="{F8CAAD71-D53C-4447-AAA3-BC9075A67E69}" type="datetimeFigureOut">
               <a:rPr lang="ko-KR" altLang="en-US" smtClean="0"/>
-              <a:t>2021-05-14</a:t>
+              <a:t>2021-05-17</a:t>
             </a:fld>
             <a:endParaRPr lang="ko-KR" altLang="en-US" dirty="0"/>
           </a:p>
@@ -1797,7 +1797,7 @@
           <a:p>
             <a:fld id="{F8CAAD71-D53C-4447-AAA3-BC9075A67E69}" type="datetimeFigureOut">
               <a:rPr lang="ko-KR" altLang="en-US" smtClean="0"/>
-              <a:t>2021-05-14</a:t>
+              <a:t>2021-05-17</a:t>
             </a:fld>
             <a:endParaRPr lang="ko-KR" altLang="en-US" dirty="0"/>
           </a:p>
@@ -2164,7 +2164,7 @@
           <a:p>
             <a:fld id="{F8CAAD71-D53C-4447-AAA3-BC9075A67E69}" type="datetimeFigureOut">
               <a:rPr lang="ko-KR" altLang="en-US" smtClean="0"/>
-              <a:t>2021-05-14</a:t>
+              <a:t>2021-05-17</a:t>
             </a:fld>
             <a:endParaRPr lang="ko-KR" altLang="en-US" dirty="0"/>
           </a:p>
@@ -2282,7 +2282,7 @@
           <a:p>
             <a:fld id="{F8CAAD71-D53C-4447-AAA3-BC9075A67E69}" type="datetimeFigureOut">
               <a:rPr lang="ko-KR" altLang="en-US" smtClean="0"/>
-              <a:t>2021-05-14</a:t>
+              <a:t>2021-05-17</a:t>
             </a:fld>
             <a:endParaRPr lang="ko-KR" altLang="en-US" dirty="0"/>
           </a:p>
@@ -2377,7 +2377,7 @@
           <a:p>
             <a:fld id="{F8CAAD71-D53C-4447-AAA3-BC9075A67E69}" type="datetimeFigureOut">
               <a:rPr lang="ko-KR" altLang="en-US" smtClean="0"/>
-              <a:t>2021-05-14</a:t>
+              <a:t>2021-05-17</a:t>
             </a:fld>
             <a:endParaRPr lang="ko-KR" altLang="en-US" dirty="0"/>
           </a:p>
@@ -2654,7 +2654,7 @@
           <a:p>
             <a:fld id="{F8CAAD71-D53C-4447-AAA3-BC9075A67E69}" type="datetimeFigureOut">
               <a:rPr lang="ko-KR" altLang="en-US" smtClean="0"/>
-              <a:t>2021-05-14</a:t>
+              <a:t>2021-05-17</a:t>
             </a:fld>
             <a:endParaRPr lang="ko-KR" altLang="en-US" dirty="0"/>
           </a:p>
@@ -2911,7 +2911,7 @@
           <a:p>
             <a:fld id="{F8CAAD71-D53C-4447-AAA3-BC9075A67E69}" type="datetimeFigureOut">
               <a:rPr lang="ko-KR" altLang="en-US" smtClean="0"/>
-              <a:t>2021-05-14</a:t>
+              <a:t>2021-05-17</a:t>
             </a:fld>
             <a:endParaRPr lang="ko-KR" altLang="en-US" dirty="0"/>
           </a:p>
@@ -3129,7 +3129,7 @@
           <a:p>
             <a:fld id="{F8CAAD71-D53C-4447-AAA3-BC9075A67E69}" type="datetimeFigureOut">
               <a:rPr lang="ko-KR" altLang="en-US" smtClean="0"/>
-              <a:t>2021-05-14</a:t>
+              <a:t>2021-05-17</a:t>
             </a:fld>
             <a:endParaRPr lang="ko-KR" altLang="en-US" dirty="0"/>
           </a:p>
@@ -13095,7 +13095,7 @@
           <p:nvPr>
             <p:extLst>
               <p:ext uri="{D42A27DB-BD31-4B8C-83A1-F6EECF244321}">
-                <p14:modId xmlns:p14="http://schemas.microsoft.com/office/powerpoint/2010/main" val="1933931263"/>
+                <p14:modId xmlns:p14="http://schemas.microsoft.com/office/powerpoint/2010/main" val="3970258704"/>
               </p:ext>
             </p:extLst>
           </p:nvPr>
@@ -13243,15 +13243,7 @@
                       <a:pPr algn="ctr" latinLnBrk="1"/>
                       <a:r>
                         <a:rPr lang="en-US" altLang="ko-KR" sz="1200" dirty="0" err="1"/>
-                        <a:t>Breakable_Box</a:t>
-                      </a:r>
-                      <a:endParaRPr lang="en-US" altLang="ko-KR" sz="1200" dirty="0"/>
-                    </a:p>
-                    <a:p>
-                      <a:pPr algn="ctr" latinLnBrk="1"/>
-                      <a:r>
-                        <a:rPr lang="en-US" altLang="ko-KR" sz="1200" dirty="0" err="1"/>
-                        <a:t>Switch_Target</a:t>
+                        <a:t>Direction_Changer</a:t>
                       </a:r>
                       <a:endParaRPr lang="ko-KR" altLang="en-US" sz="1200" dirty="0"/>
                     </a:p>
@@ -13303,7 +13295,15 @@
                       <a:pPr algn="ctr" latinLnBrk="1"/>
                       <a:r>
                         <a:rPr lang="en-US" altLang="ko-KR" sz="1200" dirty="0" err="1"/>
-                        <a:t>Direction_Changer</a:t>
+                        <a:t>Breakable_Box</a:t>
+                      </a:r>
+                      <a:endParaRPr lang="en-US" altLang="ko-KR" sz="1200" dirty="0"/>
+                    </a:p>
+                    <a:p>
+                      <a:pPr algn="ctr" latinLnBrk="1"/>
+                      <a:r>
+                        <a:rPr lang="en-US" altLang="ko-KR" sz="1200" dirty="0" err="1"/>
+                        <a:t>Switch_Target</a:t>
                       </a:r>
                       <a:endParaRPr lang="ko-KR" altLang="en-US" sz="1200" dirty="0"/>
                     </a:p>
